--- a/0dev/Infinite Synthesis x64 설계.pptx
+++ b/0dev/Infinite Synthesis x64 설계.pptx
@@ -1,9 +1,12 @@
 
 <file path=ppt/presentation.xml><?xml version="1.0" encoding="utf-8"?>
-<p:presentation xmlns:a="http://schemas.openxmlformats.org/drawingml/2006/main" xmlns:r="http://schemas.openxmlformats.org/officeDocument/2006/relationships" xmlns:p="http://schemas.openxmlformats.org/presentationml/2006/main" saveSubsetFonts="1">
+<p:presentation xmlns:r="http://schemas.openxmlformats.org/officeDocument/2006/relationships" xmlns:c="http://schemas.openxmlformats.org/drawingml/2006/chart" xmlns:a="http://schemas.openxmlformats.org/drawingml/2006/main" xmlns:dgm="http://schemas.openxmlformats.org/drawingml/2006/diagram" xmlns:dsp="http://schemas.microsoft.com/office/drawing/2008/diagram" xmlns:p="http://schemas.openxmlformats.org/presentationml/2006/main" saveSubsetFonts="1">
   <p:sldMasterIdLst>
-    <p:sldMasterId id="2147483648" r:id="rId1"/>
+    <p:sldMasterId id="2147483720" r:id="rId4"/>
   </p:sldMasterIdLst>
+  <p:sldIdLst>
+    <p:sldId id="257" r:id="rId1"/>
+  </p:sldIdLst>
   <p:sldSz cx="9144000" cy="6858000" type="screen4x3"/>
   <p:notesSz cx="6858000" cy="9144000"/>
   <p:defaultTextStyle>
@@ -2511,8 +2514,8 @@
 </file>
 
 <file path=ppt/slideMasters/slideMaster1.xml><?xml version="1.0" encoding="utf-8"?>
-<p:sldMaster xmlns:a="http://schemas.openxmlformats.org/drawingml/2006/main" xmlns:r="http://schemas.openxmlformats.org/officeDocument/2006/relationships" xmlns:p="http://schemas.openxmlformats.org/presentationml/2006/main">
-  <p:cSld>
+<p:sldMaster xmlns:r="http://schemas.openxmlformats.org/officeDocument/2006/relationships" xmlns:c="http://schemas.openxmlformats.org/drawingml/2006/chart" xmlns:a="http://schemas.openxmlformats.org/drawingml/2006/main" xmlns:dgm="http://schemas.openxmlformats.org/drawingml/2006/diagram" xmlns:dsp="http://schemas.microsoft.com/office/drawing/2008/diagram" xmlns:p="http://schemas.openxmlformats.org/presentationml/2006/main">
+  <p:cSld name="Office 테마">
     <p:bg>
       <p:bgRef idx="1001">
         <a:schemeClr val="bg1"/>
@@ -2539,7 +2542,7 @@
             <a:spLocks noGrp="1"/>
           </p:cNvSpPr>
           <p:nvPr>
-            <p:ph type="title"/>
+            <p:ph type="title" idx="0"/>
           </p:nvPr>
         </p:nvSpPr>
         <p:spPr>
@@ -2552,13 +2555,14 @@
           </a:prstGeom>
         </p:spPr>
         <p:txBody>
-          <a:bodyPr vert="horz" lIns="91440" tIns="45720" rIns="91440" bIns="45720" rtlCol="0" anchor="ctr">
-            <a:normAutofit/>
+          <a:bodyPr vert="horz" lIns="91440" tIns="45720" rIns="91440" bIns="45720" anchor="ctr">
+            <a:normAutofit lnSpcReduction="0"/>
           </a:bodyPr>
           <a:lstStyle/>
           <a:p>
-            <a:r>
-              <a:rPr lang="ko-KR" altLang="en-US" smtClean="0"/>
+            <a:pPr lvl="0"/>
+            <a:r>
+              <a:rPr lang="ko-KR" altLang="en-US"/>
               <a:t>마스터 제목 스타일 편집</a:t>
             </a:r>
             <a:endParaRPr lang="ko-KR" altLang="en-US"/>
@@ -2585,42 +2589,46 @@
           </a:prstGeom>
         </p:spPr>
         <p:txBody>
-          <a:bodyPr vert="horz" lIns="91440" tIns="45720" rIns="91440" bIns="45720" rtlCol="0">
-            <a:normAutofit/>
+          <a:bodyPr vert="horz" lIns="91440" tIns="45720" rIns="91440" bIns="45720">
+            <a:normAutofit lnSpcReduction="0"/>
           </a:bodyPr>
           <a:lstStyle/>
           <a:p>
             <a:pPr lvl="0"/>
             <a:r>
-              <a:rPr lang="ko-KR" altLang="en-US" smtClean="0"/>
+              <a:rPr lang="ko-KR" altLang="en-US"/>
               <a:t>마스터 텍스트 스타일을 편집합니다</a:t>
             </a:r>
+            <a:endParaRPr lang="ko-KR" altLang="en-US"/>
           </a:p>
           <a:p>
             <a:pPr lvl="1"/>
             <a:r>
-              <a:rPr lang="ko-KR" altLang="en-US" smtClean="0"/>
+              <a:rPr lang="ko-KR" altLang="en-US"/>
               <a:t>둘째 수준</a:t>
             </a:r>
+            <a:endParaRPr lang="ko-KR" altLang="en-US"/>
           </a:p>
           <a:p>
             <a:pPr lvl="2"/>
             <a:r>
-              <a:rPr lang="ko-KR" altLang="en-US" smtClean="0"/>
+              <a:rPr lang="ko-KR" altLang="en-US"/>
               <a:t>셋째 수준</a:t>
             </a:r>
+            <a:endParaRPr lang="ko-KR" altLang="en-US"/>
           </a:p>
           <a:p>
             <a:pPr lvl="3"/>
             <a:r>
-              <a:rPr lang="ko-KR" altLang="en-US" smtClean="0"/>
+              <a:rPr lang="ko-KR" altLang="en-US"/>
               <a:t>넷째 수준</a:t>
             </a:r>
+            <a:endParaRPr lang="ko-KR" altLang="en-US"/>
           </a:p>
           <a:p>
             <a:pPr lvl="4"/>
             <a:r>
-              <a:rPr lang="ko-KR" altLang="en-US" smtClean="0"/>
+              <a:rPr lang="ko-KR" altLang="en-US"/>
               <a:t>다섯째 수준</a:t>
             </a:r>
             <a:endParaRPr lang="ko-KR" altLang="en-US"/>
@@ -2647,7 +2655,7 @@
           </a:prstGeom>
         </p:spPr>
         <p:txBody>
-          <a:bodyPr vert="horz" lIns="91440" tIns="45720" rIns="91440" bIns="45720" rtlCol="0" anchor="ctr"/>
+          <a:bodyPr vert="horz" lIns="91440" tIns="45720" rIns="91440" bIns="45720" anchor="ctr"/>
           <a:lstStyle>
             <a:lvl1pPr algn="l">
               <a:defRPr sz="1200">
@@ -2660,9 +2668,11 @@
             </a:lvl1pPr>
           </a:lstStyle>
           <a:p>
+            <a:pPr/>
             <a:fld id="{FB30EDBD-1C2D-4C1E-B459-B60219FAB484}" type="datetimeFigureOut">
-              <a:rPr lang="ko-KR" altLang="en-US" smtClean="0"/>
-              <a:t>2006-10-04</a:t>
+              <a:rPr lang="ko-KR" altLang="en-US"/>
+              <a:pPr/>
+              <a:t>2019-07-25</a:t>
             </a:fld>
             <a:endParaRPr lang="ko-KR" altLang="en-US"/>
           </a:p>
@@ -2688,7 +2698,7 @@
           </a:prstGeom>
         </p:spPr>
         <p:txBody>
-          <a:bodyPr vert="horz" lIns="91440" tIns="45720" rIns="91440" bIns="45720" rtlCol="0" anchor="ctr"/>
+          <a:bodyPr vert="horz" lIns="91440" tIns="45720" rIns="91440" bIns="45720" anchor="ctr"/>
           <a:lstStyle>
             <a:lvl1pPr algn="ctr">
               <a:defRPr sz="1200">
@@ -2701,6 +2711,11 @@
             </a:lvl1pPr>
           </a:lstStyle>
           <a:p>
+            <a:pPr/>
+            <a:r>
+              <a:rPr lang="ko-KR" altLang="en-US"/>
+              <a:t/>
+            </a:r>
             <a:endParaRPr lang="ko-KR" altLang="en-US"/>
           </a:p>
         </p:txBody>
@@ -2725,7 +2740,7 @@
           </a:prstGeom>
         </p:spPr>
         <p:txBody>
-          <a:bodyPr vert="horz" lIns="91440" tIns="45720" rIns="91440" bIns="45720" rtlCol="0" anchor="ctr"/>
+          <a:bodyPr vert="horz" lIns="91440" tIns="45720" rIns="91440" bIns="45720" anchor="ctr"/>
           <a:lstStyle>
             <a:lvl1pPr algn="r">
               <a:defRPr sz="1200">
@@ -2738,8 +2753,10 @@
             </a:lvl1pPr>
           </a:lstStyle>
           <a:p>
+            <a:pPr/>
             <a:fld id="{4BEDD84E-25D4-4983-8AA1-2863C96F08D9}" type="slidenum">
-              <a:rPr lang="ko-KR" altLang="en-US" smtClean="0"/>
+              <a:rPr lang="ko-KR" altLang="en-US"/>
+              <a:pPr/>
               <a:t>‹#›</a:t>
             </a:fld>
             <a:endParaRPr lang="ko-KR" altLang="en-US"/>
@@ -2750,17 +2767,17 @@
   </p:cSld>
   <p:clrMap bg1="lt1" tx1="dk1" bg2="lt2" tx2="dk2" accent1="accent1" accent2="accent2" accent3="accent3" accent4="accent4" accent5="accent5" accent6="accent6" hlink="hlink" folHlink="folHlink"/>
   <p:sldLayoutIdLst>
-    <p:sldLayoutId id="2147483649" r:id="rId1"/>
-    <p:sldLayoutId id="2147483650" r:id="rId2"/>
-    <p:sldLayoutId id="2147483651" r:id="rId3"/>
-    <p:sldLayoutId id="2147483652" r:id="rId4"/>
-    <p:sldLayoutId id="2147483653" r:id="rId5"/>
-    <p:sldLayoutId id="2147483654" r:id="rId6"/>
-    <p:sldLayoutId id="2147483655" r:id="rId7"/>
-    <p:sldLayoutId id="2147483656" r:id="rId8"/>
-    <p:sldLayoutId id="2147483657" r:id="rId9"/>
-    <p:sldLayoutId id="2147483658" r:id="rId10"/>
-    <p:sldLayoutId id="2147483659" r:id="rId11"/>
+    <p:sldLayoutId id="2147483709" r:id="rId2"/>
+    <p:sldLayoutId id="2147483710" r:id="rId3"/>
+    <p:sldLayoutId id="2147483711" r:id="rId4"/>
+    <p:sldLayoutId id="2147483712" r:id="rId5"/>
+    <p:sldLayoutId id="2147483713" r:id="rId6"/>
+    <p:sldLayoutId id="2147483714" r:id="rId7"/>
+    <p:sldLayoutId id="2147483715" r:id="rId8"/>
+    <p:sldLayoutId id="2147483716" r:id="rId9"/>
+    <p:sldLayoutId id="2147483717" r:id="rId10"/>
+    <p:sldLayoutId id="2147483718" r:id="rId11"/>
+    <p:sldLayoutId id="2147483719" r:id="rId12"/>
   </p:sldLayoutIdLst>
   <p:txStyles>
     <p:titleStyle>
@@ -2784,7 +2801,7 @@
         <a:spcBef>
           <a:spcPct val="20000"/>
         </a:spcBef>
-        <a:buFont typeface="Arial" pitchFamily="34" charset="0"/>
+        <a:buFont typeface="Arial"/>
         <a:buChar char="•"/>
         <a:defRPr sz="3200" kern="1200">
           <a:solidFill>
@@ -2799,7 +2816,7 @@
         <a:spcBef>
           <a:spcPct val="20000"/>
         </a:spcBef>
-        <a:buFont typeface="Arial" pitchFamily="34" charset="0"/>
+        <a:buFont typeface="Arial"/>
         <a:buChar char="–"/>
         <a:defRPr sz="2800" kern="1200">
           <a:solidFill>
@@ -2814,7 +2831,7 @@
         <a:spcBef>
           <a:spcPct val="20000"/>
         </a:spcBef>
-        <a:buFont typeface="Arial" pitchFamily="34" charset="0"/>
+        <a:buFont typeface="Arial"/>
         <a:buChar char="•"/>
         <a:defRPr sz="2400" kern="1200">
           <a:solidFill>
@@ -2829,7 +2846,7 @@
         <a:spcBef>
           <a:spcPct val="20000"/>
         </a:spcBef>
-        <a:buFont typeface="Arial" pitchFamily="34" charset="0"/>
+        <a:buFont typeface="Arial"/>
         <a:buChar char="–"/>
         <a:defRPr sz="2000" kern="1200">
           <a:solidFill>
@@ -2844,7 +2861,7 @@
         <a:spcBef>
           <a:spcPct val="20000"/>
         </a:spcBef>
-        <a:buFont typeface="Arial" pitchFamily="34" charset="0"/>
+        <a:buFont typeface="Arial"/>
         <a:buChar char="»"/>
         <a:defRPr sz="2000" kern="1200">
           <a:solidFill>
@@ -2859,7 +2876,7 @@
         <a:spcBef>
           <a:spcPct val="20000"/>
         </a:spcBef>
-        <a:buFont typeface="Arial" pitchFamily="34" charset="0"/>
+        <a:buFont typeface="Arial"/>
         <a:buChar char="•"/>
         <a:defRPr sz="2000" kern="1200">
           <a:solidFill>
@@ -2874,7 +2891,7 @@
         <a:spcBef>
           <a:spcPct val="20000"/>
         </a:spcBef>
-        <a:buFont typeface="Arial" pitchFamily="34" charset="0"/>
+        <a:buFont typeface="Arial"/>
         <a:buChar char="•"/>
         <a:defRPr sz="2000" kern="1200">
           <a:solidFill>
@@ -2889,7 +2906,7 @@
         <a:spcBef>
           <a:spcPct val="20000"/>
         </a:spcBef>
-        <a:buFont typeface="Arial" pitchFamily="34" charset="0"/>
+        <a:buFont typeface="Arial"/>
         <a:buChar char="•"/>
         <a:defRPr sz="2000" kern="1200">
           <a:solidFill>
@@ -2904,7 +2921,7 @@
         <a:spcBef>
           <a:spcPct val="20000"/>
         </a:spcBef>
-        <a:buFont typeface="Arial" pitchFamily="34" charset="0"/>
+        <a:buFont typeface="Arial"/>
         <a:buChar char="•"/>
         <a:defRPr sz="2000" kern="1200">
           <a:solidFill>
@@ -3015,42 +3032,475 @@
 </p:sldMaster>
 </file>
 
+<file path=ppt/slides/slide1.xml><?xml version="1.0" encoding="utf-8"?>
+<p:sld xmlns:r="http://schemas.openxmlformats.org/officeDocument/2006/relationships" xmlns:c="http://schemas.openxmlformats.org/drawingml/2006/chart" xmlns:a="http://schemas.openxmlformats.org/drawingml/2006/main" xmlns:dgm="http://schemas.openxmlformats.org/drawingml/2006/diagram" xmlns:dsp="http://schemas.microsoft.com/office/drawing/2008/diagram" xmlns:p="http://schemas.openxmlformats.org/presentationml/2006/main">
+  <p:cSld>
+    <p:spTree>
+      <p:nvGrpSpPr>
+        <p:cNvPr id="1" name=""/>
+        <p:cNvGrpSpPr/>
+        <p:nvPr/>
+      </p:nvGrpSpPr>
+      <p:grpSpPr>
+        <a:xfrm>
+          <a:off x="0" y="0"/>
+          <a:ext cx="0" cy="0"/>
+          <a:chOff x="0" y="0"/>
+          <a:chExt cx="0" cy="0"/>
+        </a:xfrm>
+      </p:grpSpPr>
+      <p:sp>
+        <p:nvSpPr>
+          <p:cNvPr id="2" name="직사각형 1"/>
+          <p:cNvSpPr/>
+          <p:nvPr>
+            <p:ph type="ctrTitle" idx="0"/>
+          </p:nvPr>
+        </p:nvSpPr>
+        <p:spPr>
+          <a:xfrm>
+            <a:off x="-179512" y="-240432"/>
+            <a:ext cx="6444208" cy="1470025"/>
+          </a:xfrm>
+        </p:spPr>
+        <p:txBody>
+          <a:bodyPr/>
+          <a:lstStyle/>
+          <a:p>
+            <a:pPr/>
+            <a:r>
+              <a:rPr lang="en-US" altLang="ko-KR" b="1" i="1">
+                <a:solidFill>
+                  <a:srgbClr val="ff6600"/>
+                </a:solidFill>
+                <a:latin typeface="나눔고딕 ExtraBold"/>
+                <a:ea typeface="나눔고딕 ExtraBold"/>
+              </a:rPr>
+              <a:t>Infinite Synthesis x64</a:t>
+            </a:r>
+            <a:endParaRPr lang="en-US" altLang="ko-KR" b="1" i="1">
+              <a:solidFill>
+                <a:srgbClr val="ff6600"/>
+              </a:solidFill>
+              <a:latin typeface="나눔고딕 ExtraBold"/>
+              <a:ea typeface="나눔고딕 ExtraBold"/>
+            </a:endParaRPr>
+          </a:p>
+        </p:txBody>
+      </p:sp>
+      <p:sp>
+        <p:nvSpPr>
+          <p:cNvPr id="3" name="직사각형 2"/>
+          <p:cNvSpPr/>
+          <p:nvPr>
+            <p:ph type="subTitle" idx="1"/>
+          </p:nvPr>
+        </p:nvSpPr>
+        <p:spPr>
+          <a:xfrm>
+            <a:off x="-1395736" y="767680"/>
+            <a:ext cx="6400800" cy="1752600"/>
+          </a:xfrm>
+        </p:spPr>
+        <p:txBody>
+          <a:bodyPr/>
+          <a:lstStyle/>
+          <a:p>
+            <a:pPr/>
+            <a:r>
+              <a:rPr lang="en-US" altLang="ko-KR" sz="2500" b="1">
+                <a:solidFill>
+                  <a:srgbClr val="ff6600"/>
+                </a:solidFill>
+                <a:latin typeface="나눔고딕"/>
+                <a:ea typeface="나눔고딕"/>
+              </a:rPr>
+              <a:t>x86_64 OS</a:t>
+            </a:r>
+            <a:r>
+              <a:rPr lang="ko-KR" altLang="en-US" sz="2500" b="1">
+                <a:solidFill>
+                  <a:srgbClr val="ff6600"/>
+                </a:solidFill>
+                <a:latin typeface="나눔고딕"/>
+                <a:ea typeface="나눔고딕"/>
+              </a:rPr>
+              <a:t> </a:t>
+            </a:r>
+            <a:r>
+              <a:rPr lang="en-US" altLang="ko-KR" sz="2500" b="1">
+                <a:solidFill>
+                  <a:srgbClr val="ff6600"/>
+                </a:solidFill>
+                <a:latin typeface="나눔고딕"/>
+                <a:ea typeface="나눔고딕"/>
+              </a:rPr>
+              <a:t>for Study</a:t>
+            </a:r>
+            <a:endParaRPr lang="en-US" altLang="ko-KR" sz="2500" b="1">
+              <a:solidFill>
+                <a:srgbClr val="ff6600"/>
+              </a:solidFill>
+              <a:latin typeface="나눔고딕"/>
+              <a:ea typeface="나눔고딕"/>
+            </a:endParaRPr>
+          </a:p>
+        </p:txBody>
+      </p:sp>
+      <p:sp>
+        <p:nvSpPr>
+          <p:cNvPr id="5" name="직사각형 4"/>
+          <p:cNvSpPr txBox="1"/>
+          <p:nvPr/>
+        </p:nvSpPr>
+        <p:spPr>
+          <a:xfrm>
+            <a:off x="5544616" y="6192688"/>
+            <a:ext cx="3888432" cy="490816"/>
+          </a:xfrm>
+          <a:prstGeom prst="rect">
+            <a:avLst/>
+          </a:prstGeom>
+        </p:spPr>
+        <p:txBody>
+          <a:bodyPr wrap="square">
+            <a:spAutoFit/>
+          </a:bodyPr>
+          <a:p>
+            <a:pPr/>
+            <a:r>
+              <a:rPr lang="en-US" altLang="ko-KR" sz="2600" b="1">
+                <a:solidFill>
+                  <a:schemeClr val="bg1">
+                    <a:lumMod val="30000"/>
+                  </a:schemeClr>
+                </a:solidFill>
+                <a:latin typeface="청소년서체"/>
+                <a:ea typeface="청소년서체"/>
+              </a:rPr>
+              <a:t>AnA</a:t>
+            </a:r>
+            <a:r>
+              <a:rPr lang="ko-KR" altLang="en-US" sz="2600" b="1">
+                <a:solidFill>
+                  <a:schemeClr val="bg1">
+                    <a:lumMod val="30000"/>
+                  </a:schemeClr>
+                </a:solidFill>
+                <a:latin typeface="청소년서체"/>
+                <a:ea typeface="청소년서체"/>
+              </a:rPr>
+              <a:t>, 1학년 9반 박태원</a:t>
+            </a:r>
+            <a:endParaRPr lang="ko-KR" altLang="en-US" sz="2600" b="1">
+              <a:solidFill>
+                <a:schemeClr val="bg1">
+                  <a:lumMod val="30000"/>
+                </a:schemeClr>
+              </a:solidFill>
+              <a:latin typeface="청소년서체"/>
+              <a:ea typeface="청소년서체"/>
+            </a:endParaRPr>
+          </a:p>
+        </p:txBody>
+      </p:sp>
+      <p:cxnSp>
+        <p:nvCxnSpPr>
+          <p:cNvPr id="8" name="직선 연결선 7"/>
+          <p:cNvCxnSpPr/>
+          <p:nvPr/>
+        </p:nvCxnSpPr>
+        <p:spPr>
+          <a:xfrm>
+            <a:off x="288032" y="1296144"/>
+            <a:ext cx="6005638" cy="0"/>
+          </a:xfrm>
+          <a:prstGeom prst="line">
+            <a:avLst/>
+          </a:prstGeom>
+          <a:ln w="57150">
+            <a:solidFill>
+              <a:srgbClr val="ff6600"/>
+            </a:solidFill>
+          </a:ln>
+        </p:spPr>
+        <p:style>
+          <a:lnRef idx="1">
+            <a:schemeClr val="accent1"/>
+          </a:lnRef>
+          <a:fillRef idx="0">
+            <a:schemeClr val="accent1"/>
+          </a:fillRef>
+          <a:effectRef idx="0">
+            <a:schemeClr val="accent1"/>
+          </a:effectRef>
+          <a:fontRef idx="minor">
+            <a:schemeClr val="tx1"/>
+          </a:fontRef>
+        </p:style>
+      </p:cxnSp>
+      <p:sp>
+        <p:nvSpPr>
+          <p:cNvPr id="11" name="직사각형 10"/>
+          <p:cNvSpPr txBox="1"/>
+          <p:nvPr/>
+        </p:nvSpPr>
+        <p:spPr>
+          <a:xfrm>
+            <a:off x="216024" y="1313621"/>
+            <a:ext cx="3168352" cy="414571"/>
+          </a:xfrm>
+          <a:prstGeom prst="rect">
+            <a:avLst/>
+          </a:prstGeom>
+        </p:spPr>
+        <p:txBody>
+          <a:bodyPr wrap="square">
+            <a:spAutoFit/>
+          </a:bodyPr>
+          <a:p>
+            <a:pPr/>
+            <a:r>
+              <a:rPr lang="ko-KR" altLang="en-US" sz="2100" b="1">
+                <a:solidFill>
+                  <a:srgbClr val="ff6600"/>
+                </a:solidFill>
+                <a:latin typeface="나눔고딕 ExtraBold"/>
+                <a:ea typeface="나눔고딕 ExtraBold"/>
+              </a:rPr>
+              <a:t>설계 설명서</a:t>
+            </a:r>
+            <a:endParaRPr lang="ko-KR" altLang="en-US" sz="2100" b="1">
+              <a:solidFill>
+                <a:srgbClr val="ff6600"/>
+              </a:solidFill>
+              <a:latin typeface="나눔고딕 ExtraBold"/>
+              <a:ea typeface="나눔고딕 ExtraBold"/>
+            </a:endParaRPr>
+          </a:p>
+        </p:txBody>
+      </p:sp>
+      <p:sp>
+        <p:nvSpPr>
+          <p:cNvPr id="12" name="직사각형 11"/>
+          <p:cNvSpPr txBox="1"/>
+          <p:nvPr/>
+        </p:nvSpPr>
+        <p:spPr>
+          <a:xfrm>
+            <a:off x="827584" y="1944216"/>
+            <a:ext cx="6170984" cy="3382546"/>
+          </a:xfrm>
+          <a:prstGeom prst="rect">
+            <a:avLst/>
+          </a:prstGeom>
+        </p:spPr>
+        <p:txBody>
+          <a:bodyPr wrap="square">
+            <a:spAutoFit/>
+          </a:bodyPr>
+          <a:p>
+            <a:pPr/>
+            <a:r>
+              <a:rPr lang="ko-KR" altLang="en-US"/>
+              <a:t>목차</a:t>
+            </a:r>
+            <a:endParaRPr lang="ko-KR" altLang="en-US"/>
+          </a:p>
+          <a:p>
+            <a:pPr/>
+            <a:r>
+              <a:rPr lang="ko-KR" altLang="en-US"/>
+              <a:t>개요</a:t>
+            </a:r>
+            <a:endParaRPr lang="ko-KR" altLang="en-US"/>
+          </a:p>
+          <a:p>
+            <a:pPr/>
+            <a:r>
+              <a:rPr lang="ko-KR" altLang="en-US"/>
+              <a:t>의의</a:t>
+            </a:r>
+            <a:endParaRPr lang="ko-KR" altLang="en-US"/>
+          </a:p>
+          <a:p>
+            <a:pPr/>
+            <a:r>
+              <a:rPr lang="ko-KR" altLang="en-US"/>
+              <a:t>디렉터리 목록</a:t>
+            </a:r>
+            <a:endParaRPr lang="ko-KR" altLang="en-US"/>
+          </a:p>
+          <a:p>
+            <a:pPr/>
+            <a:r>
+              <a:rPr lang="ko-KR" altLang="en-US"/>
+              <a:t>파일 목록</a:t>
+            </a:r>
+            <a:endParaRPr lang="ko-KR" altLang="en-US"/>
+          </a:p>
+          <a:p>
+            <a:pPr/>
+            <a:r>
+              <a:rPr lang="ko-KR" altLang="en-US"/>
+              <a:t>셸이 실행되기 까지</a:t>
+            </a:r>
+            <a:endParaRPr lang="ko-KR" altLang="en-US"/>
+          </a:p>
+          <a:p>
+            <a:pPr/>
+            <a:r>
+              <a:rPr lang="ko-KR" altLang="en-US"/>
+              <a:t>메모리 관리</a:t>
+            </a:r>
+            <a:endParaRPr lang="ko-KR" altLang="en-US"/>
+          </a:p>
+          <a:p>
+            <a:pPr/>
+            <a:r>
+              <a:rPr lang="ko-KR" altLang="en-US"/>
+              <a:t>프로세스 관리</a:t>
+            </a:r>
+            <a:endParaRPr lang="ko-KR" altLang="en-US"/>
+          </a:p>
+          <a:p>
+            <a:pPr/>
+            <a:r>
+              <a:rPr lang="ko-KR" altLang="en-US"/>
+              <a:t>저장장치 관리</a:t>
+            </a:r>
+            <a:endParaRPr lang="ko-KR" altLang="en-US"/>
+          </a:p>
+          <a:p>
+            <a:pPr/>
+            <a:endParaRPr lang="ko-KR" altLang="en-US"/>
+          </a:p>
+          <a:p>
+            <a:pPr/>
+            <a:endParaRPr lang="ko-KR" altLang="en-US"/>
+          </a:p>
+          <a:p>
+            <a:pPr/>
+            <a:endParaRPr lang="ko-KR" altLang="en-US"/>
+          </a:p>
+        </p:txBody>
+      </p:sp>
+      <p:sp>
+        <p:nvSpPr>
+          <p:cNvPr id="14" name="직사각형 13"/>
+          <p:cNvSpPr/>
+          <p:nvPr/>
+        </p:nvSpPr>
+        <p:spPr>
+          <a:xfrm>
+            <a:off x="0" y="0"/>
+            <a:ext cx="1573530" cy="360045"/>
+          </a:xfrm>
+          <a:prstGeom prst="rect">
+            <a:avLst/>
+          </a:prstGeom>
+          <a:noFill/>
+          <a:ln>
+            <a:noFill/>
+          </a:ln>
+        </p:spPr>
+        <p:txBody>
+          <a:bodyPr wrap="square">
+            <a:spAutoFit/>
+          </a:bodyPr>
+          <a:p>
+            <a:pPr/>
+            <a:endParaRPr lang="en-US" altLang="ko-KR">
+              <a:solidFill>
+                <a:srgbClr val="000000">
+                  <a:alpha val="100000"/>
+                </a:srgbClr>
+              </a:solidFill>
+              <a:latin typeface="Arial"/>
+            </a:endParaRPr>
+          </a:p>
+        </p:txBody>
+      </p:sp>
+      <p:sp>
+        <p:nvSpPr>
+          <p:cNvPr id="15" name="직사각형 14"/>
+          <p:cNvSpPr/>
+          <p:nvPr/>
+        </p:nvSpPr>
+        <p:spPr>
+          <a:xfrm>
+            <a:off x="0" y="0"/>
+            <a:ext cx="1573530" cy="360045"/>
+          </a:xfrm>
+          <a:prstGeom prst="rect">
+            <a:avLst/>
+          </a:prstGeom>
+          <a:noFill/>
+          <a:ln>
+            <a:noFill/>
+          </a:ln>
+        </p:spPr>
+        <p:txBody>
+          <a:bodyPr wrap="square">
+            <a:spAutoFit/>
+          </a:bodyPr>
+          <a:p>
+            <a:pPr/>
+            <a:endParaRPr lang="en-US" altLang="ko-KR">
+              <a:solidFill>
+                <a:srgbClr val="000000">
+                  <a:alpha val="100000"/>
+                </a:srgbClr>
+              </a:solidFill>
+              <a:latin typeface="Arial"/>
+            </a:endParaRPr>
+          </a:p>
+        </p:txBody>
+      </p:sp>
+    </p:spTree>
+  </p:cSld>
+  <p:clrMapOvr>
+    <a:masterClrMapping/>
+  </p:clrMapOvr>
+</p:sld>
+</file>
+
 <file path=ppt/theme/theme1.xml><?xml version="1.0" encoding="utf-8"?>
-<a:theme xmlns:a="http://schemas.openxmlformats.org/drawingml/2006/main" name="Office 테마">
+<a:theme xmlns:r="http://schemas.openxmlformats.org/officeDocument/2006/relationships" xmlns:c="http://schemas.openxmlformats.org/drawingml/2006/chart" xmlns:dgm="http://schemas.openxmlformats.org/drawingml/2006/diagram" xmlns:dsp="http://schemas.microsoft.com/office/drawing/2008/diagram" xmlns:a="http://schemas.openxmlformats.org/drawingml/2006/main" xmlns:pic="http://schemas.openxmlformats.org/drawingml/2006/picture" xmlns:wp="http://schemas.openxmlformats.org/drawingml/2006/wordprocessingDrawing" xmlns:xdr="http://schemas.openxmlformats.org/drawingml/2006/spreadsheetDrawing" name="Office 테마">
   <a:themeElements>
     <a:clrScheme name="Office">
       <a:dk1>
         <a:sysClr val="windowText" lastClr="000000"/>
       </a:dk1>
       <a:lt1>
-        <a:sysClr val="window" lastClr="FFFFFF"/>
+        <a:sysClr val="window" lastClr="ffffff"/>
       </a:lt1>
       <a:dk2>
-        <a:srgbClr val="1F497D"/>
+        <a:srgbClr val="1f497d"/>
       </a:dk2>
       <a:lt2>
-        <a:srgbClr val="EEECE1"/>
+        <a:srgbClr val="eeece1"/>
       </a:lt2>
       <a:accent1>
-        <a:srgbClr val="4F81BD"/>
+        <a:srgbClr val="4f81bd"/>
       </a:accent1>
       <a:accent2>
-        <a:srgbClr val="C0504D"/>
+        <a:srgbClr val="c0504d"/>
       </a:accent2>
       <a:accent3>
-        <a:srgbClr val="9BBB59"/>
+        <a:srgbClr val="9bbb59"/>
       </a:accent3>
       <a:accent4>
-        <a:srgbClr val="8064A2"/>
+        <a:srgbClr val="8064a2"/>
       </a:accent4>
       <a:accent5>
-        <a:srgbClr val="4BACC6"/>
+        <a:srgbClr val="4bacc6"/>
       </a:accent5>
       <a:accent6>
-        <a:srgbClr val="F79646"/>
+        <a:srgbClr val="f79646"/>
       </a:accent6>
       <a:hlink>
-        <a:srgbClr val="0000FF"/>
+        <a:srgbClr val="0000ff"/>
       </a:hlink>
       <a:folHlink>
         <a:srgbClr val="800080"/>
@@ -3228,17 +3678,6 @@
               </a:srgbClr>
             </a:outerShdw>
           </a:effectLst>
-          <a:scene3d>
-            <a:camera prst="orthographicFront">
-              <a:rot lat="0" lon="0" rev="0"/>
-            </a:camera>
-            <a:lightRig rig="threePt" dir="t">
-              <a:rot lat="0" lon="0" rev="1200000"/>
-            </a:lightRig>
-          </a:scene3d>
-          <a:sp3d>
-            <a:bevelT w="63500" h="25400"/>
-          </a:sp3d>
         </a:effectStyle>
       </a:effectStyleLst>
       <a:bgFillStyleLst>
@@ -3293,7 +3732,5 @@
       </a:bgFillStyleLst>
     </a:fmtScheme>
   </a:themeElements>
-  <a:objectDefaults/>
-  <a:extraClrSchemeLst/>
 </a:theme>
 </file>
--- a/0dev/Infinite Synthesis x64 설계.pptx
+++ b/0dev/Infinite Synthesis x64 설계.pptx
@@ -2,7 +2,7 @@
 <file path=ppt/presentation.xml><?xml version="1.0" encoding="utf-8"?>
 <p:presentation xmlns:r="http://schemas.openxmlformats.org/officeDocument/2006/relationships" xmlns:c="http://schemas.openxmlformats.org/drawingml/2006/chart" xmlns:a="http://schemas.openxmlformats.org/drawingml/2006/main" xmlns:dgm="http://schemas.openxmlformats.org/drawingml/2006/diagram" xmlns:dsp="http://schemas.microsoft.com/office/drawing/2008/diagram" xmlns:p="http://schemas.openxmlformats.org/presentationml/2006/main" saveSubsetFonts="1">
   <p:sldMasterIdLst>
-    <p:sldMasterId id="2147483720" r:id="rId4"/>
+    <p:sldMasterId id="2147483672" r:id="rId4"/>
   </p:sldMasterIdLst>
   <p:sldIdLst>
     <p:sldId id="257" r:id="rId1"/>
@@ -2672,7 +2672,7 @@
             <a:fld id="{FB30EDBD-1C2D-4C1E-B459-B60219FAB484}" type="datetimeFigureOut">
               <a:rPr lang="ko-KR" altLang="en-US"/>
               <a:pPr/>
-              <a:t>2019-07-25</a:t>
+              <a:t>2019-07-26</a:t>
             </a:fld>
             <a:endParaRPr lang="ko-KR" altLang="en-US"/>
           </a:p>
@@ -2767,17 +2767,17 @@
   </p:cSld>
   <p:clrMap bg1="lt1" tx1="dk1" bg2="lt2" tx2="dk2" accent1="accent1" accent2="accent2" accent3="accent3" accent4="accent4" accent5="accent5" accent6="accent6" hlink="hlink" folHlink="folHlink"/>
   <p:sldLayoutIdLst>
-    <p:sldLayoutId id="2147483709" r:id="rId2"/>
-    <p:sldLayoutId id="2147483710" r:id="rId3"/>
-    <p:sldLayoutId id="2147483711" r:id="rId4"/>
-    <p:sldLayoutId id="2147483712" r:id="rId5"/>
-    <p:sldLayoutId id="2147483713" r:id="rId6"/>
-    <p:sldLayoutId id="2147483714" r:id="rId7"/>
-    <p:sldLayoutId id="2147483715" r:id="rId8"/>
-    <p:sldLayoutId id="2147483716" r:id="rId9"/>
-    <p:sldLayoutId id="2147483717" r:id="rId10"/>
-    <p:sldLayoutId id="2147483718" r:id="rId11"/>
-    <p:sldLayoutId id="2147483719" r:id="rId12"/>
+    <p:sldLayoutId id="2147483661" r:id="rId2"/>
+    <p:sldLayoutId id="2147483662" r:id="rId3"/>
+    <p:sldLayoutId id="2147483663" r:id="rId4"/>
+    <p:sldLayoutId id="2147483664" r:id="rId5"/>
+    <p:sldLayoutId id="2147483665" r:id="rId6"/>
+    <p:sldLayoutId id="2147483666" r:id="rId7"/>
+    <p:sldLayoutId id="2147483667" r:id="rId8"/>
+    <p:sldLayoutId id="2147483668" r:id="rId9"/>
+    <p:sldLayoutId id="2147483669" r:id="rId10"/>
+    <p:sldLayoutId id="2147483670" r:id="rId11"/>
+    <p:sldLayoutId id="2147483671" r:id="rId12"/>
   </p:sldLayoutIdLst>
   <p:txStyles>
     <p:titleStyle>
@@ -3289,7 +3289,7 @@
         <p:spPr>
           <a:xfrm>
             <a:off x="827584" y="1944216"/>
-            <a:ext cx="6170984" cy="3382546"/>
+            <a:ext cx="6170984" cy="1273329"/>
           </a:xfrm>
           <a:prstGeom prst="rect">
             <a:avLst/>
@@ -3302,72 +3302,14 @@
           <a:p>
             <a:pPr/>
             <a:r>
-              <a:rPr lang="ko-KR" altLang="en-US"/>
+              <a:rPr lang="ko-KR" altLang="en-US" sz="2400" b="1" i="1">
+                <a:solidFill>
+                  <a:srgbClr val="ff0000"/>
+                </a:solidFill>
+                <a:latin typeface="나눔고딕 ExtraBold"/>
+                <a:ea typeface="나눔고딕 ExtraBold"/>
+              </a:rPr>
               <a:t>목차</a:t>
-            </a:r>
-            <a:endParaRPr lang="ko-KR" altLang="en-US"/>
-          </a:p>
-          <a:p>
-            <a:pPr/>
-            <a:r>
-              <a:rPr lang="ko-KR" altLang="en-US"/>
-              <a:t>개요</a:t>
-            </a:r>
-            <a:endParaRPr lang="ko-KR" altLang="en-US"/>
-          </a:p>
-          <a:p>
-            <a:pPr/>
-            <a:r>
-              <a:rPr lang="ko-KR" altLang="en-US"/>
-              <a:t>의의</a:t>
-            </a:r>
-            <a:endParaRPr lang="ko-KR" altLang="en-US"/>
-          </a:p>
-          <a:p>
-            <a:pPr/>
-            <a:r>
-              <a:rPr lang="ko-KR" altLang="en-US"/>
-              <a:t>디렉터리 목록</a:t>
-            </a:r>
-            <a:endParaRPr lang="ko-KR" altLang="en-US"/>
-          </a:p>
-          <a:p>
-            <a:pPr/>
-            <a:r>
-              <a:rPr lang="ko-KR" altLang="en-US"/>
-              <a:t>파일 목록</a:t>
-            </a:r>
-            <a:endParaRPr lang="ko-KR" altLang="en-US"/>
-          </a:p>
-          <a:p>
-            <a:pPr/>
-            <a:r>
-              <a:rPr lang="ko-KR" altLang="en-US"/>
-              <a:t>셸이 실행되기 까지</a:t>
-            </a:r>
-            <a:endParaRPr lang="ko-KR" altLang="en-US"/>
-          </a:p>
-          <a:p>
-            <a:pPr/>
-            <a:r>
-              <a:rPr lang="ko-KR" altLang="en-US"/>
-              <a:t>메모리 관리</a:t>
-            </a:r>
-            <a:endParaRPr lang="ko-KR" altLang="en-US"/>
-          </a:p>
-          <a:p>
-            <a:pPr/>
-            <a:r>
-              <a:rPr lang="ko-KR" altLang="en-US"/>
-              <a:t>프로세스 관리</a:t>
-            </a:r>
-            <a:endParaRPr lang="ko-KR" altLang="en-US"/>
-          </a:p>
-          <a:p>
-            <a:pPr/>
-            <a:r>
-              <a:rPr lang="ko-KR" altLang="en-US"/>
-              <a:t>저장장치 관리</a:t>
             </a:r>
             <a:endParaRPr lang="ko-KR" altLang="en-US"/>
           </a:p>

--- a/0dev/Infinite Synthesis x64 설계.pptx
+++ b/0dev/Infinite Synthesis x64 설계.pptx
@@ -2,7 +2,7 @@
 <file path=ppt/presentation.xml><?xml version="1.0" encoding="utf-8"?>
 <p:presentation xmlns:r="http://schemas.openxmlformats.org/officeDocument/2006/relationships" xmlns:c="http://schemas.openxmlformats.org/drawingml/2006/chart" xmlns:a="http://schemas.openxmlformats.org/drawingml/2006/main" xmlns:dgm="http://schemas.openxmlformats.org/drawingml/2006/diagram" xmlns:dsp="http://schemas.microsoft.com/office/drawing/2008/diagram" xmlns:p="http://schemas.openxmlformats.org/presentationml/2006/main" saveSubsetFonts="1">
   <p:sldMasterIdLst>
-    <p:sldMasterId id="2147483672" r:id="rId4"/>
+    <p:sldMasterId id="2147483660" r:id="rId4"/>
   </p:sldMasterIdLst>
   <p:sldIdLst>
     <p:sldId id="257" r:id="rId1"/>
@@ -2672,7 +2672,7 @@
             <a:fld id="{FB30EDBD-1C2D-4C1E-B459-B60219FAB484}" type="datetimeFigureOut">
               <a:rPr lang="ko-KR" altLang="en-US"/>
               <a:pPr/>
-              <a:t>2019-07-26</a:t>
+              <a:t>2019-08-13</a:t>
             </a:fld>
             <a:endParaRPr lang="ko-KR" altLang="en-US"/>
           </a:p>
@@ -2767,17 +2767,17 @@
   </p:cSld>
   <p:clrMap bg1="lt1" tx1="dk1" bg2="lt2" tx2="dk2" accent1="accent1" accent2="accent2" accent3="accent3" accent4="accent4" accent5="accent5" accent6="accent6" hlink="hlink" folHlink="folHlink"/>
   <p:sldLayoutIdLst>
-    <p:sldLayoutId id="2147483661" r:id="rId2"/>
-    <p:sldLayoutId id="2147483662" r:id="rId3"/>
-    <p:sldLayoutId id="2147483663" r:id="rId4"/>
-    <p:sldLayoutId id="2147483664" r:id="rId5"/>
-    <p:sldLayoutId id="2147483665" r:id="rId6"/>
-    <p:sldLayoutId id="2147483666" r:id="rId7"/>
-    <p:sldLayoutId id="2147483667" r:id="rId8"/>
-    <p:sldLayoutId id="2147483668" r:id="rId9"/>
-    <p:sldLayoutId id="2147483669" r:id="rId10"/>
-    <p:sldLayoutId id="2147483670" r:id="rId11"/>
-    <p:sldLayoutId id="2147483671" r:id="rId12"/>
+    <p:sldLayoutId id="2147483649" r:id="rId2"/>
+    <p:sldLayoutId id="2147483650" r:id="rId3"/>
+    <p:sldLayoutId id="2147483651" r:id="rId4"/>
+    <p:sldLayoutId id="2147483652" r:id="rId5"/>
+    <p:sldLayoutId id="2147483653" r:id="rId6"/>
+    <p:sldLayoutId id="2147483654" r:id="rId7"/>
+    <p:sldLayoutId id="2147483655" r:id="rId8"/>
+    <p:sldLayoutId id="2147483656" r:id="rId9"/>
+    <p:sldLayoutId id="2147483657" r:id="rId10"/>
+    <p:sldLayoutId id="2147483658" r:id="rId11"/>
+    <p:sldLayoutId id="2147483659" r:id="rId12"/>
   </p:sldLayoutIdLst>
   <p:txStyles>
     <p:titleStyle>
@@ -3289,7 +3289,7 @@
         <p:spPr>
           <a:xfrm>
             <a:off x="827584" y="1944216"/>
-            <a:ext cx="6170984" cy="1273329"/>
+            <a:ext cx="6170984" cy="2740179"/>
           </a:xfrm>
           <a:prstGeom prst="rect">
             <a:avLst/>
@@ -3311,7 +3311,93 @@
               </a:rPr>
               <a:t>목차</a:t>
             </a:r>
-            <a:endParaRPr lang="ko-KR" altLang="en-US"/>
+            <a:endParaRPr lang="ko-KR" altLang="en-US" sz="2400" b="1" i="1">
+              <a:solidFill>
+                <a:srgbClr val="ff0000"/>
+              </a:solidFill>
+              <a:latin typeface="나눔고딕 ExtraBold"/>
+              <a:ea typeface="나눔고딕 ExtraBold"/>
+            </a:endParaRPr>
+          </a:p>
+          <a:p>
+            <a:pPr/>
+            <a:r>
+              <a:rPr lang="ko-KR" altLang="en-US" sz="2400" b="1" i="1">
+                <a:solidFill>
+                  <a:srgbClr val="ff0000"/>
+                </a:solidFill>
+                <a:latin typeface="나눔고딕 ExtraBold"/>
+                <a:ea typeface="나눔고딕 ExtraBold"/>
+              </a:rPr>
+              <a:t> - 소스코드 목차</a:t>
+            </a:r>
+            <a:endParaRPr lang="ko-KR" altLang="en-US" sz="2400" b="1" i="1">
+              <a:solidFill>
+                <a:srgbClr val="ff0000"/>
+              </a:solidFill>
+              <a:latin typeface="나눔고딕 ExtraBold"/>
+              <a:ea typeface="나눔고딕 ExtraBold"/>
+            </a:endParaRPr>
+          </a:p>
+          <a:p>
+            <a:pPr/>
+            <a:r>
+              <a:rPr lang="ko-KR" altLang="en-US" sz="2400" b="1" i="1">
+                <a:solidFill>
+                  <a:srgbClr val="ff0000"/>
+                </a:solidFill>
+                <a:latin typeface="나눔고딕 ExtraBold"/>
+                <a:ea typeface="나눔고딕 ExtraBold"/>
+              </a:rPr>
+              <a:t> - 흐름도</a:t>
+            </a:r>
+            <a:endParaRPr lang="ko-KR" altLang="en-US" sz="2400" b="1" i="1">
+              <a:solidFill>
+                <a:srgbClr val="ff0000"/>
+              </a:solidFill>
+              <a:latin typeface="나눔고딕 ExtraBold"/>
+              <a:ea typeface="나눔고딕 ExtraBold"/>
+            </a:endParaRPr>
+          </a:p>
+          <a:p>
+            <a:pPr/>
+            <a:r>
+              <a:rPr lang="ko-KR" altLang="en-US" sz="2400" b="1" i="1">
+                <a:solidFill>
+                  <a:srgbClr val="ff0000"/>
+                </a:solidFill>
+                <a:latin typeface="나눔고딕 ExtraBold"/>
+                <a:ea typeface="나눔고딕 ExtraBold"/>
+              </a:rPr>
+              <a:t> - 운영체제 지원 사항</a:t>
+            </a:r>
+            <a:endParaRPr lang="ko-KR" altLang="en-US" sz="2400" b="1" i="1">
+              <a:solidFill>
+                <a:srgbClr val="ff0000"/>
+              </a:solidFill>
+              <a:latin typeface="나눔고딕 ExtraBold"/>
+              <a:ea typeface="나눔고딕 ExtraBold"/>
+            </a:endParaRPr>
+          </a:p>
+          <a:p>
+            <a:pPr/>
+            <a:r>
+              <a:rPr lang="ko-KR" altLang="en-US" sz="2400" b="1" i="1">
+                <a:solidFill>
+                  <a:srgbClr val="ff0000"/>
+                </a:solidFill>
+                <a:latin typeface="나눔고딕 ExtraBold"/>
+                <a:ea typeface="나눔고딕 ExtraBold"/>
+              </a:rPr>
+              <a:t> - 컴파일 방법</a:t>
+            </a:r>
+            <a:endParaRPr lang="ko-KR" altLang="en-US" sz="2400" b="1" i="1">
+              <a:solidFill>
+                <a:srgbClr val="ff0000"/>
+              </a:solidFill>
+              <a:latin typeface="나눔고딕 ExtraBold"/>
+              <a:ea typeface="나눔고딕 ExtraBold"/>
+            </a:endParaRPr>
           </a:p>
           <a:p>
             <a:pPr/>

--- a/0dev/Infinite Synthesis x64 설계.pptx
+++ b/0dev/Infinite Synthesis x64 설계.pptx
@@ -2,10 +2,16 @@
 <file path=ppt/presentation.xml><?xml version="1.0" encoding="utf-8"?>
 <p:presentation xmlns:r="http://schemas.openxmlformats.org/officeDocument/2006/relationships" xmlns:c="http://schemas.openxmlformats.org/drawingml/2006/chart" xmlns:a="http://schemas.openxmlformats.org/drawingml/2006/main" xmlns:dgm="http://schemas.openxmlformats.org/drawingml/2006/diagram" xmlns:dsp="http://schemas.microsoft.com/office/drawing/2008/diagram" xmlns:p="http://schemas.openxmlformats.org/presentationml/2006/main" saveSubsetFonts="1">
   <p:sldMasterIdLst>
-    <p:sldMasterId id="2147483660" r:id="rId4"/>
+    <p:sldMasterId id="2147483864" r:id="rId10"/>
   </p:sldMasterIdLst>
   <p:sldIdLst>
     <p:sldId id="257" r:id="rId1"/>
+    <p:sldId id="258" r:id="rId2"/>
+    <p:sldId id="259" r:id="rId3"/>
+    <p:sldId id="260" r:id="rId4"/>
+    <p:sldId id="261" r:id="rId5"/>
+    <p:sldId id="262" r:id="rId6"/>
+    <p:sldId id="263" r:id="rId7"/>
   </p:sldIdLst>
   <p:sldSz cx="9144000" cy="6858000" type="screen4x3"/>
   <p:notesSz cx="6858000" cy="9144000"/>
@@ -2672,7 +2678,7 @@
             <a:fld id="{FB30EDBD-1C2D-4C1E-B459-B60219FAB484}" type="datetimeFigureOut">
               <a:rPr lang="ko-KR" altLang="en-US"/>
               <a:pPr/>
-              <a:t>2019-08-13</a:t>
+              <a:t>2019-10-30</a:t>
             </a:fld>
             <a:endParaRPr lang="ko-KR" altLang="en-US"/>
           </a:p>
@@ -2767,17 +2773,17 @@
   </p:cSld>
   <p:clrMap bg1="lt1" tx1="dk1" bg2="lt2" tx2="dk2" accent1="accent1" accent2="accent2" accent3="accent3" accent4="accent4" accent5="accent5" accent6="accent6" hlink="hlink" folHlink="folHlink"/>
   <p:sldLayoutIdLst>
-    <p:sldLayoutId id="2147483649" r:id="rId2"/>
-    <p:sldLayoutId id="2147483650" r:id="rId3"/>
-    <p:sldLayoutId id="2147483651" r:id="rId4"/>
-    <p:sldLayoutId id="2147483652" r:id="rId5"/>
-    <p:sldLayoutId id="2147483653" r:id="rId6"/>
-    <p:sldLayoutId id="2147483654" r:id="rId7"/>
-    <p:sldLayoutId id="2147483655" r:id="rId8"/>
-    <p:sldLayoutId id="2147483656" r:id="rId9"/>
-    <p:sldLayoutId id="2147483657" r:id="rId10"/>
-    <p:sldLayoutId id="2147483658" r:id="rId11"/>
-    <p:sldLayoutId id="2147483659" r:id="rId12"/>
+    <p:sldLayoutId id="2147483853" r:id="rId2"/>
+    <p:sldLayoutId id="2147483854" r:id="rId3"/>
+    <p:sldLayoutId id="2147483855" r:id="rId4"/>
+    <p:sldLayoutId id="2147483856" r:id="rId5"/>
+    <p:sldLayoutId id="2147483857" r:id="rId6"/>
+    <p:sldLayoutId id="2147483858" r:id="rId7"/>
+    <p:sldLayoutId id="2147483859" r:id="rId8"/>
+    <p:sldLayoutId id="2147483860" r:id="rId9"/>
+    <p:sldLayoutId id="2147483861" r:id="rId10"/>
+    <p:sldLayoutId id="2147483862" r:id="rId11"/>
+    <p:sldLayoutId id="2147483863" r:id="rId12"/>
   </p:sldLayoutIdLst>
   <p:txStyles>
     <p:titleStyle>
@@ -3049,6 +3055,31 @@
           <a:chExt cx="0" cy="0"/>
         </a:xfrm>
       </p:grpSpPr>
+      <p:pic>
+        <p:nvPicPr>
+          <p:cNvPr id="17" name="그림 16"/>
+          <p:cNvPicPr/>
+          <p:nvPr/>
+        </p:nvPicPr>
+        <p:blipFill rotWithShape="1">
+          <a:blip r:embed="rId2">
+            <a:alphaModFix/>
+            <a:lum bright="70000" contrast="-50000"/>
+          </a:blip>
+          <a:stretch>
+            <a:fillRect/>
+          </a:stretch>
+        </p:blipFill>
+        <p:spPr>
+          <a:xfrm>
+            <a:off x="2133000" y="990000"/>
+            <a:ext cx="4878000" cy="4878000"/>
+          </a:xfrm>
+          <a:prstGeom prst="rect">
+            <a:avLst/>
+          </a:prstGeom>
+        </p:spPr>
+      </p:pic>
       <p:sp>
         <p:nvSpPr>
           <p:cNvPr id="2" name="직사각형 1"/>
@@ -3155,8 +3186,8 @@
         </p:nvSpPr>
         <p:spPr>
           <a:xfrm>
-            <a:off x="5544616" y="6192688"/>
-            <a:ext cx="3888432" cy="490816"/>
+            <a:off x="6300192" y="6178544"/>
+            <a:ext cx="2627784" cy="490816"/>
           </a:xfrm>
           <a:prstGeom prst="rect">
             <a:avLst/>
@@ -3169,7 +3200,7 @@
           <a:p>
             <a:pPr/>
             <a:r>
-              <a:rPr lang="en-US" altLang="ko-KR" sz="2600" b="1">
+              <a:rPr lang="ko-KR" altLang="en-US" sz="2600" b="1">
                 <a:solidFill>
                   <a:schemeClr val="bg1">
                     <a:lumMod val="30000"/>
@@ -3178,19 +3209,7 @@
                 <a:latin typeface="청소년서체"/>
                 <a:ea typeface="청소년서체"/>
               </a:rPr>
-              <a:t>AnA</a:t>
-            </a:r>
-            <a:r>
-              <a:rPr lang="ko-KR" altLang="en-US" sz="2600" b="1">
-                <a:solidFill>
-                  <a:schemeClr val="bg1">
-                    <a:lumMod val="30000"/>
-                  </a:schemeClr>
-                </a:solidFill>
-                <a:latin typeface="청소년서체"/>
-                <a:ea typeface="청소년서체"/>
-              </a:rPr>
-              <a:t>, 1학년 9반 박태원</a:t>
+              <a:t>1학년 9반 박태원</a:t>
             </a:r>
             <a:endParaRPr lang="ko-KR" altLang="en-US" sz="2600" b="1">
               <a:solidFill>
@@ -3288,8 +3307,8 @@
         </p:nvSpPr>
         <p:spPr>
           <a:xfrm>
-            <a:off x="827584" y="1944216"/>
-            <a:ext cx="6170984" cy="2740179"/>
+            <a:off x="827584" y="1944210"/>
+            <a:ext cx="6170984" cy="4111784"/>
           </a:xfrm>
           <a:prstGeom prst="rect">
             <a:avLst/>
@@ -3322,14 +3341,24 @@
           <a:p>
             <a:pPr/>
             <a:r>
-              <a:rPr lang="ko-KR" altLang="en-US" sz="2400" b="1" i="1">
+              <a:rPr lang="en-US" altLang="ko-KR" sz="2400" b="1" i="1">
                 <a:solidFill>
                   <a:srgbClr val="ff0000"/>
                 </a:solidFill>
                 <a:latin typeface="나눔고딕 ExtraBold"/>
                 <a:ea typeface="나눔고딕 ExtraBold"/>
               </a:rPr>
-              <a:t> - 소스코드 목차</a:t>
+              <a:t> - </a:t>
+            </a:r>
+            <a:r>
+              <a:rPr lang="ko-KR" altLang="en-US" sz="2400" b="1" i="1">
+                <a:solidFill>
+                  <a:srgbClr val="ff0000"/>
+                </a:solidFill>
+                <a:latin typeface="나눔고딕 ExtraBold"/>
+                <a:ea typeface="나눔고딕 ExtraBold"/>
+              </a:rPr>
+              <a:t>개발 개요</a:t>
             </a:r>
             <a:endParaRPr lang="ko-KR" altLang="en-US" sz="2400" b="1" i="1">
               <a:solidFill>
@@ -3349,7 +3378,7 @@
                 <a:latin typeface="나눔고딕 ExtraBold"/>
                 <a:ea typeface="나눔고딕 ExtraBold"/>
               </a:rPr>
-              <a:t> - 흐름도</a:t>
+              <a:t> - 개발 과정</a:t>
             </a:r>
             <a:endParaRPr lang="ko-KR" altLang="en-US" sz="2400" b="1" i="1">
               <a:solidFill>
@@ -3369,7 +3398,7 @@
                 <a:latin typeface="나눔고딕 ExtraBold"/>
                 <a:ea typeface="나눔고딕 ExtraBold"/>
               </a:rPr>
-              <a:t> - 운영체제 지원 사항</a:t>
+              <a:t> - 소스코드 목차</a:t>
             </a:r>
             <a:endParaRPr lang="ko-KR" altLang="en-US" sz="2400" b="1" i="1">
               <a:solidFill>
@@ -3389,7 +3418,7 @@
                 <a:latin typeface="나눔고딕 ExtraBold"/>
                 <a:ea typeface="나눔고딕 ExtraBold"/>
               </a:rPr>
-              <a:t> - 컴파일 방법</a:t>
+              <a:t> - 흐름도</a:t>
             </a:r>
             <a:endParaRPr lang="ko-KR" altLang="en-US" sz="2400" b="1" i="1">
               <a:solidFill>
@@ -3401,10 +3430,94 @@
           </a:p>
           <a:p>
             <a:pPr/>
-            <a:endParaRPr lang="ko-KR" altLang="en-US"/>
+            <a:r>
+              <a:rPr lang="ko-KR" altLang="en-US" sz="2400" b="1" i="1">
+                <a:solidFill>
+                  <a:srgbClr val="ff0000"/>
+                </a:solidFill>
+                <a:latin typeface="나눔고딕 ExtraBold"/>
+                <a:ea typeface="나눔고딕 ExtraBold"/>
+              </a:rPr>
+              <a:t> - 운영체제 지원 사항</a:t>
+            </a:r>
+            <a:endParaRPr lang="ko-KR" altLang="en-US" sz="2400" b="1" i="1">
+              <a:solidFill>
+                <a:srgbClr val="ff0000"/>
+              </a:solidFill>
+              <a:latin typeface="나눔고딕 ExtraBold"/>
+              <a:ea typeface="나눔고딕 ExtraBold"/>
+            </a:endParaRPr>
           </a:p>
           <a:p>
             <a:pPr/>
+            <a:r>
+              <a:rPr lang="ko-KR" altLang="en-US" sz="2400" b="1" i="1">
+                <a:solidFill>
+                  <a:srgbClr val="ff0000"/>
+                </a:solidFill>
+                <a:latin typeface="나눔고딕 ExtraBold"/>
+                <a:ea typeface="나눔고딕 ExtraBold"/>
+              </a:rPr>
+              <a:t> - 컴파일 방법</a:t>
+            </a:r>
+            <a:endParaRPr lang="ko-KR" altLang="en-US" sz="2400" b="1" i="1">
+              <a:solidFill>
+                <a:srgbClr val="ff0000"/>
+              </a:solidFill>
+              <a:latin typeface="나눔고딕 ExtraBold"/>
+              <a:ea typeface="나눔고딕 ExtraBold"/>
+            </a:endParaRPr>
+          </a:p>
+          <a:p>
+            <a:pPr/>
+            <a:r>
+              <a:rPr lang="ko-KR" altLang="en-US" sz="2400" b="1" i="1">
+                <a:solidFill>
+                  <a:srgbClr val="ff0000"/>
+                </a:solidFill>
+                <a:latin typeface="나눔고딕 ExtraBold"/>
+                <a:ea typeface="나눔고딕 ExtraBold"/>
+              </a:rPr>
+              <a:t> - 개발 비화</a:t>
+            </a:r>
+            <a:endParaRPr lang="ko-KR" altLang="en-US" sz="2400" b="1" i="1">
+              <a:solidFill>
+                <a:srgbClr val="ff0000"/>
+              </a:solidFill>
+              <a:latin typeface="나눔고딕 ExtraBold"/>
+              <a:ea typeface="나눔고딕 ExtraBold"/>
+            </a:endParaRPr>
+          </a:p>
+          <a:p>
+            <a:pPr/>
+            <a:endParaRPr lang="ko-KR" altLang="en-US">
+              <a:latin typeface="나눔고딕"/>
+              <a:ea typeface="나눔고딕"/>
+            </a:endParaRPr>
+          </a:p>
+          <a:p>
+            <a:pPr/>
+            <a:r>
+              <a:rPr lang="ko-KR" altLang="en-US">
+                <a:latin typeface="나눔고딕"/>
+                <a:ea typeface="나눔고딕"/>
+              </a:rPr>
+              <a:t>깃허브 :</a:t>
+            </a:r>
+            <a:endParaRPr lang="ko-KR" altLang="en-US">
+              <a:latin typeface="나눔고딕"/>
+              <a:ea typeface="나눔고딕"/>
+            </a:endParaRPr>
+          </a:p>
+          <a:p>
+            <a:pPr/>
+            <a:r>
+              <a:rPr lang="ko-KR" altLang="en-US">
+                <a:latin typeface="나눔고딕"/>
+                <a:ea typeface="나눔고딕"/>
+              </a:rPr>
+              <a:t>https://github.com/producer82/Infinite-Synthesis-x64</a:t>
+            </a:r>
             <a:endParaRPr lang="ko-KR" altLang="en-US"/>
           </a:p>
           <a:p>
@@ -3481,6 +3594,3969 @@
                 </a:srgbClr>
               </a:solidFill>
               <a:latin typeface="Arial"/>
+            </a:endParaRPr>
+          </a:p>
+        </p:txBody>
+      </p:sp>
+    </p:spTree>
+  </p:cSld>
+  <p:clrMapOvr>
+    <a:masterClrMapping/>
+  </p:clrMapOvr>
+</p:sld>
+</file>
+
+<file path=ppt/slides/slide2.xml><?xml version="1.0" encoding="utf-8"?>
+<p:sld xmlns:r="http://schemas.openxmlformats.org/officeDocument/2006/relationships" xmlns:c="http://schemas.openxmlformats.org/drawingml/2006/chart" xmlns:a="http://schemas.openxmlformats.org/drawingml/2006/main" xmlns:dgm="http://schemas.openxmlformats.org/drawingml/2006/diagram" xmlns:dsp="http://schemas.microsoft.com/office/drawing/2008/diagram" xmlns:p="http://schemas.openxmlformats.org/presentationml/2006/main">
+  <p:cSld>
+    <p:spTree>
+      <p:nvGrpSpPr>
+        <p:cNvPr id="1" name=""/>
+        <p:cNvGrpSpPr/>
+        <p:nvPr/>
+      </p:nvGrpSpPr>
+      <p:grpSpPr>
+        <a:xfrm>
+          <a:off x="0" y="0"/>
+          <a:ext cx="0" cy="0"/>
+          <a:chOff x="0" y="0"/>
+          <a:chExt cx="0" cy="0"/>
+        </a:xfrm>
+      </p:grpSpPr>
+      <p:pic>
+        <p:nvPicPr>
+          <p:cNvPr id="8" name="그림 7"/>
+          <p:cNvPicPr/>
+          <p:nvPr/>
+        </p:nvPicPr>
+        <p:blipFill rotWithShape="1">
+          <a:blip r:embed="rId2">
+            <a:alphaModFix/>
+            <a:lum bright="70000" contrast="-50000"/>
+          </a:blip>
+          <a:stretch>
+            <a:fillRect/>
+          </a:stretch>
+        </p:blipFill>
+        <p:spPr>
+          <a:xfrm>
+            <a:off x="2133000" y="990000"/>
+            <a:ext cx="4878000" cy="4878000"/>
+          </a:xfrm>
+          <a:prstGeom prst="rect">
+            <a:avLst/>
+          </a:prstGeom>
+        </p:spPr>
+      </p:pic>
+      <p:sp>
+        <p:nvSpPr>
+          <p:cNvPr id="6" name="직사각형 1"/>
+          <p:cNvSpPr/>
+          <p:nvPr/>
+        </p:nvSpPr>
+        <p:spPr>
+          <a:xfrm>
+            <a:off x="-179512" y="-240432"/>
+            <a:ext cx="6444208" cy="1470025"/>
+          </a:xfrm>
+          <a:prstGeom prst="rect">
+            <a:avLst/>
+          </a:prstGeom>
+        </p:spPr>
+        <p:txBody>
+          <a:bodyPr vert="horz" lIns="91440" tIns="45720" rIns="91440" bIns="45720" anchor="ctr"/>
+          <a:p>
+            <a:pPr algn="ctr" latinLnBrk="1" hangingPunct="1">
+              <a:spcBef>
+                <a:spcPct val="0"/>
+              </a:spcBef>
+              <a:buNone/>
+            </a:pPr>
+            <a:r>
+              <a:rPr xmlns:mc="http://schemas.openxmlformats.org/markup-compatibility/2006" xmlns:hp="http://schemas.haansoft.com/office/presentation/8.0" lang="en-US" altLang="ko-KR" sz="4400" b="1" i="1" spc="5" mc:Ignorable="hp" hp:hslEmbossed="0">
+                <a:solidFill>
+                  <a:schemeClr val="bg1">
+                    <a:lumMod val="90000"/>
+                  </a:schemeClr>
+                </a:solidFill>
+                <a:latin typeface="나눔고딕 ExtraBold"/>
+                <a:ea typeface="나눔고딕 ExtraBold"/>
+              </a:rPr>
+              <a:t>Infinite Synthesis x64</a:t>
+            </a:r>
+            <a:endParaRPr lang="en-US" altLang="ko-KR" b="1" i="1">
+              <a:solidFill>
+                <a:schemeClr val="bg1">
+                  <a:lumMod val="90000"/>
+                </a:schemeClr>
+              </a:solidFill>
+              <a:latin typeface="나눔고딕 ExtraBold"/>
+              <a:ea typeface="나눔고딕 ExtraBold"/>
+            </a:endParaRPr>
+          </a:p>
+        </p:txBody>
+      </p:sp>
+      <p:sp>
+        <p:nvSpPr>
+          <p:cNvPr id="7" name="직사각형 2"/>
+          <p:cNvSpPr/>
+          <p:nvPr/>
+        </p:nvSpPr>
+        <p:spPr>
+          <a:xfrm>
+            <a:off x="0" y="767680"/>
+            <a:ext cx="5005064" cy="1752600"/>
+          </a:xfrm>
+          <a:prstGeom prst="rect">
+            <a:avLst/>
+          </a:prstGeom>
+        </p:spPr>
+        <p:txBody>
+          <a:bodyPr vert="horz" lIns="91440" tIns="45720" rIns="91440" bIns="45720"/>
+          <a:p>
+            <a:pPr marL="342900" indent="-342900" algn="l" latinLnBrk="1" hangingPunct="1">
+              <a:spcBef>
+                <a:spcPct val="20000"/>
+              </a:spcBef>
+              <a:buFont typeface="Arial"/>
+            </a:pPr>
+            <a:r>
+              <a:rPr xmlns:mc="http://schemas.openxmlformats.org/markup-compatibility/2006" xmlns:hp="http://schemas.haansoft.com/office/presentation/8.0" lang="ko-KR" altLang="en-US" sz="2500" b="1" i="0" spc="5" mc:Ignorable="hp" hp:hslEmbossed="0">
+                <a:solidFill>
+                  <a:schemeClr val="bg1">
+                    <a:lumMod val="90000"/>
+                  </a:schemeClr>
+                </a:solidFill>
+                <a:latin typeface="나눔고딕"/>
+                <a:ea typeface="나눔고딕"/>
+              </a:rPr>
+              <a:t>  </a:t>
+            </a:r>
+            <a:r>
+              <a:rPr xmlns:mc="http://schemas.openxmlformats.org/markup-compatibility/2006" xmlns:hp="http://schemas.haansoft.com/office/presentation/8.0" lang="en-US" altLang="ko-KR" sz="2500" b="1" i="0" spc="5" mc:Ignorable="hp" hp:hslEmbossed="0">
+                <a:solidFill>
+                  <a:schemeClr val="bg1">
+                    <a:lumMod val="90000"/>
+                  </a:schemeClr>
+                </a:solidFill>
+                <a:latin typeface="나눔고딕"/>
+                <a:ea typeface="나눔고딕"/>
+              </a:rPr>
+              <a:t>x86_64 OS</a:t>
+            </a:r>
+            <a:r>
+              <a:rPr xmlns:mc="http://schemas.openxmlformats.org/markup-compatibility/2006" xmlns:hp="http://schemas.haansoft.com/office/presentation/8.0" lang="ko-KR" altLang="en-US" sz="2500" b="1" i="0" spc="5" mc:Ignorable="hp" hp:hslEmbossed="0">
+                <a:solidFill>
+                  <a:schemeClr val="bg1">
+                    <a:lumMod val="90000"/>
+                  </a:schemeClr>
+                </a:solidFill>
+                <a:latin typeface="나눔고딕"/>
+                <a:ea typeface="나눔고딕"/>
+              </a:rPr>
+              <a:t> </a:t>
+            </a:r>
+            <a:r>
+              <a:rPr xmlns:mc="http://schemas.openxmlformats.org/markup-compatibility/2006" xmlns:hp="http://schemas.haansoft.com/office/presentation/8.0" lang="en-US" altLang="ko-KR" sz="2500" b="1" i="0" spc="5" mc:Ignorable="hp" hp:hslEmbossed="0">
+                <a:solidFill>
+                  <a:schemeClr val="bg1">
+                    <a:lumMod val="90000"/>
+                  </a:schemeClr>
+                </a:solidFill>
+                <a:latin typeface="나눔고딕"/>
+                <a:ea typeface="나눔고딕"/>
+              </a:rPr>
+              <a:t>for Study</a:t>
+            </a:r>
+            <a:endParaRPr xmlns:mc="http://schemas.openxmlformats.org/markup-compatibility/2006" xmlns:hp="http://schemas.haansoft.com/office/presentation/8.0" lang="en-US" altLang="ko-KR" sz="2500" b="1" i="0" spc="5" mc:Ignorable="hp" hp:hslEmbossed="0">
+              <a:solidFill>
+                <a:schemeClr val="bg1">
+                  <a:lumMod val="90000"/>
+                </a:schemeClr>
+              </a:solidFill>
+              <a:latin typeface="나눔고딕"/>
+              <a:ea typeface="나눔고딕"/>
+            </a:endParaRPr>
+          </a:p>
+        </p:txBody>
+      </p:sp>
+      <p:sp>
+        <p:nvSpPr>
+          <p:cNvPr id="4" name="직사각형 1"/>
+          <p:cNvSpPr/>
+          <p:nvPr/>
+        </p:nvSpPr>
+        <p:spPr>
+          <a:xfrm>
+            <a:off x="0" y="188640"/>
+            <a:ext cx="3672408" cy="908720"/>
+          </a:xfrm>
+          <a:prstGeom prst="rect">
+            <a:avLst/>
+          </a:prstGeom>
+        </p:spPr>
+        <p:txBody>
+          <a:bodyPr vert="horz" lIns="91440" tIns="45720" rIns="91440" bIns="45720" anchor="ctr"/>
+          <a:lstStyle/>
+          <a:p>
+            <a:pPr algn="ctr" latinLnBrk="1" hangingPunct="1">
+              <a:spcBef>
+                <a:spcPct val="0"/>
+              </a:spcBef>
+              <a:buNone/>
+            </a:pPr>
+            <a:r>
+              <a:rPr xmlns:mc="http://schemas.openxmlformats.org/markup-compatibility/2006" xmlns:hp="http://schemas.haansoft.com/office/presentation/8.0" lang="ko-KR" altLang="en-US" sz="4400" b="1" spc="5" mc:Ignorable="hp" hp:hslEmbossed="0">
+                <a:solidFill>
+                  <a:srgbClr val="ff6600"/>
+                </a:solidFill>
+                <a:latin typeface="고도 B"/>
+                <a:ea typeface="고도 B"/>
+              </a:rPr>
+              <a:t>개발 개요</a:t>
+            </a:r>
+            <a:endParaRPr xmlns:mc="http://schemas.openxmlformats.org/markup-compatibility/2006" xmlns:hp="http://schemas.haansoft.com/office/presentation/8.0" lang="ko-KR" altLang="en-US" sz="4400" b="1" spc="5" mc:Ignorable="hp" hp:hslEmbossed="0">
+              <a:solidFill>
+                <a:srgbClr val="ff6600"/>
+              </a:solidFill>
+              <a:latin typeface="고도 B"/>
+              <a:ea typeface="고도 B"/>
+            </a:endParaRPr>
+          </a:p>
+        </p:txBody>
+      </p:sp>
+      <p:sp>
+        <p:nvSpPr>
+          <p:cNvPr id="5" name="직사각형 2"/>
+          <p:cNvSpPr/>
+          <p:nvPr>
+            <p:ph idx="1"/>
+          </p:nvPr>
+        </p:nvSpPr>
+        <p:spPr>
+          <a:xfrm>
+            <a:off x="457200" y="1166018"/>
+            <a:ext cx="8229600" cy="5215309"/>
+          </a:xfrm>
+        </p:spPr>
+        <p:txBody>
+          <a:bodyPr vert="horz" lIns="91440" tIns="45720" rIns="91440" bIns="45720"/>
+          <a:lstStyle/>
+          <a:p>
+            <a:pPr marL="342900" indent="-342900" algn="l" latinLnBrk="1" hangingPunct="1">
+              <a:spcBef>
+                <a:spcPct val="20000"/>
+              </a:spcBef>
+              <a:buFont typeface="Wingdings"/>
+              <a:buNone/>
+            </a:pPr>
+            <a:r>
+              <a:rPr xmlns:mc="http://schemas.openxmlformats.org/markup-compatibility/2006" xmlns:hp="http://schemas.haansoft.com/office/presentation/8.0" lang="ko-KR" altLang="en-US" sz="4309" b="1" i="0" spc="5" mc:Ignorable="hp" hp:hslEmbossed="0">
+                <a:solidFill>
+                  <a:schemeClr val="tx1"/>
+                </a:solidFill>
+                <a:latin typeface="나눔고딕"/>
+                <a:ea typeface="나눔고딕"/>
+              </a:rPr>
+              <a:t>개발 동기</a:t>
+            </a:r>
+            <a:endParaRPr xmlns:mc="http://schemas.openxmlformats.org/markup-compatibility/2006" xmlns:hp="http://schemas.haansoft.com/office/presentation/8.0" lang="ko-KR" altLang="en-US" sz="4309" b="1" i="0" spc="5" mc:Ignorable="hp" hp:hslEmbossed="0">
+              <a:solidFill>
+                <a:schemeClr val="tx1"/>
+              </a:solidFill>
+              <a:latin typeface="나눔고딕"/>
+              <a:ea typeface="나눔고딕"/>
+            </a:endParaRPr>
+          </a:p>
+          <a:p>
+            <a:pPr marL="342900" indent="-342900" algn="l" latinLnBrk="1" hangingPunct="1">
+              <a:spcBef>
+                <a:spcPct val="20000"/>
+              </a:spcBef>
+              <a:buFont typeface="Wingdings"/>
+              <a:buNone/>
+            </a:pPr>
+            <a:r>
+              <a:rPr xmlns:mc="http://schemas.openxmlformats.org/markup-compatibility/2006" xmlns:hp="http://schemas.haansoft.com/office/presentation/8.0" lang="ko-KR" altLang="en-US" sz="2872" b="0" i="0" spc="5" mc:Ignorable="hp" hp:hslEmbossed="0">
+                <a:solidFill>
+                  <a:schemeClr val="tx1"/>
+                </a:solidFill>
+                <a:latin typeface="나눔고딕"/>
+                <a:ea typeface="나눔고딕"/>
+              </a:rPr>
+              <a:t> 중학교 3학년 때 시작한 프로젝트로, 정보보호과 특별전형을 쓰려고 </a:t>
+            </a:r>
+            <a:r>
+              <a:rPr xmlns:mc="http://schemas.openxmlformats.org/markup-compatibility/2006" xmlns:hp="http://schemas.haansoft.com/office/presentation/8.0" lang="en-US" altLang="ko-KR" sz="2872" b="0" i="0" spc="5" mc:Ignorable="hp" hp:hslEmbossed="0">
+                <a:solidFill>
+                  <a:schemeClr val="tx1"/>
+                </a:solidFill>
+                <a:latin typeface="나눔고딕"/>
+                <a:ea typeface="나눔고딕"/>
+              </a:rPr>
+              <a:t>x86 </a:t>
+            </a:r>
+            <a:r>
+              <a:rPr xmlns:mc="http://schemas.openxmlformats.org/markup-compatibility/2006" xmlns:hp="http://schemas.haansoft.com/office/presentation/8.0" lang="ko-KR" altLang="en-US" sz="2872" b="0" i="0" spc="5" mc:Ignorable="hp" hp:hslEmbossed="0">
+                <a:solidFill>
+                  <a:schemeClr val="tx1"/>
+                </a:solidFill>
+                <a:latin typeface="나눔고딕"/>
+                <a:ea typeface="나눔고딕"/>
+              </a:rPr>
+              <a:t>운영체제로 시작 </a:t>
+            </a:r>
+            <a:endParaRPr xmlns:mc="http://schemas.openxmlformats.org/markup-compatibility/2006" xmlns:hp="http://schemas.haansoft.com/office/presentation/8.0" lang="ko-KR" altLang="en-US" sz="2872" b="0" i="0" spc="5" mc:Ignorable="hp" hp:hslEmbossed="0">
+              <a:solidFill>
+                <a:schemeClr val="tx1"/>
+              </a:solidFill>
+              <a:latin typeface="나눔고딕"/>
+              <a:ea typeface="나눔고딕"/>
+            </a:endParaRPr>
+          </a:p>
+          <a:p>
+            <a:pPr marL="342900" indent="-342900" algn="l" latinLnBrk="1" hangingPunct="1">
+              <a:spcBef>
+                <a:spcPct val="20000"/>
+              </a:spcBef>
+              <a:buFont typeface="Wingdings"/>
+              <a:buNone/>
+            </a:pPr>
+            <a:r>
+              <a:rPr xmlns:mc="http://schemas.openxmlformats.org/markup-compatibility/2006" xmlns:hp="http://schemas.haansoft.com/office/presentation/8.0" lang="ko-KR" altLang="en-US" sz="2872" b="0" i="0" spc="5" mc:Ignorable="hp" hp:hslEmbossed="0">
+                <a:solidFill>
+                  <a:schemeClr val="tx1"/>
+                </a:solidFill>
+                <a:latin typeface="나눔고딕"/>
+                <a:ea typeface="나눔고딕"/>
+              </a:rPr>
+              <a:t>했었던 물건입니다.</a:t>
+            </a:r>
+            <a:r>
+              <a:rPr xmlns:mc="http://schemas.openxmlformats.org/markup-compatibility/2006" xmlns:hp="http://schemas.haansoft.com/office/presentation/8.0" lang="en-US" altLang="ko-KR" sz="2872" b="0" i="0" spc="5" mc:Ignorable="hp" hp:hslEmbossed="0">
+                <a:solidFill>
+                  <a:schemeClr val="tx1"/>
+                </a:solidFill>
+                <a:latin typeface="나눔고딕"/>
+                <a:ea typeface="나눔고딕"/>
+              </a:rPr>
+              <a:t> </a:t>
+            </a:r>
+            <a:r>
+              <a:rPr xmlns:mc="http://schemas.openxmlformats.org/markup-compatibility/2006" xmlns:hp="http://schemas.haansoft.com/office/presentation/8.0" lang="ko-KR" altLang="en-US" sz="2872" b="0" i="0" spc="5" mc:Ignorable="hp" hp:hslEmbossed="0">
+                <a:solidFill>
+                  <a:schemeClr val="tx1"/>
+                </a:solidFill>
+                <a:latin typeface="나눔고딕"/>
+                <a:ea typeface="나눔고딕"/>
+              </a:rPr>
+              <a:t>하지만 지금 </a:t>
+            </a:r>
+            <a:r>
+              <a:rPr xmlns:mc="http://schemas.openxmlformats.org/markup-compatibility/2006" xmlns:hp="http://schemas.haansoft.com/office/presentation/8.0" lang="en-US" altLang="ko-KR" sz="2872" b="0" i="0" spc="5" mc:Ignorable="hp" hp:hslEmbossed="0">
+                <a:solidFill>
+                  <a:schemeClr val="tx1"/>
+                </a:solidFill>
+                <a:latin typeface="나눔고딕"/>
+                <a:ea typeface="나눔고딕"/>
+              </a:rPr>
+              <a:t>IT</a:t>
+            </a:r>
+            <a:r>
+              <a:rPr xmlns:mc="http://schemas.openxmlformats.org/markup-compatibility/2006" xmlns:hp="http://schemas.haansoft.com/office/presentation/8.0" lang="ko-KR" altLang="en-US" sz="2872" b="0" i="0" spc="5" mc:Ignorable="hp" hp:hslEmbossed="0">
+                <a:solidFill>
+                  <a:schemeClr val="tx1"/>
+                </a:solidFill>
+                <a:latin typeface="나눔고딕"/>
+                <a:ea typeface="나눔고딕"/>
+              </a:rPr>
+              <a:t>경영과에 있는것을 보면 결과는 참혹했다는 것을 알 수 있</a:t>
+            </a:r>
+            <a:endParaRPr xmlns:mc="http://schemas.openxmlformats.org/markup-compatibility/2006" xmlns:hp="http://schemas.haansoft.com/office/presentation/8.0" lang="ko-KR" altLang="en-US" sz="2872" b="0" i="0" spc="5" mc:Ignorable="hp" hp:hslEmbossed="0">
+              <a:solidFill>
+                <a:schemeClr val="tx1"/>
+              </a:solidFill>
+              <a:latin typeface="나눔고딕"/>
+              <a:ea typeface="나눔고딕"/>
+            </a:endParaRPr>
+          </a:p>
+          <a:p>
+            <a:pPr marL="342900" indent="-342900" algn="l" latinLnBrk="1" hangingPunct="1">
+              <a:spcBef>
+                <a:spcPct val="20000"/>
+              </a:spcBef>
+              <a:buFont typeface="Wingdings"/>
+              <a:buNone/>
+            </a:pPr>
+            <a:r>
+              <a:rPr xmlns:mc="http://schemas.openxmlformats.org/markup-compatibility/2006" xmlns:hp="http://schemas.haansoft.com/office/presentation/8.0" lang="ko-KR" altLang="en-US" sz="2872" b="0" i="0" spc="5" mc:Ignorable="hp" hp:hslEmbossed="0">
+                <a:solidFill>
+                  <a:schemeClr val="tx1"/>
+                </a:solidFill>
+                <a:latin typeface="나눔고딕"/>
+                <a:ea typeface="나눔고딕"/>
+              </a:rPr>
+              <a:t>겠습니다.</a:t>
+            </a:r>
+            <a:endParaRPr xmlns:mc="http://schemas.openxmlformats.org/markup-compatibility/2006" xmlns:hp="http://schemas.haansoft.com/office/presentation/8.0" lang="ko-KR" altLang="en-US" sz="2872" b="0" i="0" spc="5" mc:Ignorable="hp" hp:hslEmbossed="0">
+              <a:solidFill>
+                <a:schemeClr val="tx1"/>
+              </a:solidFill>
+              <a:latin typeface="나눔고딕"/>
+              <a:ea typeface="나눔고딕"/>
+            </a:endParaRPr>
+          </a:p>
+          <a:p>
+            <a:pPr marL="342900" indent="-342900" algn="l" latinLnBrk="1" hangingPunct="1">
+              <a:spcBef>
+                <a:spcPct val="20000"/>
+              </a:spcBef>
+              <a:buFont typeface="Wingdings"/>
+              <a:buNone/>
+            </a:pPr>
+            <a:endParaRPr lang="ko-KR" altLang="en-US" sz="2872">
+              <a:latin typeface="나눔고딕"/>
+              <a:ea typeface="나눔고딕"/>
+            </a:endParaRPr>
+          </a:p>
+          <a:p>
+            <a:pPr marL="342900" indent="-342900" algn="l" latinLnBrk="1" hangingPunct="1">
+              <a:spcBef>
+                <a:spcPct val="20000"/>
+              </a:spcBef>
+              <a:buFont typeface="Wingdings"/>
+              <a:buNone/>
+            </a:pPr>
+            <a:r>
+              <a:rPr xmlns:mc="http://schemas.openxmlformats.org/markup-compatibility/2006" xmlns:hp="http://schemas.haansoft.com/office/presentation/8.0" lang="ko-KR" altLang="en-US" sz="4309" b="0" i="0" spc="5" mc:Ignorable="hp" hp:hslEmbossed="0">
+                <a:solidFill>
+                  <a:schemeClr val="tx1"/>
+                </a:solidFill>
+                <a:latin typeface="나눔고딕"/>
+                <a:ea typeface="나눔고딕"/>
+              </a:rPr>
+              <a:t>개발 방법</a:t>
+            </a:r>
+            <a:endParaRPr xmlns:mc="http://schemas.openxmlformats.org/markup-compatibility/2006" xmlns:hp="http://schemas.haansoft.com/office/presentation/8.0" lang="ko-KR" altLang="en-US" sz="4309" b="0" i="0" spc="5" mc:Ignorable="hp" hp:hslEmbossed="0">
+              <a:solidFill>
+                <a:schemeClr val="tx1"/>
+              </a:solidFill>
+              <a:latin typeface="나눔고딕"/>
+              <a:ea typeface="나눔고딕"/>
+            </a:endParaRPr>
+          </a:p>
+          <a:p>
+            <a:pPr marL="342900" indent="-342900" algn="l" latinLnBrk="1" hangingPunct="1">
+              <a:spcBef>
+                <a:spcPct val="20000"/>
+              </a:spcBef>
+              <a:buFont typeface="Wingdings"/>
+              <a:buNone/>
+            </a:pPr>
+            <a:r>
+              <a:rPr xmlns:mc="http://schemas.openxmlformats.org/markup-compatibility/2006" xmlns:hp="http://schemas.haansoft.com/office/presentation/8.0" lang="ko-KR" altLang="en-US" sz="2872" b="0" i="0" spc="5" mc:Ignorable="hp" hp:hslEmbossed="0">
+                <a:solidFill>
+                  <a:schemeClr val="tx1"/>
+                </a:solidFill>
+                <a:latin typeface="나눔고딕"/>
+                <a:ea typeface="나눔고딕"/>
+              </a:rPr>
+              <a:t> </a:t>
+            </a:r>
+            <a:r>
+              <a:rPr xmlns:mc="http://schemas.openxmlformats.org/markup-compatibility/2006" xmlns:hp="http://schemas.haansoft.com/office/presentation/8.0" lang="en-US" altLang="ko-KR" sz="2872" b="0" i="0" spc="5" mc:Ignorable="hp" hp:hslEmbossed="0">
+                <a:solidFill>
+                  <a:schemeClr val="tx1"/>
+                </a:solidFill>
+                <a:latin typeface="나눔고딕"/>
+                <a:ea typeface="나눔고딕"/>
+              </a:rPr>
+              <a:t>IDE</a:t>
+            </a:r>
+            <a:r>
+              <a:rPr xmlns:mc="http://schemas.openxmlformats.org/markup-compatibility/2006" xmlns:hp="http://schemas.haansoft.com/office/presentation/8.0" lang="ko-KR" altLang="en-US" sz="2872" b="0" i="0" spc="5" mc:Ignorable="hp" hp:hslEmbossed="0">
+                <a:solidFill>
+                  <a:schemeClr val="tx1"/>
+                </a:solidFill>
+                <a:latin typeface="나눔고딕"/>
+                <a:ea typeface="나눔고딕"/>
+              </a:rPr>
+              <a:t>는 </a:t>
+            </a:r>
+            <a:r>
+              <a:rPr xmlns:mc="http://schemas.openxmlformats.org/markup-compatibility/2006" xmlns:hp="http://schemas.haansoft.com/office/presentation/8.0" lang="en-US" altLang="ko-KR" sz="2872" b="0" i="0" spc="5" mc:Ignorable="hp" hp:hslEmbossed="0">
+                <a:solidFill>
+                  <a:schemeClr val="tx1"/>
+                </a:solidFill>
+                <a:latin typeface="나눔고딕"/>
+                <a:ea typeface="나눔고딕"/>
+              </a:rPr>
+              <a:t>Notepad++</a:t>
+            </a:r>
+            <a:r>
+              <a:rPr xmlns:mc="http://schemas.openxmlformats.org/markup-compatibility/2006" xmlns:hp="http://schemas.haansoft.com/office/presentation/8.0" lang="ko-KR" altLang="en-US" sz="2872" b="0" i="0" spc="5" mc:Ignorable="hp" hp:hslEmbossed="0">
+                <a:solidFill>
+                  <a:schemeClr val="tx1"/>
+                </a:solidFill>
+                <a:latin typeface="나눔고딕"/>
+                <a:ea typeface="나눔고딕"/>
+              </a:rPr>
+              <a:t>, 컴파일러는 </a:t>
+            </a:r>
+            <a:r>
+              <a:rPr xmlns:mc="http://schemas.openxmlformats.org/markup-compatibility/2006" xmlns:hp="http://schemas.haansoft.com/office/presentation/8.0" lang="en-US" altLang="ko-KR" sz="2872" b="0" i="0" spc="5" mc:Ignorable="hp" hp:hslEmbossed="0">
+                <a:solidFill>
+                  <a:schemeClr val="tx1"/>
+                </a:solidFill>
+                <a:latin typeface="나눔고딕"/>
+                <a:ea typeface="나눔고딕"/>
+              </a:rPr>
+              <a:t>WSL</a:t>
+            </a:r>
+            <a:r>
+              <a:rPr xmlns:mc="http://schemas.openxmlformats.org/markup-compatibility/2006" xmlns:hp="http://schemas.haansoft.com/office/presentation/8.0" lang="ko-KR" altLang="en-US" sz="2872" b="0" i="0" spc="5" mc:Ignorable="hp" hp:hslEmbossed="0">
+                <a:solidFill>
+                  <a:schemeClr val="tx1"/>
+                </a:solidFill>
+                <a:latin typeface="나눔고딕"/>
+                <a:ea typeface="나눔고딕"/>
+              </a:rPr>
+              <a:t>(</a:t>
+            </a:r>
+            <a:r>
+              <a:rPr xmlns:mc="http://schemas.openxmlformats.org/markup-compatibility/2006" xmlns:hp="http://schemas.haansoft.com/office/presentation/8.0" lang="en-US" altLang="ko-KR" sz="2872" b="0" i="0" spc="5" mc:Ignorable="hp" hp:hslEmbossed="0">
+                <a:solidFill>
+                  <a:schemeClr val="tx1"/>
+                </a:solidFill>
+                <a:latin typeface="나눔고딕"/>
+                <a:ea typeface="나눔고딕"/>
+              </a:rPr>
+              <a:t>Windows</a:t>
+            </a:r>
+            <a:r>
+              <a:rPr xmlns:mc="http://schemas.openxmlformats.org/markup-compatibility/2006" xmlns:hp="http://schemas.haansoft.com/office/presentation/8.0" lang="ko-KR" altLang="en-US" sz="2872" b="0" i="0" spc="5" mc:Ignorable="hp" hp:hslEmbossed="0">
+                <a:solidFill>
+                  <a:schemeClr val="tx1"/>
+                </a:solidFill>
+                <a:latin typeface="나눔고딕"/>
+                <a:ea typeface="나눔고딕"/>
+              </a:rPr>
+              <a:t> 호환 </a:t>
+            </a:r>
+            <a:r>
+              <a:rPr xmlns:mc="http://schemas.openxmlformats.org/markup-compatibility/2006" xmlns:hp="http://schemas.haansoft.com/office/presentation/8.0" lang="en-US" altLang="ko-KR" sz="2872" b="0" i="0" spc="5" mc:Ignorable="hp" hp:hslEmbossed="0">
+                <a:solidFill>
+                  <a:schemeClr val="tx1"/>
+                </a:solidFill>
+                <a:latin typeface="나눔고딕"/>
+                <a:ea typeface="나눔고딕"/>
+              </a:rPr>
+              <a:t>bash)</a:t>
+            </a:r>
+            <a:r>
+              <a:rPr xmlns:mc="http://schemas.openxmlformats.org/markup-compatibility/2006" xmlns:hp="http://schemas.haansoft.com/office/presentation/8.0" lang="ko-KR" altLang="en-US" sz="2872" b="0" i="0" spc="5" mc:Ignorable="hp" hp:hslEmbossed="0">
+                <a:solidFill>
+                  <a:schemeClr val="tx1"/>
+                </a:solidFill>
+                <a:latin typeface="나눔고딕"/>
+                <a:ea typeface="나눔고딕"/>
+              </a:rPr>
+              <a:t>에서 </a:t>
+            </a:r>
+            <a:r>
+              <a:rPr xmlns:mc="http://schemas.openxmlformats.org/markup-compatibility/2006" xmlns:hp="http://schemas.haansoft.com/office/presentation/8.0" lang="en-US" altLang="ko-KR" sz="2872" b="0" i="0" spc="5" mc:Ignorable="hp" hp:hslEmbossed="0">
+                <a:solidFill>
+                  <a:schemeClr val="tx1"/>
+                </a:solidFill>
+                <a:latin typeface="나눔고딕"/>
+                <a:ea typeface="나눔고딕"/>
+              </a:rPr>
+              <a:t>GCC</a:t>
+            </a:r>
+            <a:r>
+              <a:rPr xmlns:mc="http://schemas.openxmlformats.org/markup-compatibility/2006" xmlns:hp="http://schemas.haansoft.com/office/presentation/8.0" lang="ko-KR" altLang="en-US" sz="2872" b="0" i="0" spc="5" mc:Ignorable="hp" hp:hslEmbossed="0">
+                <a:solidFill>
+                  <a:schemeClr val="tx1"/>
+                </a:solidFill>
+                <a:latin typeface="나눔고딕"/>
+                <a:ea typeface="나눔고딕"/>
+              </a:rPr>
+              <a:t>를 사용하였습니다.</a:t>
+            </a:r>
+            <a:endParaRPr xmlns:mc="http://schemas.openxmlformats.org/markup-compatibility/2006" xmlns:hp="http://schemas.haansoft.com/office/presentation/8.0" lang="ko-KR" altLang="en-US" sz="2872" b="0" i="0" spc="5" mc:Ignorable="hp" hp:hslEmbossed="0">
+              <a:solidFill>
+                <a:schemeClr val="tx1"/>
+              </a:solidFill>
+              <a:latin typeface="나눔고딕"/>
+              <a:ea typeface="나눔고딕"/>
+            </a:endParaRPr>
+          </a:p>
+          <a:p>
+            <a:pPr marL="342900" indent="-342900" algn="l" latinLnBrk="1" hangingPunct="1">
+              <a:spcBef>
+                <a:spcPct val="20000"/>
+              </a:spcBef>
+              <a:buFont typeface="Wingdings"/>
+              <a:buNone/>
+            </a:pPr>
+            <a:r>
+              <a:rPr xmlns:mc="http://schemas.openxmlformats.org/markup-compatibility/2006" xmlns:hp="http://schemas.haansoft.com/office/presentation/8.0" lang="ko-KR" altLang="en-US" sz="2872" b="0" i="0" spc="5" mc:Ignorable="hp" hp:hslEmbossed="0">
+                <a:solidFill>
+                  <a:schemeClr val="tx1"/>
+                </a:solidFill>
+                <a:latin typeface="나눔고딕"/>
+                <a:ea typeface="나눔고딕"/>
+              </a:rPr>
+              <a:t>간단하게 어셈블리어로 부트로더를 작성한 뒤, </a:t>
+            </a:r>
+            <a:r>
+              <a:rPr xmlns:mc="http://schemas.openxmlformats.org/markup-compatibility/2006" xmlns:hp="http://schemas.haansoft.com/office/presentation/8.0" lang="en-US" altLang="ko-KR" sz="2872" b="0" i="0" spc="5" mc:Ignorable="hp" hp:hslEmbossed="0">
+                <a:solidFill>
+                  <a:schemeClr val="tx1"/>
+                </a:solidFill>
+                <a:latin typeface="나눔고딕"/>
+                <a:ea typeface="나눔고딕"/>
+              </a:rPr>
+              <a:t>C</a:t>
+            </a:r>
+            <a:r>
+              <a:rPr xmlns:mc="http://schemas.openxmlformats.org/markup-compatibility/2006" xmlns:hp="http://schemas.haansoft.com/office/presentation/8.0" lang="ko-KR" altLang="en-US" sz="2872" b="0" i="0" spc="5" mc:Ignorable="hp" hp:hslEmbossed="0">
+                <a:solidFill>
+                  <a:schemeClr val="tx1"/>
+                </a:solidFill>
+                <a:latin typeface="나눔고딕"/>
+                <a:ea typeface="나눔고딕"/>
+              </a:rPr>
+              <a:t>언어 커널을 컴파일해서 붙여주었습니다.</a:t>
+            </a:r>
+            <a:endParaRPr xmlns:mc="http://schemas.openxmlformats.org/markup-compatibility/2006" xmlns:hp="http://schemas.haansoft.com/office/presentation/8.0" lang="ko-KR" altLang="en-US" sz="2872" b="0" i="0" spc="5" mc:Ignorable="hp" hp:hslEmbossed="0">
+              <a:solidFill>
+                <a:schemeClr val="tx1"/>
+              </a:solidFill>
+              <a:latin typeface="나눔고딕"/>
+              <a:ea typeface="나눔고딕"/>
+            </a:endParaRPr>
+          </a:p>
+          <a:p>
+            <a:pPr marL="342900" indent="-342900" algn="l" latinLnBrk="1" hangingPunct="1">
+              <a:spcBef>
+                <a:spcPct val="20000"/>
+              </a:spcBef>
+              <a:buFont typeface="Wingdings"/>
+              <a:buNone/>
+            </a:pPr>
+            <a:r>
+              <a:rPr xmlns:mc="http://schemas.openxmlformats.org/markup-compatibility/2006" xmlns:hp="http://schemas.haansoft.com/office/presentation/8.0" lang="en-US" altLang="ko-KR" sz="2872" b="0" i="0" spc="5" mc:Ignorable="hp" hp:hslEmbossed="0">
+                <a:solidFill>
+                  <a:schemeClr val="tx1"/>
+                </a:solidFill>
+                <a:latin typeface="나눔고딕"/>
+                <a:ea typeface="나눔고딕"/>
+              </a:rPr>
+              <a:t>VMware</a:t>
+            </a:r>
+            <a:r>
+              <a:rPr xmlns:mc="http://schemas.openxmlformats.org/markup-compatibility/2006" xmlns:hp="http://schemas.haansoft.com/office/presentation/8.0" lang="ko-KR" altLang="en-US" sz="2872" b="0" i="0" spc="5" mc:Ignorable="hp" hp:hslEmbossed="0">
+                <a:solidFill>
+                  <a:schemeClr val="tx1"/>
+                </a:solidFill>
+                <a:latin typeface="나눔고딕"/>
+                <a:ea typeface="나눔고딕"/>
+              </a:rPr>
+              <a:t>나 </a:t>
+            </a:r>
+            <a:r>
+              <a:rPr xmlns:mc="http://schemas.openxmlformats.org/markup-compatibility/2006" xmlns:hp="http://schemas.haansoft.com/office/presentation/8.0" lang="en-US" altLang="ko-KR" sz="2872" b="0" i="0" spc="5" mc:Ignorable="hp" hp:hslEmbossed="0">
+                <a:solidFill>
+                  <a:schemeClr val="tx1"/>
+                </a:solidFill>
+                <a:latin typeface="나눔고딕"/>
+                <a:ea typeface="나눔고딕"/>
+              </a:rPr>
+              <a:t>QEMU</a:t>
+            </a:r>
+            <a:r>
+              <a:rPr xmlns:mc="http://schemas.openxmlformats.org/markup-compatibility/2006" xmlns:hp="http://schemas.haansoft.com/office/presentation/8.0" lang="ko-KR" altLang="en-US" sz="2872" b="0" i="0" spc="5" mc:Ignorable="hp" hp:hslEmbossed="0">
+                <a:solidFill>
+                  <a:schemeClr val="tx1"/>
+                </a:solidFill>
+                <a:latin typeface="나눔고딕"/>
+                <a:ea typeface="나눔고딕"/>
+              </a:rPr>
+              <a:t>의 </a:t>
+            </a:r>
+            <a:r>
+              <a:rPr xmlns:mc="http://schemas.openxmlformats.org/markup-compatibility/2006" xmlns:hp="http://schemas.haansoft.com/office/presentation/8.0" lang="en-US" altLang="ko-KR" sz="2872" b="0" i="0" spc="5" mc:Ignorable="hp" hp:hslEmbossed="0">
+                <a:solidFill>
+                  <a:schemeClr val="tx1"/>
+                </a:solidFill>
+                <a:latin typeface="나눔고딕"/>
+                <a:ea typeface="나눔고딕"/>
+              </a:rPr>
+              <a:t>floppy disk </a:t>
+            </a:r>
+            <a:r>
+              <a:rPr xmlns:mc="http://schemas.openxmlformats.org/markup-compatibility/2006" xmlns:hp="http://schemas.haansoft.com/office/presentation/8.0" lang="ko-KR" altLang="en-US" sz="2872" b="0" i="0" spc="5" mc:Ignorable="hp" hp:hslEmbossed="0">
+                <a:solidFill>
+                  <a:schemeClr val="tx1"/>
+                </a:solidFill>
+                <a:latin typeface="나눔고딕"/>
+                <a:ea typeface="나눔고딕"/>
+              </a:rPr>
+              <a:t>기능을 사용하여 가상머신으로 확인해 볼 수 있습니다.</a:t>
+            </a:r>
+            <a:endParaRPr xmlns:mc="http://schemas.openxmlformats.org/markup-compatibility/2006" xmlns:hp="http://schemas.haansoft.com/office/presentation/8.0" lang="ko-KR" altLang="en-US" sz="2872" b="0" i="0" spc="5" mc:Ignorable="hp" hp:hslEmbossed="0">
+              <a:solidFill>
+                <a:schemeClr val="tx1"/>
+              </a:solidFill>
+              <a:latin typeface="나눔고딕"/>
+              <a:ea typeface="나눔고딕"/>
+            </a:endParaRPr>
+          </a:p>
+          <a:p>
+            <a:pPr marL="342900" indent="-342900" algn="l" latinLnBrk="1" hangingPunct="1">
+              <a:spcBef>
+                <a:spcPct val="20000"/>
+              </a:spcBef>
+              <a:buFont typeface="Wingdings"/>
+              <a:buNone/>
+            </a:pPr>
+            <a:endParaRPr lang="ko-KR" altLang="en-US" sz="2872">
+              <a:latin typeface="나눔고딕"/>
+              <a:ea typeface="나눔고딕"/>
+            </a:endParaRPr>
+          </a:p>
+          <a:p>
+            <a:pPr marL="342900" indent="-342900" algn="l" latinLnBrk="1" hangingPunct="1">
+              <a:spcBef>
+                <a:spcPct val="20000"/>
+              </a:spcBef>
+              <a:buFont typeface="Wingdings"/>
+              <a:buNone/>
+            </a:pPr>
+            <a:r>
+              <a:rPr xmlns:mc="http://schemas.openxmlformats.org/markup-compatibility/2006" xmlns:hp="http://schemas.haansoft.com/office/presentation/8.0" lang="ko-KR" altLang="en-US" sz="4309" b="0" i="0" spc="5" mc:Ignorable="hp" hp:hslEmbossed="0">
+                <a:solidFill>
+                  <a:schemeClr val="tx1"/>
+                </a:solidFill>
+                <a:latin typeface="나눔고딕"/>
+                <a:ea typeface="나눔고딕"/>
+              </a:rPr>
+              <a:t>골인</a:t>
+            </a:r>
+            <a:endParaRPr xmlns:mc="http://schemas.openxmlformats.org/markup-compatibility/2006" xmlns:hp="http://schemas.haansoft.com/office/presentation/8.0" lang="ko-KR" altLang="en-US" sz="4309" b="0" i="0" spc="5" mc:Ignorable="hp" hp:hslEmbossed="0">
+              <a:solidFill>
+                <a:schemeClr val="tx1"/>
+              </a:solidFill>
+              <a:latin typeface="나눔고딕"/>
+              <a:ea typeface="나눔고딕"/>
+            </a:endParaRPr>
+          </a:p>
+          <a:p>
+            <a:pPr marL="342900" indent="-342900" algn="l" latinLnBrk="1" hangingPunct="1">
+              <a:spcBef>
+                <a:spcPct val="20000"/>
+              </a:spcBef>
+              <a:buFont typeface="Wingdings"/>
+              <a:buNone/>
+            </a:pPr>
+            <a:r>
+              <a:rPr xmlns:mc="http://schemas.openxmlformats.org/markup-compatibility/2006" xmlns:hp="http://schemas.haansoft.com/office/presentation/8.0" lang="ko-KR" altLang="en-US" sz="2872" b="0" i="0" spc="5" mc:Ignorable="hp" hp:hslEmbossed="0">
+                <a:solidFill>
+                  <a:schemeClr val="tx1"/>
+                </a:solidFill>
+                <a:latin typeface="나눔고딕"/>
+                <a:ea typeface="나눔고딕"/>
+              </a:rPr>
+              <a:t> 유저와 커널이 분리된</a:t>
+            </a:r>
+            <a:r>
+              <a:rPr xmlns:mc="http://schemas.openxmlformats.org/markup-compatibility/2006" xmlns:hp="http://schemas.haansoft.com/office/presentation/8.0" lang="en-US" altLang="ko-KR" sz="2872" b="0" i="0" spc="5" mc:Ignorable="hp" hp:hslEmbossed="0">
+                <a:solidFill>
+                  <a:schemeClr val="tx1"/>
+                </a:solidFill>
+                <a:latin typeface="나눔고딕"/>
+                <a:ea typeface="나눔고딕"/>
+              </a:rPr>
+              <a:t> GUI</a:t>
+            </a:r>
+            <a:r>
+              <a:rPr xmlns:mc="http://schemas.openxmlformats.org/markup-compatibility/2006" xmlns:hp="http://schemas.haansoft.com/office/presentation/8.0" lang="ko-KR" altLang="en-US" sz="2872" b="0" i="0" spc="5" mc:Ignorable="hp" hp:hslEmbossed="0">
+                <a:solidFill>
+                  <a:schemeClr val="tx1"/>
+                </a:solidFill>
+                <a:latin typeface="나눔고딕"/>
+                <a:ea typeface="나눔고딕"/>
+              </a:rPr>
+              <a:t> 운영체제를 구현하는 것이 이 프로젝트의 최종목표 였습니다. </a:t>
+            </a:r>
+            <a:endParaRPr xmlns:mc="http://schemas.openxmlformats.org/markup-compatibility/2006" xmlns:hp="http://schemas.haansoft.com/office/presentation/8.0" lang="ko-KR" altLang="en-US" sz="2872" b="0" i="0" spc="5" mc:Ignorable="hp" hp:hslEmbossed="0">
+              <a:solidFill>
+                <a:schemeClr val="tx1"/>
+              </a:solidFill>
+              <a:latin typeface="나눔고딕"/>
+              <a:ea typeface="나눔고딕"/>
+            </a:endParaRPr>
+          </a:p>
+          <a:p>
+            <a:pPr marL="342900" indent="-342900" algn="l" latinLnBrk="1" hangingPunct="1">
+              <a:spcBef>
+                <a:spcPct val="20000"/>
+              </a:spcBef>
+              <a:buFont typeface="Wingdings"/>
+              <a:buNone/>
+            </a:pPr>
+            <a:r>
+              <a:rPr xmlns:mc="http://schemas.openxmlformats.org/markup-compatibility/2006" xmlns:hp="http://schemas.haansoft.com/office/presentation/8.0" lang="ko-KR" altLang="en-US" sz="2872" b="0" i="0" spc="5" mc:Ignorable="hp" hp:hslEmbossed="0">
+                <a:solidFill>
+                  <a:schemeClr val="tx1"/>
+                </a:solidFill>
+                <a:latin typeface="나눔고딕"/>
+                <a:ea typeface="나눔고딕"/>
+              </a:rPr>
+              <a:t>하지만 수행평가 마감일까지 시간이 너무 조급하기 때문에, 2학기 수업에서 배웠던 라운드 </a:t>
+            </a:r>
+            <a:endParaRPr xmlns:mc="http://schemas.openxmlformats.org/markup-compatibility/2006" xmlns:hp="http://schemas.haansoft.com/office/presentation/8.0" lang="ko-KR" altLang="en-US" sz="2872" b="0" i="0" spc="5" mc:Ignorable="hp" hp:hslEmbossed="0">
+              <a:solidFill>
+                <a:schemeClr val="tx1"/>
+              </a:solidFill>
+              <a:latin typeface="나눔고딕"/>
+              <a:ea typeface="나눔고딕"/>
+            </a:endParaRPr>
+          </a:p>
+          <a:p>
+            <a:pPr marL="342900" indent="-342900" algn="l" latinLnBrk="1" hangingPunct="1">
+              <a:spcBef>
+                <a:spcPct val="20000"/>
+              </a:spcBef>
+              <a:buFont typeface="Wingdings"/>
+              <a:buNone/>
+            </a:pPr>
+            <a:r>
+              <a:rPr xmlns:mc="http://schemas.openxmlformats.org/markup-compatibility/2006" xmlns:hp="http://schemas.haansoft.com/office/presentation/8.0" lang="ko-KR" altLang="en-US" sz="2872" b="0" i="0" spc="5" mc:Ignorable="hp" hp:hslEmbossed="0">
+                <a:solidFill>
+                  <a:schemeClr val="tx1"/>
+                </a:solidFill>
+                <a:latin typeface="나눔고딕"/>
+                <a:ea typeface="나눔고딕"/>
+              </a:rPr>
+              <a:t>로빈 스케줄러까지 구현하는 것을 골인으로 하였습니다. 물론 골은 넣지 못하였습니다. ^^7</a:t>
+            </a:r>
+            <a:endParaRPr xmlns:mc="http://schemas.openxmlformats.org/markup-compatibility/2006" xmlns:hp="http://schemas.haansoft.com/office/presentation/8.0" lang="ko-KR" altLang="en-US" sz="2872" b="0" i="0" spc="5" mc:Ignorable="hp" hp:hslEmbossed="0">
+              <a:solidFill>
+                <a:schemeClr val="tx1"/>
+              </a:solidFill>
+              <a:latin typeface="나눔고딕"/>
+              <a:ea typeface="나눔고딕"/>
+            </a:endParaRPr>
+          </a:p>
+          <a:p>
+            <a:pPr marL="342900" indent="-342900" algn="l" latinLnBrk="1" hangingPunct="1">
+              <a:spcBef>
+                <a:spcPct val="20000"/>
+              </a:spcBef>
+              <a:buFont typeface="Wingdings"/>
+              <a:buNone/>
+            </a:pPr>
+            <a:endParaRPr lang="ko-KR" altLang="en-US" sz="3232">
+              <a:latin typeface="나눔고딕"/>
+              <a:ea typeface="나눔고딕"/>
+            </a:endParaRPr>
+          </a:p>
+          <a:p>
+            <a:pPr marL="342900" indent="-342900" algn="l" latinLnBrk="1" hangingPunct="1">
+              <a:spcBef>
+                <a:spcPct val="20000"/>
+              </a:spcBef>
+              <a:buFont typeface="Wingdings"/>
+              <a:buNone/>
+            </a:pPr>
+            <a:endParaRPr lang="ko-KR" altLang="en-US" sz="2334">
+              <a:latin typeface="나눔고딕"/>
+              <a:ea typeface="나눔고딕"/>
+            </a:endParaRPr>
+          </a:p>
+          <a:p>
+            <a:pPr marL="342900" indent="-342900" algn="l" latinLnBrk="1" hangingPunct="1">
+              <a:spcBef>
+                <a:spcPct val="20000"/>
+              </a:spcBef>
+              <a:buFont typeface="Wingdings"/>
+              <a:buNone/>
+            </a:pPr>
+            <a:endParaRPr lang="ko-KR" altLang="en-US" sz="2334">
+              <a:latin typeface="나눔고딕"/>
+              <a:ea typeface="나눔고딕"/>
+            </a:endParaRPr>
+          </a:p>
+          <a:p>
+            <a:pPr marL="342900" indent="-342900" algn="l" latinLnBrk="1" hangingPunct="1">
+              <a:spcBef>
+                <a:spcPct val="20000"/>
+              </a:spcBef>
+              <a:buFont typeface="Wingdings"/>
+              <a:buNone/>
+            </a:pPr>
+            <a:endParaRPr lang="ko-KR" altLang="en-US" sz="2334">
+              <a:latin typeface="나눔고딕"/>
+              <a:ea typeface="나눔고딕"/>
+            </a:endParaRPr>
+          </a:p>
+        </p:txBody>
+      </p:sp>
+      <p:sp>
+        <p:nvSpPr>
+          <p:cNvPr id="10" name="직사각형 4"/>
+          <p:cNvSpPr txBox="1"/>
+          <p:nvPr/>
+        </p:nvSpPr>
+        <p:spPr>
+          <a:xfrm>
+            <a:off x="6300192" y="6178544"/>
+            <a:ext cx="2627784" cy="490816"/>
+          </a:xfrm>
+          <a:prstGeom prst="rect">
+            <a:avLst/>
+          </a:prstGeom>
+        </p:spPr>
+        <p:txBody>
+          <a:bodyPr wrap="square">
+            <a:spAutoFit/>
+          </a:bodyPr>
+          <a:lstStyle/>
+          <a:p>
+            <a:pPr/>
+            <a:r>
+              <a:rPr lang="ko-KR" altLang="en-US" sz="2600" b="1">
+                <a:solidFill>
+                  <a:schemeClr val="bg1">
+                    <a:lumMod val="95000"/>
+                  </a:schemeClr>
+                </a:solidFill>
+                <a:latin typeface="청소년서체"/>
+                <a:ea typeface="청소년서체"/>
+              </a:rPr>
+              <a:t>1학년 9반 박태원</a:t>
+            </a:r>
+            <a:endParaRPr lang="ko-KR" altLang="en-US" sz="2600" b="1">
+              <a:solidFill>
+                <a:schemeClr val="bg1">
+                  <a:lumMod val="95000"/>
+                </a:schemeClr>
+              </a:solidFill>
+              <a:latin typeface="청소년서체"/>
+              <a:ea typeface="청소년서체"/>
+            </a:endParaRPr>
+          </a:p>
+        </p:txBody>
+      </p:sp>
+    </p:spTree>
+  </p:cSld>
+  <p:clrMapOvr>
+    <a:masterClrMapping/>
+  </p:clrMapOvr>
+</p:sld>
+</file>
+
+<file path=ppt/slides/slide3.xml><?xml version="1.0" encoding="utf-8"?>
+<p:sld xmlns:r="http://schemas.openxmlformats.org/officeDocument/2006/relationships" xmlns:c="http://schemas.openxmlformats.org/drawingml/2006/chart" xmlns:a="http://schemas.openxmlformats.org/drawingml/2006/main" xmlns:dgm="http://schemas.openxmlformats.org/drawingml/2006/diagram" xmlns:dsp="http://schemas.microsoft.com/office/drawing/2008/diagram" xmlns:p="http://schemas.openxmlformats.org/presentationml/2006/main">
+  <p:cSld>
+    <p:spTree>
+      <p:nvGrpSpPr>
+        <p:cNvPr id="1" name=""/>
+        <p:cNvGrpSpPr/>
+        <p:nvPr/>
+      </p:nvGrpSpPr>
+      <p:grpSpPr>
+        <a:xfrm>
+          <a:off x="0" y="0"/>
+          <a:ext cx="0" cy="0"/>
+          <a:chOff x="0" y="0"/>
+          <a:chExt cx="0" cy="0"/>
+        </a:xfrm>
+      </p:grpSpPr>
+      <p:pic>
+        <p:nvPicPr>
+          <p:cNvPr id="9" name="그림 8"/>
+          <p:cNvPicPr/>
+          <p:nvPr/>
+        </p:nvPicPr>
+        <p:blipFill rotWithShape="1">
+          <a:blip r:embed="rId2">
+            <a:alphaModFix/>
+            <a:lum bright="70000" contrast="-50000"/>
+          </a:blip>
+          <a:stretch>
+            <a:fillRect/>
+          </a:stretch>
+        </p:blipFill>
+        <p:spPr>
+          <a:xfrm>
+            <a:off x="2133000" y="990000"/>
+            <a:ext cx="4878000" cy="4878000"/>
+          </a:xfrm>
+          <a:prstGeom prst="rect">
+            <a:avLst/>
+          </a:prstGeom>
+        </p:spPr>
+      </p:pic>
+      <p:sp>
+        <p:nvSpPr>
+          <p:cNvPr id="7" name="직사각형 1"/>
+          <p:cNvSpPr/>
+          <p:nvPr/>
+        </p:nvSpPr>
+        <p:spPr>
+          <a:xfrm>
+            <a:off x="-179512" y="-240432"/>
+            <a:ext cx="6444208" cy="1470025"/>
+          </a:xfrm>
+          <a:prstGeom prst="rect">
+            <a:avLst/>
+          </a:prstGeom>
+        </p:spPr>
+        <p:txBody>
+          <a:bodyPr vert="horz" lIns="91440" tIns="45720" rIns="91440" bIns="45720" anchor="ctr"/>
+          <a:lstStyle/>
+          <a:p>
+            <a:pPr algn="ctr" latinLnBrk="1" hangingPunct="1">
+              <a:spcBef>
+                <a:spcPct val="0"/>
+              </a:spcBef>
+              <a:buNone/>
+            </a:pPr>
+            <a:r>
+              <a:rPr xmlns:mc="http://schemas.openxmlformats.org/markup-compatibility/2006" xmlns:hp="http://schemas.haansoft.com/office/presentation/8.0" lang="en-US" altLang="ko-KR" sz="4400" b="1" i="1" spc="5" mc:Ignorable="hp" hp:hslEmbossed="0">
+                <a:solidFill>
+                  <a:schemeClr val="bg1">
+                    <a:lumMod val="90000"/>
+                  </a:schemeClr>
+                </a:solidFill>
+                <a:latin typeface="나눔고딕 ExtraBold"/>
+                <a:ea typeface="나눔고딕 ExtraBold"/>
+              </a:rPr>
+              <a:t>Infinite Synthesis x64</a:t>
+            </a:r>
+            <a:endParaRPr lang="en-US" altLang="ko-KR" b="1" i="1">
+              <a:solidFill>
+                <a:schemeClr val="bg1">
+                  <a:lumMod val="90000"/>
+                </a:schemeClr>
+              </a:solidFill>
+              <a:latin typeface="나눔고딕 ExtraBold"/>
+              <a:ea typeface="나눔고딕 ExtraBold"/>
+            </a:endParaRPr>
+          </a:p>
+        </p:txBody>
+      </p:sp>
+      <p:sp>
+        <p:nvSpPr>
+          <p:cNvPr id="3" name="직사각형 2"/>
+          <p:cNvSpPr/>
+          <p:nvPr>
+            <p:ph idx="1"/>
+          </p:nvPr>
+        </p:nvSpPr>
+        <p:spPr>
+          <a:xfrm>
+            <a:off x="457200" y="1166018"/>
+            <a:ext cx="8229600" cy="5215309"/>
+          </a:xfrm>
+        </p:spPr>
+        <p:txBody>
+          <a:bodyPr/>
+          <a:lstStyle/>
+          <a:p>
+            <a:pPr>
+              <a:buFont typeface="Wingdings"/>
+              <a:buNone/>
+            </a:pPr>
+            <a:r>
+              <a:rPr lang="ko-KR" altLang="en-US" sz="2998">
+                <a:latin typeface="나눔고딕"/>
+                <a:ea typeface="나눔고딕"/>
+              </a:rPr>
+              <a:t>   다행히도 이</a:t>
+            </a:r>
+            <a:r>
+              <a:rPr xmlns:mc="http://schemas.openxmlformats.org/markup-compatibility/2006" xmlns:hp="http://schemas.haansoft.com/office/presentation/8.0" lang="ko-KR" altLang="en-US" sz="2998" b="0" i="0" spc="5" baseline="0" mc:Ignorable="hp" hp:hslEmbossed="0">
+                <a:latin typeface="나눔고딕"/>
+                <a:ea typeface="나눔고딕"/>
+              </a:rPr>
+              <a:t>전에 </a:t>
+            </a:r>
+            <a:r>
+              <a:rPr lang="ko-KR" altLang="en-US" sz="2998">
+                <a:latin typeface="나눔고딕"/>
+                <a:ea typeface="나눔고딕"/>
+              </a:rPr>
+              <a:t>기초적인 셸까지 구현해놓았으므로, 바닥부터 삽질을 할 필요는 없었</a:t>
+            </a:r>
+            <a:endParaRPr lang="ko-KR" altLang="en-US" sz="2998">
+              <a:latin typeface="나눔고딕"/>
+              <a:ea typeface="나눔고딕"/>
+            </a:endParaRPr>
+          </a:p>
+          <a:p>
+            <a:pPr>
+              <a:buFont typeface="Wingdings"/>
+              <a:buNone/>
+            </a:pPr>
+            <a:r>
+              <a:rPr lang="ko-KR" altLang="en-US" sz="2998">
+                <a:latin typeface="나눔고딕"/>
+                <a:ea typeface="나눔고딕"/>
+              </a:rPr>
+              <a:t>습니다. 그저 </a:t>
+            </a:r>
+            <a:r>
+              <a:rPr lang="ko-KR" altLang="en-US" sz="2998">
+                <a:solidFill>
+                  <a:srgbClr val="0000ff"/>
+                </a:solidFill>
+                <a:latin typeface="나눔고딕"/>
+                <a:ea typeface="나눔고딕"/>
+              </a:rPr>
+              <a:t>프로세스</a:t>
+            </a:r>
+            <a:r>
+              <a:rPr lang="ko-KR" altLang="en-US" sz="2998">
+                <a:latin typeface="나눔고딕"/>
+                <a:ea typeface="나눔고딕"/>
+              </a:rPr>
+              <a:t>와 </a:t>
+            </a:r>
+            <a:r>
+              <a:rPr lang="ko-KR" altLang="en-US" sz="2998">
+                <a:solidFill>
+                  <a:srgbClr val="0000ff"/>
+                </a:solidFill>
+                <a:latin typeface="나눔고딕"/>
+                <a:ea typeface="나눔고딕"/>
+              </a:rPr>
+              <a:t>라운드 로빈 스케줄러</a:t>
+            </a:r>
+            <a:r>
+              <a:rPr lang="ko-KR" altLang="en-US" sz="2998">
+                <a:latin typeface="나눔고딕"/>
+                <a:ea typeface="나눔고딕"/>
+              </a:rPr>
+              <a:t>를 이해하고 구현하는 것이 제가 해야 할 </a:t>
+            </a:r>
+            <a:endParaRPr lang="ko-KR" altLang="en-US" sz="2998">
+              <a:latin typeface="나눔고딕"/>
+              <a:ea typeface="나눔고딕"/>
+            </a:endParaRPr>
+          </a:p>
+          <a:p>
+            <a:pPr>
+              <a:buFont typeface="Wingdings"/>
+              <a:buNone/>
+            </a:pPr>
+            <a:r>
+              <a:rPr lang="ko-KR" altLang="en-US" sz="2998">
+                <a:latin typeface="나눔고딕"/>
+                <a:ea typeface="나눔고딕"/>
+              </a:rPr>
+              <a:t>일이었습니다.</a:t>
+            </a:r>
+            <a:endParaRPr lang="ko-KR" altLang="en-US" sz="2998">
+              <a:latin typeface="나눔고딕"/>
+              <a:ea typeface="나눔고딕"/>
+            </a:endParaRPr>
+          </a:p>
+          <a:p>
+            <a:pPr>
+              <a:buFont typeface="Wingdings"/>
+              <a:buNone/>
+            </a:pPr>
+            <a:r>
+              <a:rPr lang="ko-KR" altLang="en-US" sz="2998">
+                <a:latin typeface="나눔고딕"/>
+                <a:ea typeface="나눔고딕"/>
+              </a:rPr>
+              <a:t>   무엇보다 다행인건 참고 할 만한 자료들이 많았다는 점입니다. 참고가 될 만한 소스코드</a:t>
+            </a:r>
+            <a:endParaRPr lang="ko-KR" altLang="en-US" sz="2998">
+              <a:latin typeface="나눔고딕"/>
+              <a:ea typeface="나눔고딕"/>
+            </a:endParaRPr>
+          </a:p>
+          <a:p>
+            <a:pPr>
+              <a:buFont typeface="Wingdings"/>
+              <a:buNone/>
+            </a:pPr>
+            <a:r>
+              <a:rPr lang="ko-KR" altLang="en-US" sz="2998">
+                <a:latin typeface="나눔고딕"/>
+                <a:ea typeface="나눔고딕"/>
+              </a:rPr>
+              <a:t>들이나, 책 또는 문서등이 있었는데, 그중에서도 가장 많이 참고가 됐던 것은 </a:t>
+            </a:r>
+            <a:r>
+              <a:rPr lang="ko-KR" altLang="en-US" sz="2998">
+                <a:solidFill>
+                  <a:srgbClr val="0000ff"/>
+                </a:solidFill>
+                <a:latin typeface="나눔고딕"/>
+                <a:ea typeface="나눔고딕"/>
+              </a:rPr>
+              <a:t>"64비트 멀</a:t>
+            </a:r>
+            <a:endParaRPr lang="ko-KR" altLang="en-US" sz="2998">
+              <a:solidFill>
+                <a:srgbClr val="0000ff"/>
+              </a:solidFill>
+              <a:latin typeface="나눔고딕"/>
+              <a:ea typeface="나눔고딕"/>
+            </a:endParaRPr>
+          </a:p>
+          <a:p>
+            <a:pPr>
+              <a:buFont typeface="Wingdings"/>
+              <a:buNone/>
+            </a:pPr>
+            <a:r>
+              <a:rPr lang="ko-KR" altLang="en-US" sz="2998">
+                <a:solidFill>
+                  <a:srgbClr val="0000ff"/>
+                </a:solidFill>
+                <a:latin typeface="나눔고딕"/>
+                <a:ea typeface="나눔고딕"/>
+              </a:rPr>
+              <a:t>티코어 </a:t>
+            </a:r>
+            <a:r>
+              <a:rPr lang="en-US" altLang="ko-KR" sz="2998">
+                <a:solidFill>
+                  <a:srgbClr val="0000ff"/>
+                </a:solidFill>
+                <a:latin typeface="나눔고딕"/>
+                <a:ea typeface="나눔고딕"/>
+              </a:rPr>
+              <a:t>OS</a:t>
+            </a:r>
+            <a:r>
+              <a:rPr lang="ko-KR" altLang="en-US" sz="2998">
+                <a:solidFill>
+                  <a:srgbClr val="0000ff"/>
+                </a:solidFill>
+                <a:latin typeface="나눔고딕"/>
+                <a:ea typeface="나눔고딕"/>
+              </a:rPr>
+              <a:t> 구조와 원리"</a:t>
+            </a:r>
+            <a:r>
+              <a:rPr lang="ko-KR" altLang="en-US" sz="2998">
+                <a:latin typeface="나눔고딕"/>
+                <a:ea typeface="나눔고딕"/>
+              </a:rPr>
+              <a:t> 라는  책이었습니다. 한국어로 되어있으며 해당 기능을 구현하기 </a:t>
+            </a:r>
+            <a:endParaRPr lang="ko-KR" altLang="en-US" sz="2998">
+              <a:latin typeface="나눔고딕"/>
+              <a:ea typeface="나눔고딕"/>
+            </a:endParaRPr>
+          </a:p>
+          <a:p>
+            <a:pPr>
+              <a:buFont typeface="Wingdings"/>
+              <a:buNone/>
+            </a:pPr>
+            <a:r>
+              <a:rPr lang="ko-KR" altLang="en-US" sz="2998">
+                <a:latin typeface="나눔고딕"/>
+                <a:ea typeface="나눔고딕"/>
+              </a:rPr>
+              <a:t>위해 어떤 단계를 거쳐야 하고, 어떤 요소와 지식들이 필요하며, 심지어는 어떻게 구현하</a:t>
+            </a:r>
+            <a:endParaRPr lang="ko-KR" altLang="en-US" sz="2998">
+              <a:latin typeface="나눔고딕"/>
+              <a:ea typeface="나눔고딕"/>
+            </a:endParaRPr>
+          </a:p>
+          <a:p>
+            <a:pPr>
+              <a:buFont typeface="Wingdings"/>
+              <a:buNone/>
+            </a:pPr>
+            <a:r>
+              <a:rPr lang="ko-KR" altLang="en-US" sz="2998">
+                <a:latin typeface="나눔고딕"/>
+                <a:ea typeface="나눔고딕"/>
+              </a:rPr>
+              <a:t>고 그 예가 되는 소스코드까지 기술되어 있었기 때문입니다.</a:t>
+            </a:r>
+            <a:endParaRPr lang="ko-KR" altLang="en-US" sz="2998">
+              <a:latin typeface="나눔고딕"/>
+              <a:ea typeface="나눔고딕"/>
+            </a:endParaRPr>
+          </a:p>
+          <a:p>
+            <a:pPr>
+              <a:buFont typeface="Wingdings"/>
+              <a:buNone/>
+            </a:pPr>
+            <a:endParaRPr lang="ko-KR" altLang="en-US" sz="705">
+              <a:latin typeface="나눔고딕"/>
+              <a:ea typeface="나눔고딕"/>
+            </a:endParaRPr>
+          </a:p>
+          <a:p>
+            <a:pPr>
+              <a:buFont typeface="Wingdings"/>
+              <a:buNone/>
+            </a:pPr>
+            <a:r>
+              <a:rPr lang="ko-KR" altLang="en-US" sz="5290">
+                <a:solidFill>
+                  <a:srgbClr val="ff6600"/>
+                </a:solidFill>
+                <a:latin typeface="고도 B"/>
+                <a:ea typeface="고도 B"/>
+              </a:rPr>
+              <a:t>타이머</a:t>
+            </a:r>
+            <a:endParaRPr lang="ko-KR" altLang="en-US" sz="2998">
+              <a:latin typeface="나눔고딕"/>
+              <a:ea typeface="나눔고딕"/>
+            </a:endParaRPr>
+          </a:p>
+          <a:p>
+            <a:pPr>
+              <a:buFont typeface="Wingdings"/>
+              <a:buNone/>
+            </a:pPr>
+            <a:r>
+              <a:rPr lang="ko-KR" altLang="en-US" sz="2998">
+                <a:latin typeface="나눔고딕"/>
+                <a:ea typeface="나눔고딕"/>
+              </a:rPr>
+              <a:t>   컴시일 시간에 배운 지식 덕분에, 처음 해야할 일을 찾기 위해서 굳이 책을 뒤져보지 않</a:t>
+            </a:r>
+            <a:endParaRPr lang="ko-KR" altLang="en-US" sz="2998">
+              <a:latin typeface="나눔고딕"/>
+              <a:ea typeface="나눔고딕"/>
+            </a:endParaRPr>
+          </a:p>
+          <a:p>
+            <a:pPr>
+              <a:buFont typeface="Wingdings"/>
+              <a:buNone/>
+            </a:pPr>
+            <a:r>
+              <a:rPr lang="ko-KR" altLang="en-US" sz="2998">
+                <a:latin typeface="나눔고딕"/>
+                <a:ea typeface="나눔고딕"/>
+              </a:rPr>
+              <a:t>아도 됐습니다. 처음으로는 바로 </a:t>
+            </a:r>
+            <a:r>
+              <a:rPr lang="ko-KR" altLang="en-US" sz="2998">
+                <a:solidFill>
+                  <a:srgbClr val="0000ff"/>
+                </a:solidFill>
+                <a:latin typeface="나눔고딕"/>
+                <a:ea typeface="나눔고딕"/>
+              </a:rPr>
+              <a:t>타이머</a:t>
+            </a:r>
+            <a:r>
+              <a:rPr lang="ko-KR" altLang="en-US" sz="2998">
+                <a:latin typeface="나눔고딕"/>
+                <a:ea typeface="나눔고딕"/>
+              </a:rPr>
+              <a:t>를 구현해야 했습니다. 프로세스들에게 일정한 시</a:t>
+            </a:r>
+            <a:endParaRPr lang="ko-KR" altLang="en-US" sz="2998">
+              <a:latin typeface="나눔고딕"/>
+              <a:ea typeface="나눔고딕"/>
+            </a:endParaRPr>
+          </a:p>
+          <a:p>
+            <a:pPr>
+              <a:buFont typeface="Wingdings"/>
+              <a:buNone/>
+            </a:pPr>
+            <a:r>
+              <a:rPr lang="ko-KR" altLang="en-US" sz="2998">
+                <a:latin typeface="나눔고딕"/>
+                <a:ea typeface="나눔고딕"/>
+              </a:rPr>
+              <a:t>간마다</a:t>
+            </a:r>
+            <a:r>
+              <a:rPr xmlns:mc="http://schemas.openxmlformats.org/markup-compatibility/2006" xmlns:hp="http://schemas.haansoft.com/office/presentation/8.0" lang="ko-KR" altLang="en-US" sz="2998" i="0" spc="5" mc:Ignorable="hp" hp:hslEmbossed="0">
+                <a:latin typeface="나눔고딕"/>
+                <a:ea typeface="나눔고딕"/>
+              </a:rPr>
+              <a:t> 자원을 배분해야 했기 때문입니다. </a:t>
+            </a:r>
+            <a:endParaRPr xmlns:mc="http://schemas.openxmlformats.org/markup-compatibility/2006" xmlns:hp="http://schemas.haansoft.com/office/presentation/8.0" lang="ko-KR" altLang="en-US" sz="2998" i="0" spc="5" mc:Ignorable="hp" hp:hslEmbossed="0">
+              <a:latin typeface="나눔고딕"/>
+              <a:ea typeface="나눔고딕"/>
+            </a:endParaRPr>
+          </a:p>
+          <a:p>
+            <a:pPr>
+              <a:buFont typeface="Wingdings"/>
+              <a:buNone/>
+            </a:pPr>
+            <a:r>
+              <a:rPr xmlns:mc="http://schemas.openxmlformats.org/markup-compatibility/2006" xmlns:hp="http://schemas.haansoft.com/office/presentation/8.0" lang="ko-KR" altLang="en-US" sz="2998" i="0" spc="5" mc:Ignorable="hp" hp:hslEmbossed="0">
+                <a:latin typeface="나눔고딕"/>
+                <a:ea typeface="나눔고딕"/>
+              </a:rPr>
+              <a:t>   </a:t>
+            </a:r>
+            <a:endParaRPr xmlns:mc="http://schemas.openxmlformats.org/markup-compatibility/2006" xmlns:hp="http://schemas.haansoft.com/office/presentation/8.0" lang="ko-KR" altLang="en-US" sz="2998" i="0" spc="5" mc:Ignorable="hp" hp:hslEmbossed="0">
+              <a:latin typeface="나눔고딕"/>
+              <a:ea typeface="나눔고딕"/>
+            </a:endParaRPr>
+          </a:p>
+        </p:txBody>
+      </p:sp>
+      <p:sp>
+        <p:nvSpPr>
+          <p:cNvPr id="8" name="직사각형 2"/>
+          <p:cNvSpPr/>
+          <p:nvPr/>
+        </p:nvSpPr>
+        <p:spPr>
+          <a:xfrm>
+            <a:off x="0" y="767680"/>
+            <a:ext cx="5005064" cy="1752600"/>
+          </a:xfrm>
+          <a:prstGeom prst="rect">
+            <a:avLst/>
+          </a:prstGeom>
+        </p:spPr>
+        <p:txBody>
+          <a:bodyPr vert="horz" lIns="91440" tIns="45720" rIns="91440" bIns="45720"/>
+          <a:lstStyle/>
+          <a:p>
+            <a:pPr marL="342900" indent="-342900" algn="l" latinLnBrk="1" hangingPunct="1">
+              <a:spcBef>
+                <a:spcPct val="20000"/>
+              </a:spcBef>
+              <a:buFont typeface="Arial"/>
+            </a:pPr>
+            <a:r>
+              <a:rPr xmlns:mc="http://schemas.openxmlformats.org/markup-compatibility/2006" xmlns:hp="http://schemas.haansoft.com/office/presentation/8.0" lang="ko-KR" altLang="en-US" sz="2500" b="1" i="0" spc="5" mc:Ignorable="hp" hp:hslEmbossed="0">
+                <a:solidFill>
+                  <a:schemeClr val="bg1">
+                    <a:lumMod val="90000"/>
+                  </a:schemeClr>
+                </a:solidFill>
+                <a:latin typeface="나눔고딕"/>
+                <a:ea typeface="나눔고딕"/>
+              </a:rPr>
+              <a:t>  </a:t>
+            </a:r>
+            <a:r>
+              <a:rPr xmlns:mc="http://schemas.openxmlformats.org/markup-compatibility/2006" xmlns:hp="http://schemas.haansoft.com/office/presentation/8.0" lang="en-US" altLang="ko-KR" sz="2500" b="1" i="0" spc="5" mc:Ignorable="hp" hp:hslEmbossed="0">
+                <a:solidFill>
+                  <a:schemeClr val="bg1">
+                    <a:lumMod val="90000"/>
+                  </a:schemeClr>
+                </a:solidFill>
+                <a:latin typeface="나눔고딕"/>
+                <a:ea typeface="나눔고딕"/>
+              </a:rPr>
+              <a:t>x86_64 OS</a:t>
+            </a:r>
+            <a:r>
+              <a:rPr xmlns:mc="http://schemas.openxmlformats.org/markup-compatibility/2006" xmlns:hp="http://schemas.haansoft.com/office/presentation/8.0" lang="ko-KR" altLang="en-US" sz="2500" b="1" i="0" spc="5" mc:Ignorable="hp" hp:hslEmbossed="0">
+                <a:solidFill>
+                  <a:schemeClr val="bg1">
+                    <a:lumMod val="90000"/>
+                  </a:schemeClr>
+                </a:solidFill>
+                <a:latin typeface="나눔고딕"/>
+                <a:ea typeface="나눔고딕"/>
+              </a:rPr>
+              <a:t> </a:t>
+            </a:r>
+            <a:r>
+              <a:rPr xmlns:mc="http://schemas.openxmlformats.org/markup-compatibility/2006" xmlns:hp="http://schemas.haansoft.com/office/presentation/8.0" lang="en-US" altLang="ko-KR" sz="2500" b="1" i="0" spc="5" mc:Ignorable="hp" hp:hslEmbossed="0">
+                <a:solidFill>
+                  <a:schemeClr val="bg1">
+                    <a:lumMod val="90000"/>
+                  </a:schemeClr>
+                </a:solidFill>
+                <a:latin typeface="나눔고딕"/>
+                <a:ea typeface="나눔고딕"/>
+              </a:rPr>
+              <a:t>for Study</a:t>
+            </a:r>
+            <a:endParaRPr xmlns:mc="http://schemas.openxmlformats.org/markup-compatibility/2006" xmlns:hp="http://schemas.haansoft.com/office/presentation/8.0" lang="en-US" altLang="ko-KR" sz="2500" b="1" i="0" spc="5" mc:Ignorable="hp" hp:hslEmbossed="0">
+              <a:solidFill>
+                <a:schemeClr val="bg1">
+                  <a:lumMod val="90000"/>
+                </a:schemeClr>
+              </a:solidFill>
+              <a:latin typeface="나눔고딕"/>
+              <a:ea typeface="나눔고딕"/>
+            </a:endParaRPr>
+          </a:p>
+        </p:txBody>
+      </p:sp>
+      <p:sp>
+        <p:nvSpPr>
+          <p:cNvPr id="4" name="직사각형 1"/>
+          <p:cNvSpPr/>
+          <p:nvPr/>
+        </p:nvSpPr>
+        <p:spPr>
+          <a:xfrm>
+            <a:off x="0" y="188640"/>
+            <a:ext cx="3707904" cy="908720"/>
+          </a:xfrm>
+          <a:prstGeom prst="rect">
+            <a:avLst/>
+          </a:prstGeom>
+        </p:spPr>
+        <p:txBody>
+          <a:bodyPr vert="horz" lIns="91440" tIns="45720" rIns="91440" bIns="45720" anchor="ctr"/>
+          <a:p>
+            <a:pPr algn="ctr" latinLnBrk="1" hangingPunct="1">
+              <a:spcBef>
+                <a:spcPct val="0"/>
+              </a:spcBef>
+              <a:buNone/>
+            </a:pPr>
+            <a:r>
+              <a:rPr xmlns:mc="http://schemas.openxmlformats.org/markup-compatibility/2006" xmlns:hp="http://schemas.haansoft.com/office/presentation/8.0" lang="ko-KR" altLang="en-US" sz="4400" b="1" spc="5" mc:Ignorable="hp" hp:hslEmbossed="0">
+                <a:solidFill>
+                  <a:srgbClr val="ff6600"/>
+                </a:solidFill>
+                <a:latin typeface="고도 B"/>
+                <a:ea typeface="고도 B"/>
+              </a:rPr>
+              <a:t>개발 과정</a:t>
+            </a:r>
+            <a:endParaRPr xmlns:mc="http://schemas.openxmlformats.org/markup-compatibility/2006" xmlns:hp="http://schemas.haansoft.com/office/presentation/8.0" lang="ko-KR" altLang="en-US" sz="4400" b="1" spc="5" mc:Ignorable="hp" hp:hslEmbossed="0">
+              <a:solidFill>
+                <a:srgbClr val="ff6600"/>
+              </a:solidFill>
+              <a:latin typeface="고도 B"/>
+              <a:ea typeface="고도 B"/>
+            </a:endParaRPr>
+          </a:p>
+        </p:txBody>
+      </p:sp>
+      <p:sp>
+        <p:nvSpPr>
+          <p:cNvPr id="12" name="직사각형 4"/>
+          <p:cNvSpPr txBox="1"/>
+          <p:nvPr/>
+        </p:nvSpPr>
+        <p:spPr>
+          <a:xfrm>
+            <a:off x="6300192" y="6178544"/>
+            <a:ext cx="2627784" cy="490816"/>
+          </a:xfrm>
+          <a:prstGeom prst="rect">
+            <a:avLst/>
+          </a:prstGeom>
+        </p:spPr>
+        <p:txBody>
+          <a:bodyPr wrap="square">
+            <a:spAutoFit/>
+          </a:bodyPr>
+          <a:lstStyle/>
+          <a:p>
+            <a:pPr/>
+            <a:r>
+              <a:rPr lang="ko-KR" altLang="en-US" sz="2600" b="1">
+                <a:solidFill>
+                  <a:schemeClr val="bg1">
+                    <a:lumMod val="95000"/>
+                  </a:schemeClr>
+                </a:solidFill>
+                <a:latin typeface="청소년서체"/>
+                <a:ea typeface="청소년서체"/>
+              </a:rPr>
+              <a:t>1학년 9반 박태원</a:t>
+            </a:r>
+            <a:endParaRPr lang="ko-KR" altLang="en-US" sz="2600" b="1">
+              <a:solidFill>
+                <a:schemeClr val="bg1">
+                  <a:lumMod val="95000"/>
+                </a:schemeClr>
+              </a:solidFill>
+              <a:latin typeface="청소년서체"/>
+              <a:ea typeface="청소년서체"/>
+            </a:endParaRPr>
+          </a:p>
+        </p:txBody>
+      </p:sp>
+    </p:spTree>
+  </p:cSld>
+  <p:clrMapOvr>
+    <a:masterClrMapping/>
+  </p:clrMapOvr>
+</p:sld>
+</file>
+
+<file path=ppt/slides/slide4.xml><?xml version="1.0" encoding="utf-8"?>
+<p:sld xmlns:r="http://schemas.openxmlformats.org/officeDocument/2006/relationships" xmlns:c="http://schemas.openxmlformats.org/drawingml/2006/chart" xmlns:a="http://schemas.openxmlformats.org/drawingml/2006/main" xmlns:dgm="http://schemas.openxmlformats.org/drawingml/2006/diagram" xmlns:dsp="http://schemas.microsoft.com/office/drawing/2008/diagram" xmlns:p="http://schemas.openxmlformats.org/presentationml/2006/main">
+  <p:cSld>
+    <p:spTree>
+      <p:nvGrpSpPr>
+        <p:cNvPr id="1" name=""/>
+        <p:cNvGrpSpPr/>
+        <p:nvPr/>
+      </p:nvGrpSpPr>
+      <p:grpSpPr>
+        <a:xfrm>
+          <a:off x="0" y="0"/>
+          <a:ext cx="0" cy="0"/>
+          <a:chOff x="0" y="0"/>
+          <a:chExt cx="0" cy="0"/>
+        </a:xfrm>
+      </p:grpSpPr>
+      <p:pic>
+        <p:nvPicPr>
+          <p:cNvPr id="9" name="그림 8"/>
+          <p:cNvPicPr/>
+          <p:nvPr/>
+        </p:nvPicPr>
+        <p:blipFill rotWithShape="1">
+          <a:blip r:embed="rId2">
+            <a:alphaModFix/>
+            <a:lum bright="70000" contrast="-50000"/>
+          </a:blip>
+          <a:stretch>
+            <a:fillRect/>
+          </a:stretch>
+        </p:blipFill>
+        <p:spPr>
+          <a:xfrm>
+            <a:off x="2133000" y="990000"/>
+            <a:ext cx="4878000" cy="4878000"/>
+          </a:xfrm>
+          <a:prstGeom prst="rect">
+            <a:avLst/>
+          </a:prstGeom>
+        </p:spPr>
+      </p:pic>
+      <p:sp>
+        <p:nvSpPr>
+          <p:cNvPr id="7" name="직사각형 1"/>
+          <p:cNvSpPr/>
+          <p:nvPr/>
+        </p:nvSpPr>
+        <p:spPr>
+          <a:xfrm>
+            <a:off x="-179512" y="-240432"/>
+            <a:ext cx="6444208" cy="1470025"/>
+          </a:xfrm>
+          <a:prstGeom prst="rect">
+            <a:avLst/>
+          </a:prstGeom>
+        </p:spPr>
+        <p:txBody>
+          <a:bodyPr vert="horz" lIns="91440" tIns="45720" rIns="91440" bIns="45720" anchor="ctr"/>
+          <a:lstStyle/>
+          <a:p>
+            <a:pPr algn="ctr" latinLnBrk="1" hangingPunct="1">
+              <a:spcBef>
+                <a:spcPct val="0"/>
+              </a:spcBef>
+              <a:buNone/>
+            </a:pPr>
+            <a:r>
+              <a:rPr xmlns:mc="http://schemas.openxmlformats.org/markup-compatibility/2006" xmlns:hp="http://schemas.haansoft.com/office/presentation/8.0" lang="en-US" altLang="ko-KR" sz="4400" b="1" i="1" spc="5" mc:Ignorable="hp" hp:hslEmbossed="0">
+                <a:solidFill>
+                  <a:schemeClr val="bg1">
+                    <a:lumMod val="90000"/>
+                  </a:schemeClr>
+                </a:solidFill>
+                <a:latin typeface="나눔고딕 ExtraBold"/>
+                <a:ea typeface="나눔고딕 ExtraBold"/>
+              </a:rPr>
+              <a:t>Infinite Synthesis x64</a:t>
+            </a:r>
+            <a:endParaRPr lang="en-US" altLang="ko-KR" b="1" i="1">
+              <a:solidFill>
+                <a:schemeClr val="bg1">
+                  <a:lumMod val="90000"/>
+                </a:schemeClr>
+              </a:solidFill>
+              <a:latin typeface="나눔고딕 ExtraBold"/>
+              <a:ea typeface="나눔고딕 ExtraBold"/>
+            </a:endParaRPr>
+          </a:p>
+        </p:txBody>
+      </p:sp>
+      <p:sp>
+        <p:nvSpPr>
+          <p:cNvPr id="3" name="직사각형 2"/>
+          <p:cNvSpPr/>
+          <p:nvPr>
+            <p:ph idx="1"/>
+          </p:nvPr>
+        </p:nvSpPr>
+        <p:spPr>
+          <a:xfrm>
+            <a:off x="457200" y="1166018"/>
+            <a:ext cx="8229600" cy="5215309"/>
+          </a:xfrm>
+        </p:spPr>
+        <p:txBody>
+          <a:bodyPr/>
+          <a:lstStyle/>
+          <a:p>
+            <a:pPr>
+              <a:buFont typeface="Wingdings"/>
+              <a:buNone/>
+            </a:pPr>
+            <a:r>
+              <a:rPr xmlns:mc="http://schemas.openxmlformats.org/markup-compatibility/2006" xmlns:hp="http://schemas.haansoft.com/office/presentation/8.0" lang="ko-KR" altLang="en-US" sz="1700" i="0" spc="5" mc:Ignorable="hp" hp:hslEmbossed="0">
+                <a:latin typeface="나눔고딕"/>
+                <a:ea typeface="나눔고딕"/>
+              </a:rPr>
+              <a:t>  우선 타이머를 구현하기 위해서는 </a:t>
+            </a:r>
+            <a:r>
+              <a:rPr xmlns:mc="http://schemas.openxmlformats.org/markup-compatibility/2006" xmlns:hp="http://schemas.haansoft.com/office/presentation/8.0" lang="en-US" altLang="ko-KR" sz="1700" i="0" spc="5" mc:Ignorable="hp" hp:hslEmbossed="0">
+                <a:solidFill>
+                  <a:srgbClr val="0000ff"/>
+                </a:solidFill>
+                <a:latin typeface="나눔고딕"/>
+                <a:ea typeface="나눔고딕"/>
+              </a:rPr>
+              <a:t>PIT</a:t>
+            </a:r>
+            <a:r>
+              <a:rPr xmlns:mc="http://schemas.openxmlformats.org/markup-compatibility/2006" xmlns:hp="http://schemas.haansoft.com/office/presentation/8.0" lang="ko-KR" altLang="en-US" sz="1700" i="0" spc="5" mc:Ignorable="hp" hp:hslEmbossed="0">
+                <a:solidFill>
+                  <a:srgbClr val="0000ff"/>
+                </a:solidFill>
+                <a:latin typeface="나눔고딕"/>
+                <a:ea typeface="나눔고딕"/>
+              </a:rPr>
+              <a:t>(</a:t>
+            </a:r>
+            <a:r>
+              <a:rPr xmlns:mc="http://schemas.openxmlformats.org/markup-compatibility/2006" xmlns:hp="http://schemas.haansoft.com/office/presentation/8.0" lang="en-US" altLang="ko-KR" sz="1700" i="0" spc="5" mc:Ignorable="hp" hp:hslEmbossed="0">
+                <a:solidFill>
+                  <a:srgbClr val="0000ff"/>
+                </a:solidFill>
+                <a:latin typeface="나눔고딕"/>
+                <a:ea typeface="나눔고딕"/>
+              </a:rPr>
+              <a:t>Programmable Interval Timer</a:t>
+            </a:r>
+            <a:r>
+              <a:rPr xmlns:mc="http://schemas.openxmlformats.org/markup-compatibility/2006" xmlns:hp="http://schemas.haansoft.com/office/presentation/8.0" lang="ko-KR" altLang="en-US" sz="1700" i="0" spc="5" mc:Ignorable="hp" hp:hslEmbossed="0">
+                <a:solidFill>
+                  <a:srgbClr val="0000ff"/>
+                </a:solidFill>
+                <a:latin typeface="나눔고딕"/>
+                <a:ea typeface="나눔고딕"/>
+              </a:rPr>
+              <a:t>) 컨트롤러</a:t>
+            </a:r>
+            <a:r>
+              <a:rPr xmlns:mc="http://schemas.openxmlformats.org/markup-compatibility/2006" xmlns:hp="http://schemas.haansoft.com/office/presentation/8.0" lang="ko-KR" altLang="en-US" sz="1700" b="0" i="0" spc="5" mc:Ignorable="hp" hp:hslEmbossed="0">
+                <a:solidFill>
+                  <a:schemeClr val="tx1"/>
+                </a:solidFill>
+                <a:latin typeface="나눔고딕"/>
+                <a:ea typeface="나눔고딕"/>
+              </a:rPr>
+              <a:t>를 사</a:t>
+            </a:r>
+            <a:endParaRPr xmlns:mc="http://schemas.openxmlformats.org/markup-compatibility/2006" xmlns:hp="http://schemas.haansoft.com/office/presentation/8.0" lang="ko-KR" altLang="en-US" sz="1700" b="0" i="0" spc="5" mc:Ignorable="hp" hp:hslEmbossed="0">
+              <a:solidFill>
+                <a:schemeClr val="tx1"/>
+              </a:solidFill>
+              <a:latin typeface="나눔고딕"/>
+              <a:ea typeface="나눔고딕"/>
+            </a:endParaRPr>
+          </a:p>
+          <a:p>
+            <a:pPr>
+              <a:buFont typeface="Wingdings"/>
+              <a:buNone/>
+            </a:pPr>
+            <a:r>
+              <a:rPr xmlns:mc="http://schemas.openxmlformats.org/markup-compatibility/2006" xmlns:hp="http://schemas.haansoft.com/office/presentation/8.0" lang="ko-KR" altLang="en-US" sz="1700" b="0" i="0" spc="5" mc:Ignorable="hp" hp:hslEmbossed="0">
+                <a:solidFill>
+                  <a:schemeClr val="tx1"/>
+                </a:solidFill>
+                <a:latin typeface="나눔고딕"/>
+                <a:ea typeface="나눔고딕"/>
+              </a:rPr>
+              <a:t>용해야 합니다. 이는 프로세서 외부에 달려있는 타이머로서,</a:t>
+            </a:r>
+            <a:r>
+              <a:rPr xmlns:mc="http://schemas.openxmlformats.org/markup-compatibility/2006" xmlns:hp="http://schemas.haansoft.com/office/presentation/8.0" lang="en-US" altLang="ko-KR" sz="1700" b="0" i="0" spc="5" mc:Ignorable="hp" hp:hslEmbossed="0">
+                <a:solidFill>
+                  <a:schemeClr val="tx1"/>
+                </a:solidFill>
+                <a:latin typeface="나눔고딕"/>
+                <a:ea typeface="나눔고딕"/>
+              </a:rPr>
+              <a:t> IRQ 0</a:t>
+            </a:r>
+            <a:r>
+              <a:rPr xmlns:mc="http://schemas.openxmlformats.org/markup-compatibility/2006" xmlns:hp="http://schemas.haansoft.com/office/presentation/8.0" lang="ko-KR" altLang="en-US" sz="1700" b="0" i="0" spc="5" mc:Ignorable="hp" hp:hslEmbossed="0">
+                <a:solidFill>
+                  <a:schemeClr val="tx1"/>
+                </a:solidFill>
+                <a:latin typeface="나눔고딕"/>
+                <a:ea typeface="나눔고딕"/>
+              </a:rPr>
+              <a:t>번에 연결되어 있어 일</a:t>
+            </a:r>
+            <a:endParaRPr xmlns:mc="http://schemas.openxmlformats.org/markup-compatibility/2006" xmlns:hp="http://schemas.haansoft.com/office/presentation/8.0" lang="ko-KR" altLang="en-US" sz="1700" b="0" i="0" spc="5" mc:Ignorable="hp" hp:hslEmbossed="0">
+              <a:solidFill>
+                <a:schemeClr val="tx1"/>
+              </a:solidFill>
+              <a:latin typeface="나눔고딕"/>
+              <a:ea typeface="나눔고딕"/>
+            </a:endParaRPr>
+          </a:p>
+          <a:p>
+            <a:pPr>
+              <a:buFont typeface="Wingdings"/>
+              <a:buNone/>
+            </a:pPr>
+            <a:r>
+              <a:rPr xmlns:mc="http://schemas.openxmlformats.org/markup-compatibility/2006" xmlns:hp="http://schemas.haansoft.com/office/presentation/8.0" lang="ko-KR" altLang="en-US" sz="1700" b="0" i="0" spc="5" mc:Ignorable="hp" hp:hslEmbossed="0">
+                <a:solidFill>
+                  <a:schemeClr val="tx1"/>
+                </a:solidFill>
+                <a:latin typeface="나눔고딕"/>
+                <a:ea typeface="나눔고딕"/>
+              </a:rPr>
+              <a:t>정한 주기로 인터럽트를 발생시키게 됩니다.</a:t>
+            </a:r>
+            <a:endParaRPr xmlns:mc="http://schemas.openxmlformats.org/markup-compatibility/2006" xmlns:hp="http://schemas.haansoft.com/office/presentation/8.0" lang="ko-KR" altLang="en-US" sz="1700" b="0" i="0" spc="5" mc:Ignorable="hp" hp:hslEmbossed="0">
+              <a:solidFill>
+                <a:schemeClr val="tx1"/>
+              </a:solidFill>
+              <a:latin typeface="나눔고딕"/>
+              <a:ea typeface="나눔고딕"/>
+            </a:endParaRPr>
+          </a:p>
+          <a:p>
+            <a:pPr>
+              <a:buFont typeface="Wingdings"/>
+              <a:buNone/>
+            </a:pPr>
+            <a:r>
+              <a:rPr xmlns:mc="http://schemas.openxmlformats.org/markup-compatibility/2006" xmlns:hp="http://schemas.haansoft.com/office/presentation/8.0" lang="ko-KR" altLang="en-US" sz="1700" b="0" i="0" spc="5" mc:Ignorable="hp" hp:hslEmbossed="0">
+                <a:solidFill>
+                  <a:schemeClr val="tx1"/>
+                </a:solidFill>
+                <a:latin typeface="나눔고딕"/>
+                <a:ea typeface="나눔고딕"/>
+              </a:rPr>
+              <a:t>  일단 프로세서 외부에 달려있다는 말은 즉, 어셈블리어를 사용해야 한다는 것을 의미합</a:t>
+            </a:r>
+            <a:endParaRPr xmlns:mc="http://schemas.openxmlformats.org/markup-compatibility/2006" xmlns:hp="http://schemas.haansoft.com/office/presentation/8.0" lang="ko-KR" altLang="en-US" sz="1700" b="0" i="0" spc="5" mc:Ignorable="hp" hp:hslEmbossed="0">
+              <a:solidFill>
+                <a:schemeClr val="tx1"/>
+              </a:solidFill>
+              <a:latin typeface="나눔고딕"/>
+              <a:ea typeface="나눔고딕"/>
+            </a:endParaRPr>
+          </a:p>
+          <a:p>
+            <a:pPr>
+              <a:buFont typeface="Wingdings"/>
+              <a:buNone/>
+            </a:pPr>
+            <a:r>
+              <a:rPr xmlns:mc="http://schemas.openxmlformats.org/markup-compatibility/2006" xmlns:hp="http://schemas.haansoft.com/office/presentation/8.0" lang="ko-KR" altLang="en-US" sz="1700" b="0" i="0" spc="5" mc:Ignorable="hp" hp:hslEmbossed="0">
+                <a:solidFill>
+                  <a:schemeClr val="tx1"/>
+                </a:solidFill>
+                <a:latin typeface="나눔고딕"/>
+                <a:ea typeface="나눔고딕"/>
+              </a:rPr>
+              <a:t>니다.</a:t>
+            </a:r>
+            <a:r>
+              <a:rPr xmlns:mc="http://schemas.openxmlformats.org/markup-compatibility/2006" xmlns:hp="http://schemas.haansoft.com/office/presentation/8.0" lang="en-US" altLang="ko-KR" sz="1700" b="0" i="0" spc="5" mc:Ignorable="hp" hp:hslEmbossed="0">
+                <a:solidFill>
+                  <a:schemeClr val="tx1"/>
+                </a:solidFill>
+                <a:latin typeface="나눔고딕"/>
+                <a:ea typeface="나눔고딕"/>
+              </a:rPr>
+              <a:t> </a:t>
+            </a:r>
+            <a:r>
+              <a:rPr xmlns:mc="http://schemas.openxmlformats.org/markup-compatibility/2006" xmlns:hp="http://schemas.haansoft.com/office/presentation/8.0" lang="ko-KR" altLang="en-US" sz="1700" b="0" i="0" spc="5" mc:Ignorable="hp" hp:hslEmbossed="0">
+                <a:solidFill>
+                  <a:schemeClr val="tx1"/>
+                </a:solidFill>
+                <a:latin typeface="나눔고딕"/>
+                <a:ea typeface="나눔고딕"/>
+              </a:rPr>
+              <a:t>간단한 로직과</a:t>
+            </a:r>
+            <a:r>
+              <a:rPr xmlns:mc="http://schemas.openxmlformats.org/markup-compatibility/2006" xmlns:hp="http://schemas.haansoft.com/office/presentation/8.0" lang="en-US" altLang="ko-KR" sz="1700" b="0" i="0" spc="5" mc:Ignorable="hp" hp:hslEmbossed="0">
+                <a:solidFill>
+                  <a:srgbClr val="0000ff"/>
+                </a:solidFill>
+                <a:latin typeface="나눔고딕"/>
+                <a:ea typeface="나눔고딕"/>
+              </a:rPr>
+              <a:t>out</a:t>
+            </a:r>
+            <a:r>
+              <a:rPr xmlns:mc="http://schemas.openxmlformats.org/markup-compatibility/2006" xmlns:hp="http://schemas.haansoft.com/office/presentation/8.0" lang="ko-KR" altLang="en-US" sz="1700" b="0" i="0" spc="5" mc:Ignorable="hp" hp:hslEmbossed="0">
+                <a:solidFill>
+                  <a:srgbClr val="0000ff"/>
+                </a:solidFill>
+                <a:latin typeface="나눔고딕"/>
+                <a:ea typeface="나눔고딕"/>
+              </a:rPr>
+              <a:t> 명령어</a:t>
+            </a:r>
+            <a:r>
+              <a:rPr xmlns:mc="http://schemas.openxmlformats.org/markup-compatibility/2006" xmlns:hp="http://schemas.haansoft.com/office/presentation/8.0" lang="ko-KR" altLang="en-US" sz="1700" b="0" i="0" spc="5" mc:Ignorable="hp" hp:hslEmbossed="0">
+                <a:solidFill>
+                  <a:schemeClr val="tx1"/>
+                </a:solidFill>
+                <a:latin typeface="나눔고딕"/>
+                <a:ea typeface="나눔고딕"/>
+              </a:rPr>
+              <a:t>를 사용해서 </a:t>
+            </a:r>
+            <a:r>
+              <a:rPr xmlns:mc="http://schemas.openxmlformats.org/markup-compatibility/2006" xmlns:hp="http://schemas.haansoft.com/office/presentation/8.0" lang="ko-KR" altLang="en-US" sz="1700" b="0" i="0" spc="5" mc:Ignorable="hp" hp:hslEmbossed="0">
+                <a:solidFill>
+                  <a:srgbClr val="0000ff"/>
+                </a:solidFill>
+                <a:latin typeface="나눔고딕"/>
+                <a:ea typeface="나눔고딕"/>
+              </a:rPr>
+              <a:t>포트</a:t>
+            </a:r>
+            <a:r>
+              <a:rPr xmlns:mc="http://schemas.openxmlformats.org/markup-compatibility/2006" xmlns:hp="http://schemas.haansoft.com/office/presentation/8.0" lang="ko-KR" altLang="en-US" sz="1700" b="0" i="0" spc="5" mc:Ignorable="hp" hp:hslEmbossed="0">
+                <a:solidFill>
+                  <a:schemeClr val="tx1"/>
+                </a:solidFill>
+                <a:latin typeface="나눔고딕"/>
+                <a:ea typeface="나눔고딕"/>
+              </a:rPr>
+              <a:t>에 접근하는 것으로 제어가 가능했습니다. </a:t>
+            </a:r>
+            <a:endParaRPr xmlns:mc="http://schemas.openxmlformats.org/markup-compatibility/2006" xmlns:hp="http://schemas.haansoft.com/office/presentation/8.0" lang="ko-KR" altLang="en-US" sz="1700" b="0" i="0" spc="5" mc:Ignorable="hp" hp:hslEmbossed="0">
+              <a:solidFill>
+                <a:schemeClr val="tx1"/>
+              </a:solidFill>
+              <a:latin typeface="나눔고딕"/>
+              <a:ea typeface="나눔고딕"/>
+            </a:endParaRPr>
+          </a:p>
+          <a:p>
+            <a:pPr>
+              <a:buFont typeface="Wingdings"/>
+              <a:buNone/>
+            </a:pPr>
+            <a:r>
+              <a:rPr xmlns:mc="http://schemas.openxmlformats.org/markup-compatibility/2006" xmlns:hp="http://schemas.haansoft.com/office/presentation/8.0" lang="ko-KR" altLang="en-US" sz="1700" b="0" i="0" spc="5" mc:Ignorable="hp" hp:hslEmbossed="0">
+                <a:solidFill>
+                  <a:schemeClr val="tx1"/>
+                </a:solidFill>
+                <a:latin typeface="나눔고딕"/>
+                <a:ea typeface="나눔고딕"/>
+              </a:rPr>
+              <a:t>구현을 위한 자세한 사양은 </a:t>
+            </a:r>
+            <a:r>
+              <a:rPr xmlns:mc="http://schemas.openxmlformats.org/markup-compatibility/2006" xmlns:hp="http://schemas.haansoft.com/office/presentation/8.0" lang="ko-KR" altLang="en-US" sz="1700" b="0" i="0" spc="5" mc:Ignorable="hp" hp:hslEmbossed="0">
+                <a:solidFill>
+                  <a:srgbClr val="0000ff"/>
+                </a:solidFill>
+                <a:latin typeface="나눔고딕"/>
+                <a:ea typeface="나눔고딕"/>
+              </a:rPr>
+              <a:t>"https://wiki.osdev.org/PIT" 와 "64비트 멀티코어 </a:t>
+            </a:r>
+            <a:r>
+              <a:rPr xmlns:mc="http://schemas.openxmlformats.org/markup-compatibility/2006" xmlns:hp="http://schemas.haansoft.com/office/presentation/8.0" lang="en-US" altLang="ko-KR" sz="1700" b="0" i="0" spc="5" mc:Ignorable="hp" hp:hslEmbossed="0">
+                <a:solidFill>
+                  <a:srgbClr val="0000ff"/>
+                </a:solidFill>
+                <a:latin typeface="나눔고딕"/>
+                <a:ea typeface="나눔고딕"/>
+              </a:rPr>
+              <a:t>OS</a:t>
+            </a:r>
+            <a:r>
+              <a:rPr xmlns:mc="http://schemas.openxmlformats.org/markup-compatibility/2006" xmlns:hp="http://schemas.haansoft.com/office/presentation/8.0" lang="ko-KR" altLang="en-US" sz="1700" b="0" i="0" spc="5" mc:Ignorable="hp" hp:hslEmbossed="0">
+                <a:solidFill>
+                  <a:srgbClr val="0000ff"/>
+                </a:solidFill>
+                <a:latin typeface="나눔고딕"/>
+                <a:ea typeface="나눔고딕"/>
+              </a:rPr>
+              <a:t> 구조</a:t>
+            </a:r>
+            <a:endParaRPr xmlns:mc="http://schemas.openxmlformats.org/markup-compatibility/2006" xmlns:hp="http://schemas.haansoft.com/office/presentation/8.0" lang="ko-KR" altLang="en-US" sz="1700" b="0" i="0" spc="5" mc:Ignorable="hp" hp:hslEmbossed="0">
+              <a:solidFill>
+                <a:srgbClr val="0000ff"/>
+              </a:solidFill>
+              <a:latin typeface="나눔고딕"/>
+              <a:ea typeface="나눔고딕"/>
+            </a:endParaRPr>
+          </a:p>
+          <a:p>
+            <a:pPr>
+              <a:buFont typeface="Wingdings"/>
+              <a:buNone/>
+            </a:pPr>
+            <a:r>
+              <a:rPr xmlns:mc="http://schemas.openxmlformats.org/markup-compatibility/2006" xmlns:hp="http://schemas.haansoft.com/office/presentation/8.0" lang="ko-KR" altLang="en-US" sz="1700" b="0" i="0" spc="5" mc:Ignorable="hp" hp:hslEmbossed="0">
+                <a:solidFill>
+                  <a:srgbClr val="0000ff"/>
+                </a:solidFill>
+                <a:latin typeface="나눔고딕"/>
+                <a:ea typeface="나눔고딕"/>
+              </a:rPr>
+              <a:t>와 원리"</a:t>
+            </a:r>
+            <a:r>
+              <a:rPr xmlns:mc="http://schemas.openxmlformats.org/markup-compatibility/2006" xmlns:hp="http://schemas.haansoft.com/office/presentation/8.0" lang="ko-KR" altLang="en-US" sz="1700" b="0" i="0" spc="5" mc:Ignorable="hp" hp:hslEmbossed="0">
+                <a:solidFill>
+                  <a:schemeClr val="tx1"/>
+                </a:solidFill>
+                <a:latin typeface="나눔고딕"/>
+                <a:ea typeface="나눔고딕"/>
+              </a:rPr>
+              <a:t> 에서 확인할 수 있었습니다.</a:t>
+            </a:r>
+            <a:endParaRPr xmlns:mc="http://schemas.openxmlformats.org/markup-compatibility/2006" xmlns:hp="http://schemas.haansoft.com/office/presentation/8.0" lang="ko-KR" altLang="en-US" sz="1700" b="0" i="0" spc="5" mc:Ignorable="hp" hp:hslEmbossed="0">
+              <a:solidFill>
+                <a:schemeClr val="tx1"/>
+              </a:solidFill>
+              <a:latin typeface="나눔고딕"/>
+              <a:ea typeface="나눔고딕"/>
+            </a:endParaRPr>
+          </a:p>
+          <a:p>
+            <a:pPr>
+              <a:buFont typeface="Wingdings"/>
+              <a:buNone/>
+            </a:pPr>
+            <a:r>
+              <a:rPr xmlns:mc="http://schemas.openxmlformats.org/markup-compatibility/2006" xmlns:hp="http://schemas.haansoft.com/office/presentation/8.0" lang="ko-KR" altLang="en-US" sz="1700" b="0" i="0" spc="5" mc:Ignorable="hp" hp:hslEmbossed="0">
+                <a:solidFill>
+                  <a:schemeClr val="tx1"/>
+                </a:solidFill>
+                <a:latin typeface="나눔고딕"/>
+                <a:ea typeface="나눔고딕"/>
+              </a:rPr>
+              <a:t>  구현된 소스코드는 이곳에 첨부하기에 너무 길어서 주석과 함께 깃허브에 따로 첨부하였</a:t>
+            </a:r>
+            <a:endParaRPr xmlns:mc="http://schemas.openxmlformats.org/markup-compatibility/2006" xmlns:hp="http://schemas.haansoft.com/office/presentation/8.0" lang="ko-KR" altLang="en-US" sz="1700" b="0" i="0" spc="5" mc:Ignorable="hp" hp:hslEmbossed="0">
+              <a:solidFill>
+                <a:schemeClr val="tx1"/>
+              </a:solidFill>
+              <a:latin typeface="나눔고딕"/>
+              <a:ea typeface="나눔고딕"/>
+            </a:endParaRPr>
+          </a:p>
+          <a:p>
+            <a:pPr>
+              <a:buFont typeface="Wingdings"/>
+              <a:buNone/>
+            </a:pPr>
+            <a:r>
+              <a:rPr xmlns:mc="http://schemas.openxmlformats.org/markup-compatibility/2006" xmlns:hp="http://schemas.haansoft.com/office/presentation/8.0" lang="ko-KR" altLang="en-US" sz="1700" b="0" i="0" spc="5" mc:Ignorable="hp" hp:hslEmbossed="0">
+                <a:solidFill>
+                  <a:schemeClr val="tx1"/>
+                </a:solidFill>
+                <a:latin typeface="나눔고딕"/>
+                <a:ea typeface="나눔고딕"/>
+              </a:rPr>
+              <a:t>습니다.</a:t>
+            </a:r>
+            <a:endParaRPr xmlns:mc="http://schemas.openxmlformats.org/markup-compatibility/2006" xmlns:hp="http://schemas.haansoft.com/office/presentation/8.0" lang="ko-KR" altLang="en-US" sz="1700" b="0" i="0" spc="5" mc:Ignorable="hp" hp:hslEmbossed="0">
+              <a:solidFill>
+                <a:schemeClr val="tx1"/>
+              </a:solidFill>
+              <a:latin typeface="나눔고딕"/>
+              <a:ea typeface="나눔고딕"/>
+            </a:endParaRPr>
+          </a:p>
+          <a:p>
+            <a:pPr>
+              <a:buFont typeface="Wingdings"/>
+              <a:buNone/>
+            </a:pPr>
+            <a:endParaRPr xmlns:mc="http://schemas.openxmlformats.org/markup-compatibility/2006" xmlns:hp="http://schemas.haansoft.com/office/presentation/8.0" lang="ko-KR" altLang="en-US" sz="400" b="0" i="0" spc="5" mc:Ignorable="hp" hp:hslEmbossed="0">
+              <a:solidFill>
+                <a:schemeClr val="tx1"/>
+              </a:solidFill>
+              <a:latin typeface="나눔고딕"/>
+              <a:ea typeface="나눔고딕"/>
+            </a:endParaRPr>
+          </a:p>
+          <a:p>
+            <a:pPr>
+              <a:buFont typeface="Wingdings"/>
+              <a:buNone/>
+            </a:pPr>
+            <a:r>
+              <a:rPr xmlns:mc="http://schemas.openxmlformats.org/markup-compatibility/2006" xmlns:hp="http://schemas.haansoft.com/office/presentation/8.0" lang="ko-KR" altLang="en-US" sz="3000" b="0" i="0" spc="5" mc:Ignorable="hp" hp:hslEmbossed="0">
+                <a:solidFill>
+                  <a:srgbClr val="ff6600"/>
+                </a:solidFill>
+                <a:latin typeface="고도 B"/>
+                <a:ea typeface="고도 B"/>
+              </a:rPr>
+              <a:t>컨텍스트 스위칭</a:t>
+            </a:r>
+            <a:endParaRPr xmlns:mc="http://schemas.openxmlformats.org/markup-compatibility/2006" xmlns:hp="http://schemas.haansoft.com/office/presentation/8.0" lang="ko-KR" altLang="en-US" sz="3000" b="0" i="0" spc="5" mc:Ignorable="hp" hp:hslEmbossed="0">
+              <a:solidFill>
+                <a:srgbClr val="ff6600"/>
+              </a:solidFill>
+              <a:latin typeface="고도 B"/>
+              <a:ea typeface="고도 B"/>
+            </a:endParaRPr>
+          </a:p>
+          <a:p>
+            <a:pPr>
+              <a:buFont typeface="Wingdings"/>
+              <a:buNone/>
+            </a:pPr>
+            <a:r>
+              <a:rPr xmlns:mc="http://schemas.openxmlformats.org/markup-compatibility/2006" xmlns:hp="http://schemas.haansoft.com/office/presentation/8.0" lang="ko-KR" altLang="en-US" sz="1700" b="0" i="0" spc="5" mc:Ignorable="hp" hp:hslEmbossed="0">
+                <a:solidFill>
+                  <a:srgbClr val="ff6600"/>
+                </a:solidFill>
+                <a:latin typeface="고도 B"/>
+                <a:ea typeface="고도 B"/>
+              </a:rPr>
+              <a:t>   </a:t>
+            </a:r>
+            <a:r>
+              <a:rPr xmlns:mc="http://schemas.openxmlformats.org/markup-compatibility/2006" xmlns:hp="http://schemas.haansoft.com/office/presentation/8.0" lang="ko-KR" altLang="en-US" sz="1700" b="0" i="0" spc="5" mc:Ignorable="hp" hp:hslEmbossed="0">
+                <a:solidFill>
+                  <a:schemeClr val="tx1"/>
+                </a:solidFill>
+                <a:latin typeface="나눔고딕"/>
+                <a:ea typeface="나눔고딕"/>
+              </a:rPr>
+              <a:t>결정적으로 타이머를 구현하였는데, 정작 운영체제에 아직 프로세스라는 개념이 구현되</a:t>
+            </a:r>
+            <a:endParaRPr xmlns:mc="http://schemas.openxmlformats.org/markup-compatibility/2006" xmlns:hp="http://schemas.haansoft.com/office/presentation/8.0" lang="ko-KR" altLang="en-US" sz="1700" b="0" i="0" spc="5" mc:Ignorable="hp" hp:hslEmbossed="0">
+              <a:solidFill>
+                <a:schemeClr val="tx1"/>
+              </a:solidFill>
+              <a:latin typeface="나눔고딕"/>
+              <a:ea typeface="나눔고딕"/>
+            </a:endParaRPr>
+          </a:p>
+          <a:p>
+            <a:pPr>
+              <a:buFont typeface="Wingdings"/>
+              <a:buNone/>
+            </a:pPr>
+            <a:r>
+              <a:rPr xmlns:mc="http://schemas.openxmlformats.org/markup-compatibility/2006" xmlns:hp="http://schemas.haansoft.com/office/presentation/8.0" lang="ko-KR" altLang="en-US" sz="1700" b="0" i="0" spc="5" mc:Ignorable="hp" hp:hslEmbossed="0">
+                <a:solidFill>
+                  <a:schemeClr val="tx1"/>
+                </a:solidFill>
+                <a:latin typeface="나눔고딕"/>
+                <a:ea typeface="나눔고딕"/>
+              </a:rPr>
+              <a:t>지 않았습니다. 즉, 지금부터가 본론이었다는 것입니다. 수업시간에 </a:t>
+            </a:r>
+            <a:r>
+              <a:rPr xmlns:mc="http://schemas.openxmlformats.org/markup-compatibility/2006" xmlns:hp="http://schemas.haansoft.com/office/presentation/8.0" lang="ko-KR" altLang="en-US" sz="1700" b="0" i="0" spc="5" mc:Ignorable="hp" hp:hslEmbossed="0">
+                <a:solidFill>
+                  <a:srgbClr val="0000ff"/>
+                </a:solidFill>
+                <a:latin typeface="나눔고딕"/>
+                <a:ea typeface="나눔고딕"/>
+              </a:rPr>
+              <a:t>컨텍스트 스위칭</a:t>
+            </a:r>
+            <a:r>
+              <a:rPr xmlns:mc="http://schemas.openxmlformats.org/markup-compatibility/2006" xmlns:hp="http://schemas.haansoft.com/office/presentation/8.0" lang="ko-KR" altLang="en-US" sz="1700" b="0" i="0" spc="5" mc:Ignorable="hp" hp:hslEmbossed="0">
+                <a:solidFill>
+                  <a:schemeClr val="tx1"/>
+                </a:solidFill>
+                <a:latin typeface="나눔고딕"/>
+                <a:ea typeface="나눔고딕"/>
+              </a:rPr>
+              <a:t>에 대</a:t>
+            </a:r>
+            <a:endParaRPr xmlns:mc="http://schemas.openxmlformats.org/markup-compatibility/2006" xmlns:hp="http://schemas.haansoft.com/office/presentation/8.0" lang="ko-KR" altLang="en-US" sz="1700" b="0" i="0" spc="5" mc:Ignorable="hp" hp:hslEmbossed="0">
+              <a:solidFill>
+                <a:schemeClr val="tx1"/>
+              </a:solidFill>
+              <a:latin typeface="나눔고딕"/>
+              <a:ea typeface="나눔고딕"/>
+            </a:endParaRPr>
+          </a:p>
+          <a:p>
+            <a:pPr>
+              <a:buFont typeface="Wingdings"/>
+              <a:buNone/>
+            </a:pPr>
+            <a:r>
+              <a:rPr xmlns:mc="http://schemas.openxmlformats.org/markup-compatibility/2006" xmlns:hp="http://schemas.haansoft.com/office/presentation/8.0" lang="ko-KR" altLang="en-US" sz="1700" b="0" i="0" spc="5" mc:Ignorable="hp" hp:hslEmbossed="0">
+                <a:solidFill>
+                  <a:schemeClr val="tx1"/>
+                </a:solidFill>
+                <a:latin typeface="나눔고딕"/>
+                <a:ea typeface="나눔고딕"/>
+              </a:rPr>
+              <a:t>해서 잠깐 "이런게 있다" 정도로 다루었던 것으로 기억합니다. 하지만 그 정도로 구현하기</a:t>
+            </a:r>
+            <a:endParaRPr xmlns:mc="http://schemas.openxmlformats.org/markup-compatibility/2006" xmlns:hp="http://schemas.haansoft.com/office/presentation/8.0" lang="ko-KR" altLang="en-US" sz="1700" b="0" i="0" spc="5" mc:Ignorable="hp" hp:hslEmbossed="0">
+              <a:solidFill>
+                <a:schemeClr val="tx1"/>
+              </a:solidFill>
+              <a:latin typeface="나눔고딕"/>
+              <a:ea typeface="나눔고딕"/>
+            </a:endParaRPr>
+          </a:p>
+          <a:p>
+            <a:pPr>
+              <a:buFont typeface="Wingdings"/>
+              <a:buNone/>
+            </a:pPr>
+            <a:r>
+              <a:rPr xmlns:mc="http://schemas.openxmlformats.org/markup-compatibility/2006" xmlns:hp="http://schemas.haansoft.com/office/presentation/8.0" lang="ko-KR" altLang="en-US" sz="1700" b="0" i="0" spc="5" mc:Ignorable="hp" hp:hslEmbossed="0">
+                <a:solidFill>
+                  <a:schemeClr val="tx1"/>
+                </a:solidFill>
+                <a:latin typeface="나눔고딕"/>
+                <a:ea typeface="나눔고딕"/>
+              </a:rPr>
+              <a:t>에는 무리가 있으므로, 개인적으로 좀 더 공부를 해야 할 필요가 있었습니다. </a:t>
+            </a:r>
+            <a:endParaRPr xmlns:mc="http://schemas.openxmlformats.org/markup-compatibility/2006" xmlns:hp="http://schemas.haansoft.com/office/presentation/8.0" lang="ko-KR" altLang="en-US" sz="1700" b="0" i="0" spc="5" mc:Ignorable="hp" hp:hslEmbossed="0">
+              <a:solidFill>
+                <a:schemeClr val="tx1"/>
+              </a:solidFill>
+              <a:latin typeface="나눔고딕"/>
+              <a:ea typeface="나눔고딕"/>
+            </a:endParaRPr>
+          </a:p>
+          <a:p>
+            <a:pPr>
+              <a:buFont typeface="Wingdings"/>
+              <a:buNone/>
+            </a:pPr>
+            <a:r>
+              <a:rPr xmlns:mc="http://schemas.openxmlformats.org/markup-compatibility/2006" xmlns:hp="http://schemas.haansoft.com/office/presentation/8.0" lang="ko-KR" altLang="en-US" sz="1700" b="0" i="0" spc="5" mc:Ignorable="hp" hp:hslEmbossed="0">
+                <a:solidFill>
+                  <a:schemeClr val="tx1"/>
+                </a:solidFill>
+                <a:latin typeface="나눔고딕"/>
+                <a:ea typeface="나눔고딕"/>
+              </a:rPr>
+              <a:t>이번에는 </a:t>
+            </a:r>
+            <a:r>
+              <a:rPr xmlns:mc="http://schemas.openxmlformats.org/markup-compatibility/2006" xmlns:hp="http://schemas.haansoft.com/office/presentation/8.0" lang="ko-KR" altLang="en-US" sz="1700" b="0" i="0" spc="5" mc:Ignorable="hp" hp:hslEmbossed="0">
+                <a:solidFill>
+                  <a:srgbClr val="0000ff"/>
+                </a:solidFill>
+                <a:latin typeface="나눔고딕"/>
+                <a:ea typeface="나눔고딕"/>
+              </a:rPr>
+              <a:t>"64비트 멀티코어 </a:t>
+            </a:r>
+            <a:r>
+              <a:rPr xmlns:mc="http://schemas.openxmlformats.org/markup-compatibility/2006" xmlns:hp="http://schemas.haansoft.com/office/presentation/8.0" lang="en-US" altLang="ko-KR" sz="1700" b="0" i="0" spc="5" mc:Ignorable="hp" hp:hslEmbossed="0">
+                <a:solidFill>
+                  <a:srgbClr val="0000ff"/>
+                </a:solidFill>
+                <a:latin typeface="나눔고딕"/>
+                <a:ea typeface="나눔고딕"/>
+              </a:rPr>
+              <a:t>OS</a:t>
+            </a:r>
+            <a:r>
+              <a:rPr xmlns:mc="http://schemas.openxmlformats.org/markup-compatibility/2006" xmlns:hp="http://schemas.haansoft.com/office/presentation/8.0" lang="ko-KR" altLang="en-US" sz="1700" b="0" i="0" spc="5" mc:Ignorable="hp" hp:hslEmbossed="0">
+                <a:solidFill>
+                  <a:srgbClr val="0000ff"/>
+                </a:solidFill>
+                <a:latin typeface="나눔고딕"/>
+                <a:ea typeface="나눔고딕"/>
+              </a:rPr>
+              <a:t> 구조와 원리"</a:t>
+            </a:r>
+            <a:r>
+              <a:rPr xmlns:mc="http://schemas.openxmlformats.org/markup-compatibility/2006" xmlns:hp="http://schemas.haansoft.com/office/presentation/8.0" lang="ko-KR" altLang="en-US" sz="1700" b="0" i="0" spc="5" mc:Ignorable="hp" hp:hslEmbossed="0">
+                <a:solidFill>
+                  <a:schemeClr val="tx1"/>
+                </a:solidFill>
+                <a:latin typeface="나눔고딕"/>
+                <a:ea typeface="나눔고딕"/>
+              </a:rPr>
+              <a:t>로 학습하고 참고하였습니다.</a:t>
+            </a:r>
+            <a:endParaRPr xmlns:mc="http://schemas.openxmlformats.org/markup-compatibility/2006" xmlns:hp="http://schemas.haansoft.com/office/presentation/8.0" lang="ko-KR" altLang="en-US" sz="1700" b="0" i="0" spc="5" mc:Ignorable="hp" hp:hslEmbossed="0">
+              <a:solidFill>
+                <a:schemeClr val="tx1"/>
+              </a:solidFill>
+              <a:latin typeface="나눔고딕"/>
+              <a:ea typeface="나눔고딕"/>
+            </a:endParaRPr>
+          </a:p>
+          <a:p>
+            <a:pPr>
+              <a:buFont typeface="Wingdings"/>
+              <a:buNone/>
+            </a:pPr>
+            <a:endParaRPr xmlns:mc="http://schemas.openxmlformats.org/markup-compatibility/2006" xmlns:hp="http://schemas.haansoft.com/office/presentation/8.0" lang="ko-KR" altLang="en-US" sz="1700" b="0" i="0" spc="5" mc:Ignorable="hp" hp:hslEmbossed="0">
+              <a:solidFill>
+                <a:schemeClr val="tx1"/>
+              </a:solidFill>
+              <a:latin typeface="나눔고딕"/>
+              <a:ea typeface="나눔고딕"/>
+            </a:endParaRPr>
+          </a:p>
+          <a:p>
+            <a:pPr>
+              <a:buFont typeface="Wingdings"/>
+              <a:buNone/>
+            </a:pPr>
+            <a:endParaRPr xmlns:mc="http://schemas.openxmlformats.org/markup-compatibility/2006" xmlns:hp="http://schemas.haansoft.com/office/presentation/8.0" lang="ko-KR" altLang="en-US" sz="1700" b="0" i="0" spc="5" mc:Ignorable="hp" hp:hslEmbossed="0">
+              <a:solidFill>
+                <a:schemeClr val="tx1"/>
+              </a:solidFill>
+              <a:latin typeface="나눔고딕"/>
+              <a:ea typeface="나눔고딕"/>
+            </a:endParaRPr>
+          </a:p>
+        </p:txBody>
+      </p:sp>
+      <p:sp>
+        <p:nvSpPr>
+          <p:cNvPr id="8" name="직사각형 2"/>
+          <p:cNvSpPr/>
+          <p:nvPr/>
+        </p:nvSpPr>
+        <p:spPr>
+          <a:xfrm>
+            <a:off x="0" y="767680"/>
+            <a:ext cx="5005064" cy="1752600"/>
+          </a:xfrm>
+          <a:prstGeom prst="rect">
+            <a:avLst/>
+          </a:prstGeom>
+        </p:spPr>
+        <p:txBody>
+          <a:bodyPr vert="horz" lIns="91440" tIns="45720" rIns="91440" bIns="45720"/>
+          <a:lstStyle/>
+          <a:p>
+            <a:pPr marL="342900" indent="-342900" algn="l" latinLnBrk="1" hangingPunct="1">
+              <a:spcBef>
+                <a:spcPct val="20000"/>
+              </a:spcBef>
+              <a:buFont typeface="Arial"/>
+            </a:pPr>
+            <a:r>
+              <a:rPr xmlns:mc="http://schemas.openxmlformats.org/markup-compatibility/2006" xmlns:hp="http://schemas.haansoft.com/office/presentation/8.0" lang="ko-KR" altLang="en-US" sz="2500" b="1" i="0" spc="5" mc:Ignorable="hp" hp:hslEmbossed="0">
+                <a:solidFill>
+                  <a:schemeClr val="bg1">
+                    <a:lumMod val="90000"/>
+                  </a:schemeClr>
+                </a:solidFill>
+                <a:latin typeface="나눔고딕"/>
+                <a:ea typeface="나눔고딕"/>
+              </a:rPr>
+              <a:t>  </a:t>
+            </a:r>
+            <a:r>
+              <a:rPr xmlns:mc="http://schemas.openxmlformats.org/markup-compatibility/2006" xmlns:hp="http://schemas.haansoft.com/office/presentation/8.0" lang="en-US" altLang="ko-KR" sz="2500" b="1" i="0" spc="5" mc:Ignorable="hp" hp:hslEmbossed="0">
+                <a:solidFill>
+                  <a:schemeClr val="bg1">
+                    <a:lumMod val="90000"/>
+                  </a:schemeClr>
+                </a:solidFill>
+                <a:latin typeface="나눔고딕"/>
+                <a:ea typeface="나눔고딕"/>
+              </a:rPr>
+              <a:t>x86_64 OS</a:t>
+            </a:r>
+            <a:r>
+              <a:rPr xmlns:mc="http://schemas.openxmlformats.org/markup-compatibility/2006" xmlns:hp="http://schemas.haansoft.com/office/presentation/8.0" lang="ko-KR" altLang="en-US" sz="2500" b="1" i="0" spc="5" mc:Ignorable="hp" hp:hslEmbossed="0">
+                <a:solidFill>
+                  <a:schemeClr val="bg1">
+                    <a:lumMod val="90000"/>
+                  </a:schemeClr>
+                </a:solidFill>
+                <a:latin typeface="나눔고딕"/>
+                <a:ea typeface="나눔고딕"/>
+              </a:rPr>
+              <a:t> </a:t>
+            </a:r>
+            <a:r>
+              <a:rPr xmlns:mc="http://schemas.openxmlformats.org/markup-compatibility/2006" xmlns:hp="http://schemas.haansoft.com/office/presentation/8.0" lang="en-US" altLang="ko-KR" sz="2500" b="1" i="0" spc="5" mc:Ignorable="hp" hp:hslEmbossed="0">
+                <a:solidFill>
+                  <a:schemeClr val="bg1">
+                    <a:lumMod val="90000"/>
+                  </a:schemeClr>
+                </a:solidFill>
+                <a:latin typeface="나눔고딕"/>
+                <a:ea typeface="나눔고딕"/>
+              </a:rPr>
+              <a:t>for Study</a:t>
+            </a:r>
+            <a:endParaRPr xmlns:mc="http://schemas.openxmlformats.org/markup-compatibility/2006" xmlns:hp="http://schemas.haansoft.com/office/presentation/8.0" lang="en-US" altLang="ko-KR" sz="2500" b="1" i="0" spc="5" mc:Ignorable="hp" hp:hslEmbossed="0">
+              <a:solidFill>
+                <a:schemeClr val="bg1">
+                  <a:lumMod val="90000"/>
+                </a:schemeClr>
+              </a:solidFill>
+              <a:latin typeface="나눔고딕"/>
+              <a:ea typeface="나눔고딕"/>
+            </a:endParaRPr>
+          </a:p>
+        </p:txBody>
+      </p:sp>
+      <p:sp>
+        <p:nvSpPr>
+          <p:cNvPr id="4" name="직사각형 1"/>
+          <p:cNvSpPr/>
+          <p:nvPr/>
+        </p:nvSpPr>
+        <p:spPr>
+          <a:xfrm>
+            <a:off x="0" y="188640"/>
+            <a:ext cx="3707904" cy="908720"/>
+          </a:xfrm>
+          <a:prstGeom prst="rect">
+            <a:avLst/>
+          </a:prstGeom>
+        </p:spPr>
+        <p:txBody>
+          <a:bodyPr vert="horz" lIns="91440" tIns="45720" rIns="91440" bIns="45720" anchor="ctr"/>
+          <a:p>
+            <a:pPr algn="ctr" latinLnBrk="1" hangingPunct="1">
+              <a:spcBef>
+                <a:spcPct val="0"/>
+              </a:spcBef>
+              <a:buNone/>
+            </a:pPr>
+            <a:r>
+              <a:rPr xmlns:mc="http://schemas.openxmlformats.org/markup-compatibility/2006" xmlns:hp="http://schemas.haansoft.com/office/presentation/8.0" lang="ko-KR" altLang="en-US" sz="4400" b="1" spc="5" mc:Ignorable="hp" hp:hslEmbossed="0">
+                <a:solidFill>
+                  <a:srgbClr val="ff6600"/>
+                </a:solidFill>
+                <a:latin typeface="고도 B"/>
+                <a:ea typeface="고도 B"/>
+              </a:rPr>
+              <a:t>개발 과정</a:t>
+            </a:r>
+            <a:endParaRPr xmlns:mc="http://schemas.openxmlformats.org/markup-compatibility/2006" xmlns:hp="http://schemas.haansoft.com/office/presentation/8.0" lang="ko-KR" altLang="en-US" sz="4400" b="1" spc="5" mc:Ignorable="hp" hp:hslEmbossed="0">
+              <a:solidFill>
+                <a:srgbClr val="ff6600"/>
+              </a:solidFill>
+              <a:latin typeface="고도 B"/>
+              <a:ea typeface="고도 B"/>
+            </a:endParaRPr>
+          </a:p>
+        </p:txBody>
+      </p:sp>
+      <p:sp>
+        <p:nvSpPr>
+          <p:cNvPr id="12" name="직사각형 4"/>
+          <p:cNvSpPr txBox="1"/>
+          <p:nvPr/>
+        </p:nvSpPr>
+        <p:spPr>
+          <a:xfrm>
+            <a:off x="6300192" y="6178544"/>
+            <a:ext cx="2627784" cy="490816"/>
+          </a:xfrm>
+          <a:prstGeom prst="rect">
+            <a:avLst/>
+          </a:prstGeom>
+        </p:spPr>
+        <p:txBody>
+          <a:bodyPr wrap="square">
+            <a:spAutoFit/>
+          </a:bodyPr>
+          <a:lstStyle/>
+          <a:p>
+            <a:pPr/>
+            <a:r>
+              <a:rPr lang="ko-KR" altLang="en-US" sz="2600" b="1">
+                <a:solidFill>
+                  <a:schemeClr val="bg1">
+                    <a:lumMod val="95000"/>
+                  </a:schemeClr>
+                </a:solidFill>
+                <a:latin typeface="청소년서체"/>
+                <a:ea typeface="청소년서체"/>
+              </a:rPr>
+              <a:t>1학년 9반 박태원</a:t>
+            </a:r>
+            <a:endParaRPr lang="ko-KR" altLang="en-US" sz="2600" b="1">
+              <a:solidFill>
+                <a:schemeClr val="bg1">
+                  <a:lumMod val="95000"/>
+                </a:schemeClr>
+              </a:solidFill>
+              <a:latin typeface="청소년서체"/>
+              <a:ea typeface="청소년서체"/>
+            </a:endParaRPr>
+          </a:p>
+        </p:txBody>
+      </p:sp>
+    </p:spTree>
+  </p:cSld>
+  <p:clrMapOvr>
+    <a:masterClrMapping/>
+  </p:clrMapOvr>
+</p:sld>
+</file>
+
+<file path=ppt/slides/slide5.xml><?xml version="1.0" encoding="utf-8"?>
+<p:sld xmlns:r="http://schemas.openxmlformats.org/officeDocument/2006/relationships" xmlns:c="http://schemas.openxmlformats.org/drawingml/2006/chart" xmlns:a="http://schemas.openxmlformats.org/drawingml/2006/main" xmlns:dgm="http://schemas.openxmlformats.org/drawingml/2006/diagram" xmlns:dsp="http://schemas.microsoft.com/office/drawing/2008/diagram" xmlns:p="http://schemas.openxmlformats.org/presentationml/2006/main">
+  <p:cSld>
+    <p:spTree>
+      <p:nvGrpSpPr>
+        <p:cNvPr id="1" name=""/>
+        <p:cNvGrpSpPr/>
+        <p:nvPr/>
+      </p:nvGrpSpPr>
+      <p:grpSpPr>
+        <a:xfrm>
+          <a:off x="0" y="0"/>
+          <a:ext cx="0" cy="0"/>
+          <a:chOff x="0" y="0"/>
+          <a:chExt cx="0" cy="0"/>
+        </a:xfrm>
+      </p:grpSpPr>
+      <p:pic>
+        <p:nvPicPr>
+          <p:cNvPr id="9" name="그림 8"/>
+          <p:cNvPicPr/>
+          <p:nvPr/>
+        </p:nvPicPr>
+        <p:blipFill rotWithShape="1">
+          <a:blip r:embed="rId2">
+            <a:alphaModFix/>
+            <a:lum bright="70000" contrast="-50000"/>
+          </a:blip>
+          <a:stretch>
+            <a:fillRect/>
+          </a:stretch>
+        </p:blipFill>
+        <p:spPr>
+          <a:xfrm>
+            <a:off x="2133000" y="990000"/>
+            <a:ext cx="4878000" cy="4878000"/>
+          </a:xfrm>
+          <a:prstGeom prst="rect">
+            <a:avLst/>
+          </a:prstGeom>
+        </p:spPr>
+      </p:pic>
+      <p:sp>
+        <p:nvSpPr>
+          <p:cNvPr id="7" name="직사각형 1"/>
+          <p:cNvSpPr/>
+          <p:nvPr/>
+        </p:nvSpPr>
+        <p:spPr>
+          <a:xfrm>
+            <a:off x="-179512" y="-240432"/>
+            <a:ext cx="6444208" cy="1470025"/>
+          </a:xfrm>
+          <a:prstGeom prst="rect">
+            <a:avLst/>
+          </a:prstGeom>
+        </p:spPr>
+        <p:txBody>
+          <a:bodyPr vert="horz" lIns="91440" tIns="45720" rIns="91440" bIns="45720" anchor="ctr"/>
+          <a:lstStyle/>
+          <a:p>
+            <a:pPr algn="ctr" latinLnBrk="1" hangingPunct="1">
+              <a:spcBef>
+                <a:spcPct val="0"/>
+              </a:spcBef>
+              <a:buNone/>
+            </a:pPr>
+            <a:r>
+              <a:rPr xmlns:mc="http://schemas.openxmlformats.org/markup-compatibility/2006" xmlns:hp="http://schemas.haansoft.com/office/presentation/8.0" lang="en-US" altLang="ko-KR" sz="4400" b="1" i="1" spc="5" mc:Ignorable="hp" hp:hslEmbossed="0">
+                <a:solidFill>
+                  <a:schemeClr val="bg1">
+                    <a:lumMod val="90000"/>
+                  </a:schemeClr>
+                </a:solidFill>
+                <a:latin typeface="나눔고딕 ExtraBold"/>
+                <a:ea typeface="나눔고딕 ExtraBold"/>
+              </a:rPr>
+              <a:t>Infinite Synthesis x64</a:t>
+            </a:r>
+            <a:endParaRPr lang="en-US" altLang="ko-KR" b="1" i="1">
+              <a:solidFill>
+                <a:schemeClr val="bg1">
+                  <a:lumMod val="90000"/>
+                </a:schemeClr>
+              </a:solidFill>
+              <a:latin typeface="나눔고딕 ExtraBold"/>
+              <a:ea typeface="나눔고딕 ExtraBold"/>
+            </a:endParaRPr>
+          </a:p>
+        </p:txBody>
+      </p:sp>
+      <p:sp>
+        <p:nvSpPr>
+          <p:cNvPr id="3" name="직사각형 2"/>
+          <p:cNvSpPr/>
+          <p:nvPr>
+            <p:ph idx="1"/>
+          </p:nvPr>
+        </p:nvSpPr>
+        <p:spPr>
+          <a:xfrm>
+            <a:off x="457200" y="1166018"/>
+            <a:ext cx="8229600" cy="5215309"/>
+          </a:xfrm>
+        </p:spPr>
+        <p:txBody>
+          <a:bodyPr/>
+          <a:lstStyle/>
+          <a:p>
+            <a:pPr>
+              <a:buFont typeface="Wingdings"/>
+              <a:buNone/>
+            </a:pPr>
+            <a:r>
+              <a:rPr xmlns:mc="http://schemas.openxmlformats.org/markup-compatibility/2006" xmlns:hp="http://schemas.haansoft.com/office/presentation/8.0" lang="ko-KR" altLang="en-US" sz="1700" i="0" spc="5" mc:Ignorable="hp" hp:hslEmbossed="0">
+                <a:latin typeface="나눔고딕"/>
+                <a:ea typeface="나눔고딕"/>
+              </a:rPr>
+              <a:t>컨텍스트 스위칭은 여러 개의 프로세스를 실행시키기 위해 반드시 필요한 개념입니다.</a:t>
+            </a:r>
+            <a:endParaRPr xmlns:mc="http://schemas.openxmlformats.org/markup-compatibility/2006" xmlns:hp="http://schemas.haansoft.com/office/presentation/8.0" lang="ko-KR" altLang="en-US" sz="1700" i="0" spc="5" mc:Ignorable="hp" hp:hslEmbossed="0">
+              <a:latin typeface="나눔고딕"/>
+              <a:ea typeface="나눔고딕"/>
+            </a:endParaRPr>
+          </a:p>
+          <a:p>
+            <a:pPr>
+              <a:buFont typeface="Wingdings"/>
+              <a:buNone/>
+            </a:pPr>
+            <a:r>
+              <a:rPr xmlns:mc="http://schemas.openxmlformats.org/markup-compatibility/2006" xmlns:hp="http://schemas.haansoft.com/office/presentation/8.0" lang="ko-KR" altLang="en-US" sz="1700" i="0" spc="5" mc:Ignorable="hp" hp:hslEmbossed="0">
+                <a:latin typeface="나눔고딕"/>
+                <a:ea typeface="나눔고딕"/>
+              </a:rPr>
+              <a:t>우선 대략적인 개념을 예시와 함께 살펴보았습니다.</a:t>
+            </a:r>
+            <a:endParaRPr xmlns:mc="http://schemas.openxmlformats.org/markup-compatibility/2006" xmlns:hp="http://schemas.haansoft.com/office/presentation/8.0" lang="ko-KR" altLang="en-US" sz="1700" i="0" spc="5" mc:Ignorable="hp" hp:hslEmbossed="0">
+              <a:latin typeface="나눔고딕"/>
+              <a:ea typeface="나눔고딕"/>
+            </a:endParaRPr>
+          </a:p>
+          <a:p>
+            <a:pPr>
+              <a:buFont typeface="Wingdings"/>
+              <a:buNone/>
+            </a:pPr>
+            <a:r>
+              <a:rPr xmlns:mc="http://schemas.openxmlformats.org/markup-compatibility/2006" xmlns:hp="http://schemas.haansoft.com/office/presentation/8.0" lang="ko-KR" altLang="en-US" sz="1700" i="0" spc="5" mc:Ignorable="hp" hp:hslEmbossed="0">
+                <a:latin typeface="나눔고딕"/>
+                <a:ea typeface="나눔고딕"/>
+              </a:rPr>
+              <a:t>현재 프로세스 </a:t>
+            </a:r>
+            <a:r>
+              <a:rPr xmlns:mc="http://schemas.openxmlformats.org/markup-compatibility/2006" xmlns:hp="http://schemas.haansoft.com/office/presentation/8.0" lang="en-US" altLang="ko-KR" sz="1700" i="0" spc="5" mc:Ignorable="hp" hp:hslEmbossed="0">
+                <a:latin typeface="나눔고딕"/>
+                <a:ea typeface="나눔고딕"/>
+              </a:rPr>
+              <a:t>A</a:t>
+            </a:r>
+            <a:r>
+              <a:rPr xmlns:mc="http://schemas.openxmlformats.org/markup-compatibility/2006" xmlns:hp="http://schemas.haansoft.com/office/presentation/8.0" lang="ko-KR" altLang="en-US" sz="1700" i="0" spc="5" mc:Ignorable="hp" hp:hslEmbossed="0">
+                <a:latin typeface="나눔고딕"/>
+                <a:ea typeface="나눔고딕"/>
+              </a:rPr>
+              <a:t>가 실행되고 있다고 가정 할 때 그 상태는 다음과 같다고 하면:</a:t>
+            </a:r>
+            <a:endParaRPr xmlns:mc="http://schemas.openxmlformats.org/markup-compatibility/2006" xmlns:hp="http://schemas.haansoft.com/office/presentation/8.0" lang="ko-KR" altLang="en-US" sz="1700" i="0" spc="5" mc:Ignorable="hp" hp:hslEmbossed="0">
+              <a:latin typeface="나눔고딕"/>
+              <a:ea typeface="나눔고딕"/>
+            </a:endParaRPr>
+          </a:p>
+          <a:p>
+            <a:pPr>
+              <a:buFont typeface="Wingdings"/>
+              <a:buNone/>
+            </a:pPr>
+            <a:r>
+              <a:rPr xmlns:mc="http://schemas.openxmlformats.org/markup-compatibility/2006" xmlns:hp="http://schemas.haansoft.com/office/presentation/8.0" lang="en-US" altLang="ko-KR" sz="1700" i="0" spc="5" mc:Ignorable="hp" hp:hslEmbossed="0">
+                <a:solidFill>
+                  <a:srgbClr val="0000ff"/>
+                </a:solidFill>
+                <a:latin typeface="나눔고딕"/>
+                <a:ea typeface="나눔고딕"/>
+              </a:rPr>
+              <a:t>RAX</a:t>
+            </a:r>
+            <a:r>
+              <a:rPr xmlns:mc="http://schemas.openxmlformats.org/markup-compatibility/2006" xmlns:hp="http://schemas.haansoft.com/office/presentation/8.0" lang="ko-KR" altLang="en-US" sz="1700" i="0" spc="5" mc:Ignorable="hp" hp:hslEmbossed="0">
+                <a:solidFill>
+                  <a:srgbClr val="0000ff"/>
+                </a:solidFill>
+                <a:latin typeface="나눔고딕"/>
+                <a:ea typeface="나눔고딕"/>
+              </a:rPr>
+              <a:t> : 0</a:t>
+            </a:r>
+            <a:r>
+              <a:rPr xmlns:mc="http://schemas.openxmlformats.org/markup-compatibility/2006" xmlns:hp="http://schemas.haansoft.com/office/presentation/8.0" lang="en-US" altLang="ko-KR" sz="1700" i="0" spc="5" mc:Ignorable="hp" hp:hslEmbossed="0">
+                <a:solidFill>
+                  <a:srgbClr val="0000ff"/>
+                </a:solidFill>
+                <a:latin typeface="나눔고딕"/>
+                <a:ea typeface="나눔고딕"/>
+              </a:rPr>
+              <a:t>x8000000000000001</a:t>
+            </a:r>
+            <a:r>
+              <a:rPr xmlns:mc="http://schemas.openxmlformats.org/markup-compatibility/2006" xmlns:hp="http://schemas.haansoft.com/office/presentation/8.0" lang="ko-KR" altLang="en-US" sz="1700" i="0" spc="5" mc:Ignorable="hp" hp:hslEmbossed="0">
+                <a:solidFill>
+                  <a:srgbClr val="0000ff"/>
+                </a:solidFill>
+                <a:latin typeface="나눔고딕"/>
+                <a:ea typeface="나눔고딕"/>
+              </a:rPr>
+              <a:t> (범용 레지스터 1)</a:t>
+            </a:r>
+            <a:endParaRPr xmlns:mc="http://schemas.openxmlformats.org/markup-compatibility/2006" xmlns:hp="http://schemas.haansoft.com/office/presentation/8.0" lang="ko-KR" altLang="en-US" sz="1700" i="0" spc="5" mc:Ignorable="hp" hp:hslEmbossed="0">
+              <a:solidFill>
+                <a:srgbClr val="0000ff"/>
+              </a:solidFill>
+              <a:latin typeface="나눔고딕"/>
+              <a:ea typeface="나눔고딕"/>
+            </a:endParaRPr>
+          </a:p>
+          <a:p>
+            <a:pPr>
+              <a:buFont typeface="Wingdings"/>
+              <a:buNone/>
+            </a:pPr>
+            <a:r>
+              <a:rPr xmlns:mc="http://schemas.openxmlformats.org/markup-compatibility/2006" xmlns:hp="http://schemas.haansoft.com/office/presentation/8.0" lang="en-US" altLang="ko-KR" sz="1700" i="0" spc="5" mc:Ignorable="hp" hp:hslEmbossed="0">
+                <a:solidFill>
+                  <a:srgbClr val="0000ff"/>
+                </a:solidFill>
+                <a:latin typeface="나눔고딕"/>
+                <a:ea typeface="나눔고딕"/>
+              </a:rPr>
+              <a:t>DS </a:t>
+            </a:r>
+            <a:r>
+              <a:rPr xmlns:mc="http://schemas.openxmlformats.org/markup-compatibility/2006" xmlns:hp="http://schemas.haansoft.com/office/presentation/8.0" lang="ko-KR" altLang="en-US" sz="1700" i="0" spc="5" mc:Ignorable="hp" hp:hslEmbossed="0">
+                <a:solidFill>
+                  <a:srgbClr val="0000ff"/>
+                </a:solidFill>
+                <a:latin typeface="나눔고딕"/>
+                <a:ea typeface="나눔고딕"/>
+              </a:rPr>
+              <a:t>:</a:t>
+            </a:r>
+            <a:r>
+              <a:rPr xmlns:mc="http://schemas.openxmlformats.org/markup-compatibility/2006" xmlns:hp="http://schemas.haansoft.com/office/presentation/8.0" lang="en-US" altLang="ko-KR" sz="1700" i="0" spc="5" mc:Ignorable="hp" hp:hslEmbossed="0">
+                <a:solidFill>
+                  <a:srgbClr val="0000ff"/>
+                </a:solidFill>
+                <a:latin typeface="나눔고딕"/>
+                <a:ea typeface="나눔고딕"/>
+              </a:rPr>
+              <a:t> 0x10 (</a:t>
+            </a:r>
+            <a:r>
+              <a:rPr xmlns:mc="http://schemas.openxmlformats.org/markup-compatibility/2006" xmlns:hp="http://schemas.haansoft.com/office/presentation/8.0" lang="ko-KR" altLang="en-US" sz="1700" i="0" spc="5" mc:Ignorable="hp" hp:hslEmbossed="0">
+                <a:solidFill>
+                  <a:srgbClr val="0000ff"/>
+                </a:solidFill>
+                <a:latin typeface="나눔고딕"/>
+                <a:ea typeface="나눔고딕"/>
+              </a:rPr>
+              <a:t>데이터 세그먼트)</a:t>
+            </a:r>
+            <a:endParaRPr xmlns:mc="http://schemas.openxmlformats.org/markup-compatibility/2006" xmlns:hp="http://schemas.haansoft.com/office/presentation/8.0" lang="ko-KR" altLang="en-US" sz="1700" i="0" spc="5" mc:Ignorable="hp" hp:hslEmbossed="0">
+              <a:solidFill>
+                <a:srgbClr val="0000ff"/>
+              </a:solidFill>
+              <a:latin typeface="나눔고딕"/>
+              <a:ea typeface="나눔고딕"/>
+            </a:endParaRPr>
+          </a:p>
+          <a:p>
+            <a:pPr>
+              <a:buFont typeface="Wingdings"/>
+              <a:buNone/>
+            </a:pPr>
+            <a:r>
+              <a:rPr xmlns:mc="http://schemas.openxmlformats.org/markup-compatibility/2006" xmlns:hp="http://schemas.haansoft.com/office/presentation/8.0" lang="en-US" altLang="ko-KR" sz="1700" i="0" spc="5" mc:Ignorable="hp" hp:hslEmbossed="0">
+                <a:solidFill>
+                  <a:srgbClr val="0000ff"/>
+                </a:solidFill>
+                <a:latin typeface="나눔고딕"/>
+                <a:ea typeface="나눔고딕"/>
+              </a:rPr>
+              <a:t>RSP : 0x120000</a:t>
+            </a:r>
+            <a:r>
+              <a:rPr xmlns:mc="http://schemas.openxmlformats.org/markup-compatibility/2006" xmlns:hp="http://schemas.haansoft.com/office/presentation/8.0" lang="ko-KR" altLang="en-US" sz="1700" i="0" spc="5" mc:Ignorable="hp" hp:hslEmbossed="0">
+                <a:solidFill>
+                  <a:srgbClr val="0000ff"/>
+                </a:solidFill>
+                <a:latin typeface="나눔고딕"/>
+                <a:ea typeface="나눔고딕"/>
+              </a:rPr>
+              <a:t> (스택)</a:t>
+            </a:r>
+            <a:endParaRPr xmlns:mc="http://schemas.openxmlformats.org/markup-compatibility/2006" xmlns:hp="http://schemas.haansoft.com/office/presentation/8.0" lang="ko-KR" altLang="en-US" sz="1700" i="0" spc="5" mc:Ignorable="hp" hp:hslEmbossed="0">
+              <a:solidFill>
+                <a:srgbClr val="0000ff"/>
+              </a:solidFill>
+              <a:latin typeface="나눔고딕"/>
+              <a:ea typeface="나눔고딕"/>
+            </a:endParaRPr>
+          </a:p>
+          <a:p>
+            <a:pPr>
+              <a:buFont typeface="Wingdings"/>
+              <a:buNone/>
+            </a:pPr>
+            <a:r>
+              <a:rPr xmlns:mc="http://schemas.openxmlformats.org/markup-compatibility/2006" xmlns:hp="http://schemas.haansoft.com/office/presentation/8.0" lang="en-US" altLang="ko-KR" sz="1700" i="0" spc="5" mc:Ignorable="hp" hp:hslEmbossed="0">
+                <a:solidFill>
+                  <a:srgbClr val="0000ff"/>
+                </a:solidFill>
+                <a:latin typeface="나눔고딕"/>
+                <a:ea typeface="나눔고딕"/>
+              </a:rPr>
+              <a:t>RIP   : 0x210000 (</a:t>
+            </a:r>
+            <a:r>
+              <a:rPr xmlns:mc="http://schemas.openxmlformats.org/markup-compatibility/2006" xmlns:hp="http://schemas.haansoft.com/office/presentation/8.0" lang="ko-KR" altLang="en-US" sz="1700" i="0" spc="5" mc:Ignorable="hp" hp:hslEmbossed="0">
+                <a:solidFill>
+                  <a:srgbClr val="0000ff"/>
+                </a:solidFill>
+                <a:latin typeface="나눔고딕"/>
+                <a:ea typeface="나눔고딕"/>
+              </a:rPr>
+              <a:t>프로그램 카운터)</a:t>
+            </a:r>
+            <a:endParaRPr xmlns:mc="http://schemas.openxmlformats.org/markup-compatibility/2006" xmlns:hp="http://schemas.haansoft.com/office/presentation/8.0" lang="ko-KR" altLang="en-US" sz="1700" i="0" spc="5" mc:Ignorable="hp" hp:hslEmbossed="0">
+              <a:solidFill>
+                <a:srgbClr val="0000ff"/>
+              </a:solidFill>
+              <a:latin typeface="나눔고딕"/>
+              <a:ea typeface="나눔고딕"/>
+            </a:endParaRPr>
+          </a:p>
+          <a:p>
+            <a:pPr>
+              <a:buFont typeface="Wingdings"/>
+              <a:buNone/>
+            </a:pPr>
+            <a:endParaRPr xmlns:mc="http://schemas.openxmlformats.org/markup-compatibility/2006" xmlns:hp="http://schemas.haansoft.com/office/presentation/8.0" lang="ko-KR" altLang="en-US" sz="1700" i="0" spc="5" mc:Ignorable="hp" hp:hslEmbossed="0">
+              <a:solidFill>
+                <a:srgbClr val="0000ff"/>
+              </a:solidFill>
+              <a:latin typeface="나눔고딕"/>
+              <a:ea typeface="나눔고딕"/>
+            </a:endParaRPr>
+          </a:p>
+          <a:p>
+            <a:pPr>
+              <a:buFont typeface="Wingdings"/>
+              <a:buNone/>
+            </a:pPr>
+            <a:r>
+              <a:rPr xmlns:mc="http://schemas.openxmlformats.org/markup-compatibility/2006" xmlns:hp="http://schemas.haansoft.com/office/presentation/8.0" lang="ko-KR" altLang="en-US" sz="1700" i="0" spc="5" mc:Ignorable="hp" hp:hslEmbossed="0">
+                <a:solidFill>
+                  <a:schemeClr val="tx1"/>
+                </a:solidFill>
+                <a:latin typeface="나눔고딕"/>
+                <a:ea typeface="나눔고딕"/>
+              </a:rPr>
+              <a:t>  인터럽트에 의해 다음 노드에 있는 프로세스가 실행되어야 할 때, 프로세스 </a:t>
+            </a:r>
+            <a:r>
+              <a:rPr xmlns:mc="http://schemas.openxmlformats.org/markup-compatibility/2006" xmlns:hp="http://schemas.haansoft.com/office/presentation/8.0" lang="en-US" altLang="ko-KR" sz="1700" i="0" spc="5" mc:Ignorable="hp" hp:hslEmbossed="0">
+                <a:solidFill>
+                  <a:schemeClr val="tx1"/>
+                </a:solidFill>
+                <a:latin typeface="나눔고딕"/>
+                <a:ea typeface="나눔고딕"/>
+              </a:rPr>
+              <a:t>A</a:t>
+            </a:r>
+            <a:r>
+              <a:rPr xmlns:mc="http://schemas.openxmlformats.org/markup-compatibility/2006" xmlns:hp="http://schemas.haansoft.com/office/presentation/8.0" lang="ko-KR" altLang="en-US" sz="1700" i="0" spc="5" mc:Ignorable="hp" hp:hslEmbossed="0">
+                <a:solidFill>
+                  <a:schemeClr val="tx1"/>
+                </a:solidFill>
+                <a:latin typeface="나눔고딕"/>
+                <a:ea typeface="나눔고딕"/>
+              </a:rPr>
+              <a:t>가 가지고</a:t>
+            </a:r>
+            <a:endParaRPr xmlns:mc="http://schemas.openxmlformats.org/markup-compatibility/2006" xmlns:hp="http://schemas.haansoft.com/office/presentation/8.0" lang="ko-KR" altLang="en-US" sz="1700" i="0" spc="5" mc:Ignorable="hp" hp:hslEmbossed="0">
+              <a:solidFill>
+                <a:schemeClr val="tx1"/>
+              </a:solidFill>
+              <a:latin typeface="나눔고딕"/>
+              <a:ea typeface="나눔고딕"/>
+            </a:endParaRPr>
+          </a:p>
+          <a:p>
+            <a:pPr>
+              <a:buFont typeface="Wingdings"/>
+              <a:buNone/>
+            </a:pPr>
+            <a:r>
+              <a:rPr xmlns:mc="http://schemas.openxmlformats.org/markup-compatibility/2006" xmlns:hp="http://schemas.haansoft.com/office/presentation/8.0" lang="ko-KR" altLang="en-US" sz="1700" i="0" spc="5" mc:Ignorable="hp" hp:hslEmbossed="0">
+                <a:solidFill>
+                  <a:schemeClr val="tx1"/>
+                </a:solidFill>
+                <a:latin typeface="나눔고딕"/>
+                <a:ea typeface="나눔고딕"/>
+              </a:rPr>
+              <a:t>있던 값은 저장되어야만 할 것입니다. 만약 이것이 이루어지지 않는다면... </a:t>
+            </a:r>
+            <a:r>
+              <a:rPr xmlns:mc="http://schemas.openxmlformats.org/markup-compatibility/2006" xmlns:hp="http://schemas.haansoft.com/office/presentation/8.0" lang="en-US" altLang="ko-KR" sz="1700" i="0" spc="5" mc:Ignorable="hp" hp:hslEmbossed="0">
+                <a:solidFill>
+                  <a:schemeClr val="tx1"/>
+                </a:solidFill>
+                <a:latin typeface="나눔고딕"/>
+                <a:ea typeface="나눔고딕"/>
+              </a:rPr>
+              <a:t>CPU</a:t>
+            </a:r>
+            <a:r>
+              <a:rPr xmlns:mc="http://schemas.openxmlformats.org/markup-compatibility/2006" xmlns:hp="http://schemas.haansoft.com/office/presentation/8.0" lang="ko-KR" altLang="en-US" sz="1700" i="0" spc="5" mc:Ignorable="hp" hp:hslEmbossed="0">
+                <a:solidFill>
+                  <a:schemeClr val="tx1"/>
+                </a:solidFill>
+                <a:latin typeface="나눔고딕"/>
+                <a:ea typeface="나눔고딕"/>
+              </a:rPr>
+              <a:t>가 폴트로 </a:t>
+            </a:r>
+            <a:endParaRPr xmlns:mc="http://schemas.openxmlformats.org/markup-compatibility/2006" xmlns:hp="http://schemas.haansoft.com/office/presentation/8.0" lang="ko-KR" altLang="en-US" sz="1700" i="0" spc="5" mc:Ignorable="hp" hp:hslEmbossed="0">
+              <a:solidFill>
+                <a:schemeClr val="tx1"/>
+              </a:solidFill>
+              <a:latin typeface="나눔고딕"/>
+              <a:ea typeface="나눔고딕"/>
+            </a:endParaRPr>
+          </a:p>
+          <a:p>
+            <a:pPr>
+              <a:buFont typeface="Wingdings"/>
+              <a:buNone/>
+            </a:pPr>
+            <a:r>
+              <a:rPr xmlns:mc="http://schemas.openxmlformats.org/markup-compatibility/2006" xmlns:hp="http://schemas.haansoft.com/office/presentation/8.0" lang="ko-KR" altLang="en-US" sz="1700" i="0" spc="5" mc:Ignorable="hp" hp:hslEmbossed="0">
+                <a:solidFill>
+                  <a:schemeClr val="tx1"/>
+                </a:solidFill>
+                <a:latin typeface="나눔고딕"/>
+                <a:ea typeface="나눔고딕"/>
+              </a:rPr>
+              <a:t>죽지 않으면 다행일 것입니다.</a:t>
+            </a:r>
+            <a:endParaRPr xmlns:mc="http://schemas.openxmlformats.org/markup-compatibility/2006" xmlns:hp="http://schemas.haansoft.com/office/presentation/8.0" lang="ko-KR" altLang="en-US" sz="1700" i="0" spc="5" mc:Ignorable="hp" hp:hslEmbossed="0">
+              <a:solidFill>
+                <a:schemeClr val="tx1"/>
+              </a:solidFill>
+              <a:latin typeface="나눔고딕"/>
+              <a:ea typeface="나눔고딕"/>
+            </a:endParaRPr>
+          </a:p>
+          <a:p>
+            <a:pPr>
+              <a:buFont typeface="Wingdings"/>
+              <a:buNone/>
+            </a:pPr>
+            <a:endParaRPr xmlns:mc="http://schemas.openxmlformats.org/markup-compatibility/2006" xmlns:hp="http://schemas.haansoft.com/office/presentation/8.0" lang="ko-KR" altLang="en-US" sz="1700" i="0" spc="5" mc:Ignorable="hp" hp:hslEmbossed="0">
+              <a:solidFill>
+                <a:schemeClr val="tx1"/>
+              </a:solidFill>
+              <a:latin typeface="나눔고딕"/>
+              <a:ea typeface="나눔고딕"/>
+            </a:endParaRPr>
+          </a:p>
+          <a:p>
+            <a:pPr>
+              <a:buFont typeface="Wingdings"/>
+              <a:buNone/>
+            </a:pPr>
+            <a:r>
+              <a:rPr xmlns:mc="http://schemas.openxmlformats.org/markup-compatibility/2006" xmlns:hp="http://schemas.haansoft.com/office/presentation/8.0" lang="ko-KR" altLang="en-US" sz="1700" i="0" spc="5" mc:Ignorable="hp" hp:hslEmbossed="0">
+                <a:latin typeface="나눔고딕"/>
+                <a:ea typeface="나눔고딕"/>
+              </a:rPr>
+              <a:t>아무튼 이러한 프로세스에 관한 정보를 가진</a:t>
+            </a:r>
+            <a:r>
+              <a:rPr xmlns:mc="http://schemas.openxmlformats.org/markup-compatibility/2006" xmlns:hp="http://schemas.haansoft.com/office/presentation/8.0" lang="ko-KR" altLang="en-US" sz="1700" i="0" spc="5" mc:Ignorable="hp" hp:hslEmbossed="0">
+                <a:solidFill>
+                  <a:srgbClr val="0000ff"/>
+                </a:solidFill>
+                <a:latin typeface="나눔고딕"/>
+                <a:ea typeface="나눔고딕"/>
+              </a:rPr>
+              <a:t> </a:t>
+            </a:r>
+            <a:r>
+              <a:rPr xmlns:mc="http://schemas.openxmlformats.org/markup-compatibility/2006" xmlns:hp="http://schemas.haansoft.com/office/presentation/8.0" lang="en-US" altLang="ko-KR" sz="1700" i="0" spc="5" mc:Ignorable="hp" hp:hslEmbossed="0">
+                <a:solidFill>
+                  <a:srgbClr val="0000ff"/>
+                </a:solidFill>
+                <a:latin typeface="나눔고딕"/>
+                <a:ea typeface="나눔고딕"/>
+              </a:rPr>
+              <a:t>Context</a:t>
+            </a:r>
+            <a:r>
+              <a:rPr xmlns:mc="http://schemas.openxmlformats.org/markup-compatibility/2006" xmlns:hp="http://schemas.haansoft.com/office/presentation/8.0" lang="ko-KR" altLang="en-US" sz="1700" i="0" spc="5" mc:Ignorable="hp" hp:hslEmbossed="0">
+                <a:latin typeface="나눔고딕"/>
+                <a:ea typeface="나눔고딕"/>
+              </a:rPr>
+              <a:t>는 </a:t>
+            </a:r>
+            <a:r>
+              <a:rPr xmlns:mc="http://schemas.openxmlformats.org/markup-compatibility/2006" xmlns:hp="http://schemas.haansoft.com/office/presentation/8.0" lang="en-US" altLang="ko-KR" sz="1700" i="0" spc="5" mc:Ignorable="hp" hp:hslEmbossed="0">
+                <a:solidFill>
+                  <a:srgbClr val="0000ff"/>
+                </a:solidFill>
+                <a:latin typeface="나눔고딕"/>
+                <a:ea typeface="나눔고딕"/>
+              </a:rPr>
+              <a:t>PCB</a:t>
+            </a:r>
+            <a:r>
+              <a:rPr xmlns:mc="http://schemas.openxmlformats.org/markup-compatibility/2006" xmlns:hp="http://schemas.haansoft.com/office/presentation/8.0" lang="ko-KR" altLang="en-US" sz="1700" i="0" spc="5" mc:Ignorable="hp" hp:hslEmbossed="0">
+                <a:latin typeface="나눔고딕"/>
+                <a:ea typeface="나눔고딕"/>
+              </a:rPr>
+              <a:t>에 저장되며, 컨텍스트 스위</a:t>
+            </a:r>
+            <a:endParaRPr xmlns:mc="http://schemas.openxmlformats.org/markup-compatibility/2006" xmlns:hp="http://schemas.haansoft.com/office/presentation/8.0" lang="ko-KR" altLang="en-US" sz="1700" i="0" spc="5" mc:Ignorable="hp" hp:hslEmbossed="0">
+              <a:latin typeface="나눔고딕"/>
+              <a:ea typeface="나눔고딕"/>
+            </a:endParaRPr>
+          </a:p>
+          <a:p>
+            <a:pPr>
+              <a:buFont typeface="Wingdings"/>
+              <a:buNone/>
+            </a:pPr>
+            <a:r>
+              <a:rPr xmlns:mc="http://schemas.openxmlformats.org/markup-compatibility/2006" xmlns:hp="http://schemas.haansoft.com/office/presentation/8.0" lang="ko-KR" altLang="en-US" sz="1700" i="0" spc="5" mc:Ignorable="hp" hp:hslEmbossed="0">
+                <a:latin typeface="나눔고딕"/>
+                <a:ea typeface="나눔고딕"/>
+              </a:rPr>
+              <a:t>칭이 일어나야 하는 조건은 다음과 같다고 합니다.</a:t>
+            </a:r>
+            <a:endParaRPr xmlns:mc="http://schemas.openxmlformats.org/markup-compatibility/2006" xmlns:hp="http://schemas.haansoft.com/office/presentation/8.0" lang="ko-KR" altLang="en-US" sz="1700" i="0" spc="5" mc:Ignorable="hp" hp:hslEmbossed="0">
+              <a:latin typeface="나눔고딕"/>
+              <a:ea typeface="나눔고딕"/>
+            </a:endParaRPr>
+          </a:p>
+          <a:p>
+            <a:pPr>
+              <a:buFont typeface="Wingdings"/>
+              <a:buNone/>
+            </a:pPr>
+            <a:r>
+              <a:rPr xmlns:mc="http://schemas.openxmlformats.org/markup-compatibility/2006" xmlns:hp="http://schemas.haansoft.com/office/presentation/8.0" lang="ko-KR" altLang="en-US" sz="1700" i="0" spc="5" mc:Ignorable="hp" hp:hslEmbossed="0">
+                <a:solidFill>
+                  <a:srgbClr val="0000ff"/>
+                </a:solidFill>
+                <a:latin typeface="나눔고딕"/>
+                <a:ea typeface="나눔고딕"/>
+              </a:rPr>
+              <a:t>1. </a:t>
+            </a:r>
+            <a:r>
+              <a:rPr xmlns:mc="http://schemas.openxmlformats.org/markup-compatibility/2006" xmlns:hp="http://schemas.haansoft.com/office/presentation/8.0" lang="en-US" altLang="ko-KR" sz="1700" i="0" spc="5" mc:Ignorable="hp" hp:hslEmbossed="0">
+                <a:solidFill>
+                  <a:srgbClr val="0000ff"/>
+                </a:solidFill>
+                <a:latin typeface="나눔고딕"/>
+                <a:ea typeface="나눔고딕"/>
+              </a:rPr>
+              <a:t>I/O</a:t>
+            </a:r>
+            <a:r>
+              <a:rPr xmlns:mc="http://schemas.openxmlformats.org/markup-compatibility/2006" xmlns:hp="http://schemas.haansoft.com/office/presentation/8.0" lang="ko-KR" altLang="en-US" sz="1700" i="0" spc="5" mc:Ignorable="hp" hp:hslEmbossed="0">
+                <a:solidFill>
+                  <a:srgbClr val="0000ff"/>
+                </a:solidFill>
+                <a:latin typeface="나눔고딕"/>
+                <a:ea typeface="나눔고딕"/>
+              </a:rPr>
+              <a:t> 요청   |   2. </a:t>
+            </a:r>
+            <a:r>
+              <a:rPr xmlns:mc="http://schemas.openxmlformats.org/markup-compatibility/2006" xmlns:hp="http://schemas.haansoft.com/office/presentation/8.0" lang="en-US" altLang="ko-KR" sz="1700" i="0" spc="5" mc:Ignorable="hp" hp:hslEmbossed="0">
+                <a:solidFill>
+                  <a:srgbClr val="0000ff"/>
+                </a:solidFill>
+                <a:latin typeface="나눔고딕"/>
+                <a:ea typeface="나눔고딕"/>
+              </a:rPr>
+              <a:t>CPU</a:t>
+            </a:r>
+            <a:r>
+              <a:rPr xmlns:mc="http://schemas.openxmlformats.org/markup-compatibility/2006" xmlns:hp="http://schemas.haansoft.com/office/presentation/8.0" lang="ko-KR" altLang="en-US" sz="1700" i="0" spc="5" mc:Ignorable="hp" hp:hslEmbossed="0">
+                <a:solidFill>
+                  <a:srgbClr val="0000ff"/>
+                </a:solidFill>
+                <a:latin typeface="나눔고딕"/>
+                <a:ea typeface="나눔고딕"/>
+              </a:rPr>
+              <a:t> 사용시간 만료   |   3. 자식 프로세스 생성   |   4. 인터럽트 대기</a:t>
+            </a:r>
+            <a:endParaRPr xmlns:mc="http://schemas.openxmlformats.org/markup-compatibility/2006" xmlns:hp="http://schemas.haansoft.com/office/presentation/8.0" lang="ko-KR" altLang="en-US" sz="1700" i="0" spc="5" mc:Ignorable="hp" hp:hslEmbossed="0">
+              <a:solidFill>
+                <a:srgbClr val="0000ff"/>
+              </a:solidFill>
+              <a:latin typeface="나눔고딕"/>
+              <a:ea typeface="나눔고딕"/>
+            </a:endParaRPr>
+          </a:p>
+          <a:p>
+            <a:pPr>
+              <a:buFont typeface="Wingdings"/>
+              <a:buNone/>
+            </a:pPr>
+            <a:endParaRPr xmlns:mc="http://schemas.openxmlformats.org/markup-compatibility/2006" xmlns:hp="http://schemas.haansoft.com/office/presentation/8.0" lang="ko-KR" altLang="en-US" sz="1700" i="0" spc="5" mc:Ignorable="hp" hp:hslEmbossed="0">
+              <a:solidFill>
+                <a:schemeClr val="tx1"/>
+              </a:solidFill>
+              <a:latin typeface="나눔고딕"/>
+              <a:ea typeface="나눔고딕"/>
+            </a:endParaRPr>
+          </a:p>
+          <a:p>
+            <a:pPr>
+              <a:buFont typeface="Wingdings"/>
+              <a:buNone/>
+            </a:pPr>
+            <a:endParaRPr xmlns:mc="http://schemas.openxmlformats.org/markup-compatibility/2006" xmlns:hp="http://schemas.haansoft.com/office/presentation/8.0" lang="en-US" altLang="ko-KR" sz="1700" i="0" spc="5" mc:Ignorable="hp" hp:hslEmbossed="0">
+              <a:latin typeface="나눔고딕"/>
+              <a:ea typeface="나눔고딕"/>
+            </a:endParaRPr>
+          </a:p>
+          <a:p>
+            <a:pPr>
+              <a:buFont typeface="Wingdings"/>
+              <a:buNone/>
+            </a:pPr>
+            <a:endParaRPr xmlns:mc="http://schemas.openxmlformats.org/markup-compatibility/2006" xmlns:hp="http://schemas.haansoft.com/office/presentation/8.0" lang="ko-KR" altLang="en-US" sz="1700" b="0" i="0" spc="5" mc:Ignorable="hp" hp:hslEmbossed="0">
+              <a:solidFill>
+                <a:schemeClr val="tx1"/>
+              </a:solidFill>
+              <a:latin typeface="나눔고딕"/>
+              <a:ea typeface="나눔고딕"/>
+            </a:endParaRPr>
+          </a:p>
+          <a:p>
+            <a:pPr>
+              <a:buFont typeface="Wingdings"/>
+              <a:buNone/>
+            </a:pPr>
+            <a:endParaRPr xmlns:mc="http://schemas.openxmlformats.org/markup-compatibility/2006" xmlns:hp="http://schemas.haansoft.com/office/presentation/8.0" lang="ko-KR" altLang="en-US" sz="1700" b="0" i="0" spc="5" mc:Ignorable="hp" hp:hslEmbossed="0">
+              <a:solidFill>
+                <a:schemeClr val="tx1"/>
+              </a:solidFill>
+              <a:latin typeface="나눔고딕"/>
+              <a:ea typeface="나눔고딕"/>
+            </a:endParaRPr>
+          </a:p>
+        </p:txBody>
+      </p:sp>
+      <p:sp>
+        <p:nvSpPr>
+          <p:cNvPr id="8" name="직사각형 2"/>
+          <p:cNvSpPr/>
+          <p:nvPr/>
+        </p:nvSpPr>
+        <p:spPr>
+          <a:xfrm>
+            <a:off x="0" y="767680"/>
+            <a:ext cx="5005064" cy="1752600"/>
+          </a:xfrm>
+          <a:prstGeom prst="rect">
+            <a:avLst/>
+          </a:prstGeom>
+        </p:spPr>
+        <p:txBody>
+          <a:bodyPr vert="horz" lIns="91440" tIns="45720" rIns="91440" bIns="45720"/>
+          <a:lstStyle/>
+          <a:p>
+            <a:pPr marL="342900" indent="-342900" algn="l" latinLnBrk="1" hangingPunct="1">
+              <a:spcBef>
+                <a:spcPct val="20000"/>
+              </a:spcBef>
+              <a:buFont typeface="Arial"/>
+            </a:pPr>
+            <a:r>
+              <a:rPr xmlns:mc="http://schemas.openxmlformats.org/markup-compatibility/2006" xmlns:hp="http://schemas.haansoft.com/office/presentation/8.0" lang="ko-KR" altLang="en-US" sz="2500" b="1" i="0" spc="5" mc:Ignorable="hp" hp:hslEmbossed="0">
+                <a:solidFill>
+                  <a:schemeClr val="bg1">
+                    <a:lumMod val="90000"/>
+                  </a:schemeClr>
+                </a:solidFill>
+                <a:latin typeface="나눔고딕"/>
+                <a:ea typeface="나눔고딕"/>
+              </a:rPr>
+              <a:t>  </a:t>
+            </a:r>
+            <a:r>
+              <a:rPr xmlns:mc="http://schemas.openxmlformats.org/markup-compatibility/2006" xmlns:hp="http://schemas.haansoft.com/office/presentation/8.0" lang="en-US" altLang="ko-KR" sz="2500" b="1" i="0" spc="5" mc:Ignorable="hp" hp:hslEmbossed="0">
+                <a:solidFill>
+                  <a:schemeClr val="bg1">
+                    <a:lumMod val="90000"/>
+                  </a:schemeClr>
+                </a:solidFill>
+                <a:latin typeface="나눔고딕"/>
+                <a:ea typeface="나눔고딕"/>
+              </a:rPr>
+              <a:t>x86_64 OS</a:t>
+            </a:r>
+            <a:r>
+              <a:rPr xmlns:mc="http://schemas.openxmlformats.org/markup-compatibility/2006" xmlns:hp="http://schemas.haansoft.com/office/presentation/8.0" lang="ko-KR" altLang="en-US" sz="2500" b="1" i="0" spc="5" mc:Ignorable="hp" hp:hslEmbossed="0">
+                <a:solidFill>
+                  <a:schemeClr val="bg1">
+                    <a:lumMod val="90000"/>
+                  </a:schemeClr>
+                </a:solidFill>
+                <a:latin typeface="나눔고딕"/>
+                <a:ea typeface="나눔고딕"/>
+              </a:rPr>
+              <a:t> </a:t>
+            </a:r>
+            <a:r>
+              <a:rPr xmlns:mc="http://schemas.openxmlformats.org/markup-compatibility/2006" xmlns:hp="http://schemas.haansoft.com/office/presentation/8.0" lang="en-US" altLang="ko-KR" sz="2500" b="1" i="0" spc="5" mc:Ignorable="hp" hp:hslEmbossed="0">
+                <a:solidFill>
+                  <a:schemeClr val="bg1">
+                    <a:lumMod val="90000"/>
+                  </a:schemeClr>
+                </a:solidFill>
+                <a:latin typeface="나눔고딕"/>
+                <a:ea typeface="나눔고딕"/>
+              </a:rPr>
+              <a:t>for Study</a:t>
+            </a:r>
+            <a:endParaRPr xmlns:mc="http://schemas.openxmlformats.org/markup-compatibility/2006" xmlns:hp="http://schemas.haansoft.com/office/presentation/8.0" lang="en-US" altLang="ko-KR" sz="2500" b="1" i="0" spc="5" mc:Ignorable="hp" hp:hslEmbossed="0">
+              <a:solidFill>
+                <a:schemeClr val="bg1">
+                  <a:lumMod val="90000"/>
+                </a:schemeClr>
+              </a:solidFill>
+              <a:latin typeface="나눔고딕"/>
+              <a:ea typeface="나눔고딕"/>
+            </a:endParaRPr>
+          </a:p>
+        </p:txBody>
+      </p:sp>
+      <p:sp>
+        <p:nvSpPr>
+          <p:cNvPr id="4" name="직사각형 1"/>
+          <p:cNvSpPr/>
+          <p:nvPr/>
+        </p:nvSpPr>
+        <p:spPr>
+          <a:xfrm>
+            <a:off x="0" y="188640"/>
+            <a:ext cx="3707904" cy="908720"/>
+          </a:xfrm>
+          <a:prstGeom prst="rect">
+            <a:avLst/>
+          </a:prstGeom>
+        </p:spPr>
+        <p:txBody>
+          <a:bodyPr vert="horz" lIns="91440" tIns="45720" rIns="91440" bIns="45720" anchor="ctr"/>
+          <a:p>
+            <a:pPr algn="ctr" latinLnBrk="1" hangingPunct="1">
+              <a:spcBef>
+                <a:spcPct val="0"/>
+              </a:spcBef>
+              <a:buNone/>
+            </a:pPr>
+            <a:r>
+              <a:rPr xmlns:mc="http://schemas.openxmlformats.org/markup-compatibility/2006" xmlns:hp="http://schemas.haansoft.com/office/presentation/8.0" lang="ko-KR" altLang="en-US" sz="4400" b="1" spc="5" mc:Ignorable="hp" hp:hslEmbossed="0">
+                <a:solidFill>
+                  <a:srgbClr val="ff6600"/>
+                </a:solidFill>
+                <a:latin typeface="고도 B"/>
+                <a:ea typeface="고도 B"/>
+              </a:rPr>
+              <a:t>개발 과정</a:t>
+            </a:r>
+            <a:endParaRPr xmlns:mc="http://schemas.openxmlformats.org/markup-compatibility/2006" xmlns:hp="http://schemas.haansoft.com/office/presentation/8.0" lang="ko-KR" altLang="en-US" sz="4400" b="1" spc="5" mc:Ignorable="hp" hp:hslEmbossed="0">
+              <a:solidFill>
+                <a:srgbClr val="ff6600"/>
+              </a:solidFill>
+              <a:latin typeface="고도 B"/>
+              <a:ea typeface="고도 B"/>
+            </a:endParaRPr>
+          </a:p>
+        </p:txBody>
+      </p:sp>
+      <p:sp>
+        <p:nvSpPr>
+          <p:cNvPr id="12" name="직사각형 4"/>
+          <p:cNvSpPr txBox="1"/>
+          <p:nvPr/>
+        </p:nvSpPr>
+        <p:spPr>
+          <a:xfrm>
+            <a:off x="6300192" y="6178544"/>
+            <a:ext cx="2627784" cy="490816"/>
+          </a:xfrm>
+          <a:prstGeom prst="rect">
+            <a:avLst/>
+          </a:prstGeom>
+        </p:spPr>
+        <p:txBody>
+          <a:bodyPr wrap="square">
+            <a:spAutoFit/>
+          </a:bodyPr>
+          <a:lstStyle/>
+          <a:p>
+            <a:pPr/>
+            <a:r>
+              <a:rPr lang="ko-KR" altLang="en-US" sz="2600" b="1">
+                <a:solidFill>
+                  <a:schemeClr val="bg1">
+                    <a:lumMod val="95000"/>
+                  </a:schemeClr>
+                </a:solidFill>
+                <a:latin typeface="청소년서체"/>
+                <a:ea typeface="청소년서체"/>
+              </a:rPr>
+              <a:t>1학년 9반 박태원</a:t>
+            </a:r>
+            <a:endParaRPr lang="ko-KR" altLang="en-US" sz="2600" b="1">
+              <a:solidFill>
+                <a:schemeClr val="bg1">
+                  <a:lumMod val="95000"/>
+                </a:schemeClr>
+              </a:solidFill>
+              <a:latin typeface="청소년서체"/>
+              <a:ea typeface="청소년서체"/>
+            </a:endParaRPr>
+          </a:p>
+        </p:txBody>
+      </p:sp>
+    </p:spTree>
+  </p:cSld>
+  <p:clrMapOvr>
+    <a:masterClrMapping/>
+  </p:clrMapOvr>
+</p:sld>
+</file>
+
+<file path=ppt/slides/slide6.xml><?xml version="1.0" encoding="utf-8"?>
+<p:sld xmlns:r="http://schemas.openxmlformats.org/officeDocument/2006/relationships" xmlns:c="http://schemas.openxmlformats.org/drawingml/2006/chart" xmlns:a="http://schemas.openxmlformats.org/drawingml/2006/main" xmlns:dgm="http://schemas.openxmlformats.org/drawingml/2006/diagram" xmlns:dsp="http://schemas.microsoft.com/office/drawing/2008/diagram" xmlns:p="http://schemas.openxmlformats.org/presentationml/2006/main">
+  <p:cSld>
+    <p:spTree>
+      <p:nvGrpSpPr>
+        <p:cNvPr id="1" name=""/>
+        <p:cNvGrpSpPr/>
+        <p:nvPr/>
+      </p:nvGrpSpPr>
+      <p:grpSpPr>
+        <a:xfrm>
+          <a:off x="0" y="0"/>
+          <a:ext cx="0" cy="0"/>
+          <a:chOff x="0" y="0"/>
+          <a:chExt cx="0" cy="0"/>
+        </a:xfrm>
+      </p:grpSpPr>
+      <p:pic>
+        <p:nvPicPr>
+          <p:cNvPr id="9" name="그림 8"/>
+          <p:cNvPicPr/>
+          <p:nvPr/>
+        </p:nvPicPr>
+        <p:blipFill rotWithShape="1">
+          <a:blip r:embed="rId2">
+            <a:alphaModFix/>
+            <a:lum bright="70000" contrast="-50000"/>
+          </a:blip>
+          <a:stretch>
+            <a:fillRect/>
+          </a:stretch>
+        </p:blipFill>
+        <p:spPr>
+          <a:xfrm>
+            <a:off x="2133000" y="990000"/>
+            <a:ext cx="4878000" cy="4878000"/>
+          </a:xfrm>
+          <a:prstGeom prst="rect">
+            <a:avLst/>
+          </a:prstGeom>
+        </p:spPr>
+      </p:pic>
+      <p:sp>
+        <p:nvSpPr>
+          <p:cNvPr id="7" name="직사각형 1"/>
+          <p:cNvSpPr/>
+          <p:nvPr/>
+        </p:nvSpPr>
+        <p:spPr>
+          <a:xfrm>
+            <a:off x="-179512" y="-240432"/>
+            <a:ext cx="6444208" cy="1470025"/>
+          </a:xfrm>
+          <a:prstGeom prst="rect">
+            <a:avLst/>
+          </a:prstGeom>
+        </p:spPr>
+        <p:txBody>
+          <a:bodyPr vert="horz" lIns="91440" tIns="45720" rIns="91440" bIns="45720" anchor="ctr"/>
+          <a:lstStyle/>
+          <a:p>
+            <a:pPr algn="ctr" latinLnBrk="1" hangingPunct="1">
+              <a:spcBef>
+                <a:spcPct val="0"/>
+              </a:spcBef>
+              <a:buNone/>
+            </a:pPr>
+            <a:r>
+              <a:rPr xmlns:mc="http://schemas.openxmlformats.org/markup-compatibility/2006" xmlns:hp="http://schemas.haansoft.com/office/presentation/8.0" lang="en-US" altLang="ko-KR" sz="4400" b="1" i="1" spc="5" mc:Ignorable="hp" hp:hslEmbossed="0">
+                <a:solidFill>
+                  <a:schemeClr val="bg1">
+                    <a:lumMod val="90000"/>
+                  </a:schemeClr>
+                </a:solidFill>
+                <a:latin typeface="나눔고딕 ExtraBold"/>
+                <a:ea typeface="나눔고딕 ExtraBold"/>
+              </a:rPr>
+              <a:t>Infinite Synthesis x64</a:t>
+            </a:r>
+            <a:endParaRPr lang="en-US" altLang="ko-KR" b="1" i="1">
+              <a:solidFill>
+                <a:schemeClr val="bg1">
+                  <a:lumMod val="90000"/>
+                </a:schemeClr>
+              </a:solidFill>
+              <a:latin typeface="나눔고딕 ExtraBold"/>
+              <a:ea typeface="나눔고딕 ExtraBold"/>
+            </a:endParaRPr>
+          </a:p>
+        </p:txBody>
+      </p:sp>
+      <p:sp>
+        <p:nvSpPr>
+          <p:cNvPr id="3" name="직사각형 2"/>
+          <p:cNvSpPr/>
+          <p:nvPr>
+            <p:ph idx="1"/>
+          </p:nvPr>
+        </p:nvSpPr>
+        <p:spPr>
+          <a:xfrm>
+            <a:off x="457200" y="1166018"/>
+            <a:ext cx="8229600" cy="5215309"/>
+          </a:xfrm>
+        </p:spPr>
+        <p:txBody>
+          <a:bodyPr/>
+          <a:lstStyle/>
+          <a:p>
+            <a:pPr>
+              <a:buFont typeface="Wingdings"/>
+              <a:buNone/>
+            </a:pPr>
+            <a:endParaRPr xmlns:mc="http://schemas.openxmlformats.org/markup-compatibility/2006" xmlns:hp="http://schemas.haansoft.com/office/presentation/8.0" lang="ko-KR" altLang="en-US" sz="1700" i="0" spc="5" mc:Ignorable="hp" hp:hslEmbossed="0">
+              <a:latin typeface="나눔고딕"/>
+              <a:ea typeface="나눔고딕"/>
+            </a:endParaRPr>
+          </a:p>
+          <a:p>
+            <a:pPr>
+              <a:buFont typeface="Wingdings"/>
+              <a:buNone/>
+            </a:pPr>
+            <a:endParaRPr xmlns:mc="http://schemas.openxmlformats.org/markup-compatibility/2006" xmlns:hp="http://schemas.haansoft.com/office/presentation/8.0" lang="ko-KR" altLang="en-US" sz="1700" i="0" spc="5" mc:Ignorable="hp" hp:hslEmbossed="0">
+              <a:solidFill>
+                <a:schemeClr val="tx1"/>
+              </a:solidFill>
+              <a:latin typeface="나눔고딕"/>
+              <a:ea typeface="나눔고딕"/>
+            </a:endParaRPr>
+          </a:p>
+          <a:p>
+            <a:pPr>
+              <a:buFont typeface="Wingdings"/>
+              <a:buNone/>
+            </a:pPr>
+            <a:endParaRPr xmlns:mc="http://schemas.openxmlformats.org/markup-compatibility/2006" xmlns:hp="http://schemas.haansoft.com/office/presentation/8.0" lang="en-US" altLang="ko-KR" sz="1700" i="0" spc="5" mc:Ignorable="hp" hp:hslEmbossed="0">
+              <a:latin typeface="나눔고딕"/>
+              <a:ea typeface="나눔고딕"/>
+            </a:endParaRPr>
+          </a:p>
+          <a:p>
+            <a:pPr>
+              <a:buFont typeface="Wingdings"/>
+              <a:buNone/>
+            </a:pPr>
+            <a:endParaRPr xmlns:mc="http://schemas.openxmlformats.org/markup-compatibility/2006" xmlns:hp="http://schemas.haansoft.com/office/presentation/8.0" lang="ko-KR" altLang="en-US" sz="1700" b="0" i="0" spc="5" mc:Ignorable="hp" hp:hslEmbossed="0">
+              <a:solidFill>
+                <a:schemeClr val="tx1"/>
+              </a:solidFill>
+              <a:latin typeface="나눔고딕"/>
+              <a:ea typeface="나눔고딕"/>
+            </a:endParaRPr>
+          </a:p>
+          <a:p>
+            <a:pPr>
+              <a:buFont typeface="Wingdings"/>
+              <a:buNone/>
+            </a:pPr>
+            <a:endParaRPr xmlns:mc="http://schemas.openxmlformats.org/markup-compatibility/2006" xmlns:hp="http://schemas.haansoft.com/office/presentation/8.0" lang="ko-KR" altLang="en-US" sz="1700" b="0" i="0" spc="5" mc:Ignorable="hp" hp:hslEmbossed="0">
+              <a:solidFill>
+                <a:schemeClr val="tx1"/>
+              </a:solidFill>
+              <a:latin typeface="나눔고딕"/>
+              <a:ea typeface="나눔고딕"/>
+            </a:endParaRPr>
+          </a:p>
+        </p:txBody>
+      </p:sp>
+      <p:sp>
+        <p:nvSpPr>
+          <p:cNvPr id="8" name="직사각형 2"/>
+          <p:cNvSpPr/>
+          <p:nvPr/>
+        </p:nvSpPr>
+        <p:spPr>
+          <a:xfrm>
+            <a:off x="0" y="767680"/>
+            <a:ext cx="5005064" cy="1752600"/>
+          </a:xfrm>
+          <a:prstGeom prst="rect">
+            <a:avLst/>
+          </a:prstGeom>
+        </p:spPr>
+        <p:txBody>
+          <a:bodyPr vert="horz" lIns="91440" tIns="45720" rIns="91440" bIns="45720"/>
+          <a:lstStyle/>
+          <a:p>
+            <a:pPr marL="342900" indent="-342900" algn="l" latinLnBrk="1" hangingPunct="1">
+              <a:spcBef>
+                <a:spcPct val="20000"/>
+              </a:spcBef>
+              <a:buFont typeface="Arial"/>
+            </a:pPr>
+            <a:r>
+              <a:rPr xmlns:mc="http://schemas.openxmlformats.org/markup-compatibility/2006" xmlns:hp="http://schemas.haansoft.com/office/presentation/8.0" lang="ko-KR" altLang="en-US" sz="2500" b="1" i="0" spc="5" mc:Ignorable="hp" hp:hslEmbossed="0">
+                <a:solidFill>
+                  <a:schemeClr val="bg1">
+                    <a:lumMod val="90000"/>
+                  </a:schemeClr>
+                </a:solidFill>
+                <a:latin typeface="나눔고딕"/>
+                <a:ea typeface="나눔고딕"/>
+              </a:rPr>
+              <a:t>  </a:t>
+            </a:r>
+            <a:r>
+              <a:rPr xmlns:mc="http://schemas.openxmlformats.org/markup-compatibility/2006" xmlns:hp="http://schemas.haansoft.com/office/presentation/8.0" lang="en-US" altLang="ko-KR" sz="2500" b="1" i="0" spc="5" mc:Ignorable="hp" hp:hslEmbossed="0">
+                <a:solidFill>
+                  <a:schemeClr val="bg1">
+                    <a:lumMod val="90000"/>
+                  </a:schemeClr>
+                </a:solidFill>
+                <a:latin typeface="나눔고딕"/>
+                <a:ea typeface="나눔고딕"/>
+              </a:rPr>
+              <a:t>x86_64 OS</a:t>
+            </a:r>
+            <a:r>
+              <a:rPr xmlns:mc="http://schemas.openxmlformats.org/markup-compatibility/2006" xmlns:hp="http://schemas.haansoft.com/office/presentation/8.0" lang="ko-KR" altLang="en-US" sz="2500" b="1" i="0" spc="5" mc:Ignorable="hp" hp:hslEmbossed="0">
+                <a:solidFill>
+                  <a:schemeClr val="bg1">
+                    <a:lumMod val="90000"/>
+                  </a:schemeClr>
+                </a:solidFill>
+                <a:latin typeface="나눔고딕"/>
+                <a:ea typeface="나눔고딕"/>
+              </a:rPr>
+              <a:t> </a:t>
+            </a:r>
+            <a:r>
+              <a:rPr xmlns:mc="http://schemas.openxmlformats.org/markup-compatibility/2006" xmlns:hp="http://schemas.haansoft.com/office/presentation/8.0" lang="en-US" altLang="ko-KR" sz="2500" b="1" i="0" spc="5" mc:Ignorable="hp" hp:hslEmbossed="0">
+                <a:solidFill>
+                  <a:schemeClr val="bg1">
+                    <a:lumMod val="90000"/>
+                  </a:schemeClr>
+                </a:solidFill>
+                <a:latin typeface="나눔고딕"/>
+                <a:ea typeface="나눔고딕"/>
+              </a:rPr>
+              <a:t>for Study</a:t>
+            </a:r>
+            <a:endParaRPr xmlns:mc="http://schemas.openxmlformats.org/markup-compatibility/2006" xmlns:hp="http://schemas.haansoft.com/office/presentation/8.0" lang="en-US" altLang="ko-KR" sz="2500" b="1" i="0" spc="5" mc:Ignorable="hp" hp:hslEmbossed="0">
+              <a:solidFill>
+                <a:schemeClr val="bg1">
+                  <a:lumMod val="90000"/>
+                </a:schemeClr>
+              </a:solidFill>
+              <a:latin typeface="나눔고딕"/>
+              <a:ea typeface="나눔고딕"/>
+            </a:endParaRPr>
+          </a:p>
+        </p:txBody>
+      </p:sp>
+      <p:sp>
+        <p:nvSpPr>
+          <p:cNvPr id="4" name="직사각형 1"/>
+          <p:cNvSpPr/>
+          <p:nvPr/>
+        </p:nvSpPr>
+        <p:spPr>
+          <a:xfrm>
+            <a:off x="0" y="188640"/>
+            <a:ext cx="3707904" cy="908720"/>
+          </a:xfrm>
+          <a:prstGeom prst="rect">
+            <a:avLst/>
+          </a:prstGeom>
+        </p:spPr>
+        <p:txBody>
+          <a:bodyPr vert="horz" lIns="91440" tIns="45720" rIns="91440" bIns="45720" anchor="ctr"/>
+          <a:p>
+            <a:pPr algn="ctr" latinLnBrk="1" hangingPunct="1">
+              <a:spcBef>
+                <a:spcPct val="0"/>
+              </a:spcBef>
+              <a:buNone/>
+            </a:pPr>
+            <a:r>
+              <a:rPr xmlns:mc="http://schemas.openxmlformats.org/markup-compatibility/2006" xmlns:hp="http://schemas.haansoft.com/office/presentation/8.0" lang="ko-KR" altLang="en-US" sz="4400" b="1" spc="5" mc:Ignorable="hp" hp:hslEmbossed="0">
+                <a:solidFill>
+                  <a:srgbClr val="ff6600"/>
+                </a:solidFill>
+                <a:latin typeface="고도 B"/>
+                <a:ea typeface="고도 B"/>
+              </a:rPr>
+              <a:t>개발 과정</a:t>
+            </a:r>
+            <a:endParaRPr xmlns:mc="http://schemas.openxmlformats.org/markup-compatibility/2006" xmlns:hp="http://schemas.haansoft.com/office/presentation/8.0" lang="ko-KR" altLang="en-US" sz="4400" b="1" spc="5" mc:Ignorable="hp" hp:hslEmbossed="0">
+              <a:solidFill>
+                <a:srgbClr val="ff6600"/>
+              </a:solidFill>
+              <a:latin typeface="고도 B"/>
+              <a:ea typeface="고도 B"/>
+            </a:endParaRPr>
+          </a:p>
+        </p:txBody>
+      </p:sp>
+      <p:sp>
+        <p:nvSpPr>
+          <p:cNvPr id="12" name="직사각형 4"/>
+          <p:cNvSpPr txBox="1"/>
+          <p:nvPr/>
+        </p:nvSpPr>
+        <p:spPr>
+          <a:xfrm>
+            <a:off x="6300192" y="6178544"/>
+            <a:ext cx="2627784" cy="490816"/>
+          </a:xfrm>
+          <a:prstGeom prst="rect">
+            <a:avLst/>
+          </a:prstGeom>
+        </p:spPr>
+        <p:txBody>
+          <a:bodyPr wrap="square">
+            <a:spAutoFit/>
+          </a:bodyPr>
+          <a:lstStyle/>
+          <a:p>
+            <a:pPr/>
+            <a:r>
+              <a:rPr lang="ko-KR" altLang="en-US" sz="2600" b="1">
+                <a:solidFill>
+                  <a:schemeClr val="bg1">
+                    <a:lumMod val="95000"/>
+                  </a:schemeClr>
+                </a:solidFill>
+                <a:latin typeface="청소년서체"/>
+                <a:ea typeface="청소년서체"/>
+              </a:rPr>
+              <a:t>1학년 9반 박태원</a:t>
+            </a:r>
+            <a:endParaRPr lang="ko-KR" altLang="en-US" sz="2600" b="1">
+              <a:solidFill>
+                <a:schemeClr val="bg1">
+                  <a:lumMod val="95000"/>
+                </a:schemeClr>
+              </a:solidFill>
+              <a:latin typeface="청소년서체"/>
+              <a:ea typeface="청소년서체"/>
+            </a:endParaRPr>
+          </a:p>
+        </p:txBody>
+      </p:sp>
+    </p:spTree>
+  </p:cSld>
+  <p:clrMapOvr>
+    <a:masterClrMapping/>
+  </p:clrMapOvr>
+</p:sld>
+</file>
+
+<file path=ppt/slides/slide7.xml><?xml version="1.0" encoding="utf-8"?>
+<p:sld xmlns:r="http://schemas.openxmlformats.org/officeDocument/2006/relationships" xmlns:c="http://schemas.openxmlformats.org/drawingml/2006/chart" xmlns:a="http://schemas.openxmlformats.org/drawingml/2006/main" xmlns:dgm="http://schemas.openxmlformats.org/drawingml/2006/diagram" xmlns:dsp="http://schemas.microsoft.com/office/drawing/2008/diagram" xmlns:p="http://schemas.openxmlformats.org/presentationml/2006/main">
+  <p:cSld>
+    <p:spTree>
+      <p:nvGrpSpPr>
+        <p:cNvPr id="1" name=""/>
+        <p:cNvGrpSpPr/>
+        <p:nvPr/>
+      </p:nvGrpSpPr>
+      <p:grpSpPr>
+        <a:xfrm>
+          <a:off x="0" y="0"/>
+          <a:ext cx="0" cy="0"/>
+          <a:chOff x="0" y="0"/>
+          <a:chExt cx="0" cy="0"/>
+        </a:xfrm>
+      </p:grpSpPr>
+      <p:sp>
+        <p:nvSpPr>
+          <p:cNvPr id="7" name="직사각형 1"/>
+          <p:cNvSpPr/>
+          <p:nvPr/>
+        </p:nvSpPr>
+        <p:spPr>
+          <a:xfrm>
+            <a:off x="-179512" y="-240432"/>
+            <a:ext cx="6444208" cy="1470025"/>
+          </a:xfrm>
+          <a:prstGeom prst="rect">
+            <a:avLst/>
+          </a:prstGeom>
+        </p:spPr>
+        <p:txBody>
+          <a:bodyPr vert="horz" lIns="91440" tIns="45720" rIns="91440" bIns="45720" anchor="ctr"/>
+          <a:lstStyle/>
+          <a:p>
+            <a:pPr algn="ctr" latinLnBrk="1" hangingPunct="1">
+              <a:spcBef>
+                <a:spcPct val="0"/>
+              </a:spcBef>
+              <a:buNone/>
+            </a:pPr>
+            <a:r>
+              <a:rPr xmlns:mc="http://schemas.openxmlformats.org/markup-compatibility/2006" xmlns:hp="http://schemas.haansoft.com/office/presentation/8.0" lang="en-US" altLang="ko-KR" sz="4400" b="1" i="1" spc="5" mc:Ignorable="hp" hp:hslEmbossed="0">
+                <a:solidFill>
+                  <a:schemeClr val="bg1">
+                    <a:lumMod val="90000"/>
+                  </a:schemeClr>
+                </a:solidFill>
+                <a:latin typeface="나눔고딕 ExtraBold"/>
+                <a:ea typeface="나눔고딕 ExtraBold"/>
+              </a:rPr>
+              <a:t>Infinite Synthesis x64</a:t>
+            </a:r>
+            <a:endParaRPr lang="en-US" altLang="ko-KR" b="1" i="1">
+              <a:solidFill>
+                <a:schemeClr val="bg1">
+                  <a:lumMod val="90000"/>
+                </a:schemeClr>
+              </a:solidFill>
+              <a:latin typeface="나눔고딕 ExtraBold"/>
+              <a:ea typeface="나눔고딕 ExtraBold"/>
+            </a:endParaRPr>
+          </a:p>
+        </p:txBody>
+      </p:sp>
+      <p:sp>
+        <p:nvSpPr>
+          <p:cNvPr id="8" name="직사각형 2"/>
+          <p:cNvSpPr/>
+          <p:nvPr/>
+        </p:nvSpPr>
+        <p:spPr>
+          <a:xfrm>
+            <a:off x="0" y="767680"/>
+            <a:ext cx="5005064" cy="1752600"/>
+          </a:xfrm>
+          <a:prstGeom prst="rect">
+            <a:avLst/>
+          </a:prstGeom>
+        </p:spPr>
+        <p:txBody>
+          <a:bodyPr vert="horz" lIns="91440" tIns="45720" rIns="91440" bIns="45720"/>
+          <a:lstStyle/>
+          <a:p>
+            <a:pPr marL="342900" indent="-342900" algn="l" latinLnBrk="1" hangingPunct="1">
+              <a:spcBef>
+                <a:spcPct val="20000"/>
+              </a:spcBef>
+              <a:buFont typeface="Arial"/>
+            </a:pPr>
+            <a:r>
+              <a:rPr xmlns:mc="http://schemas.openxmlformats.org/markup-compatibility/2006" xmlns:hp="http://schemas.haansoft.com/office/presentation/8.0" lang="ko-KR" altLang="en-US" sz="2500" b="1" i="0" spc="5" mc:Ignorable="hp" hp:hslEmbossed="0">
+                <a:solidFill>
+                  <a:schemeClr val="bg1">
+                    <a:lumMod val="90000"/>
+                  </a:schemeClr>
+                </a:solidFill>
+                <a:latin typeface="나눔고딕"/>
+                <a:ea typeface="나눔고딕"/>
+              </a:rPr>
+              <a:t>  </a:t>
+            </a:r>
+            <a:r>
+              <a:rPr xmlns:mc="http://schemas.openxmlformats.org/markup-compatibility/2006" xmlns:hp="http://schemas.haansoft.com/office/presentation/8.0" lang="en-US" altLang="ko-KR" sz="2500" b="1" i="0" spc="5" mc:Ignorable="hp" hp:hslEmbossed="0">
+                <a:solidFill>
+                  <a:schemeClr val="bg1">
+                    <a:lumMod val="90000"/>
+                  </a:schemeClr>
+                </a:solidFill>
+                <a:latin typeface="나눔고딕"/>
+                <a:ea typeface="나눔고딕"/>
+              </a:rPr>
+              <a:t>x86_64 OS</a:t>
+            </a:r>
+            <a:r>
+              <a:rPr xmlns:mc="http://schemas.openxmlformats.org/markup-compatibility/2006" xmlns:hp="http://schemas.haansoft.com/office/presentation/8.0" lang="ko-KR" altLang="en-US" sz="2500" b="1" i="0" spc="5" mc:Ignorable="hp" hp:hslEmbossed="0">
+                <a:solidFill>
+                  <a:schemeClr val="bg1">
+                    <a:lumMod val="90000"/>
+                  </a:schemeClr>
+                </a:solidFill>
+                <a:latin typeface="나눔고딕"/>
+                <a:ea typeface="나눔고딕"/>
+              </a:rPr>
+              <a:t> </a:t>
+            </a:r>
+            <a:r>
+              <a:rPr xmlns:mc="http://schemas.openxmlformats.org/markup-compatibility/2006" xmlns:hp="http://schemas.haansoft.com/office/presentation/8.0" lang="en-US" altLang="ko-KR" sz="2500" b="1" i="0" spc="5" mc:Ignorable="hp" hp:hslEmbossed="0">
+                <a:solidFill>
+                  <a:schemeClr val="bg1">
+                    <a:lumMod val="90000"/>
+                  </a:schemeClr>
+                </a:solidFill>
+                <a:latin typeface="나눔고딕"/>
+                <a:ea typeface="나눔고딕"/>
+              </a:rPr>
+              <a:t>for Study</a:t>
+            </a:r>
+            <a:endParaRPr xmlns:mc="http://schemas.openxmlformats.org/markup-compatibility/2006" xmlns:hp="http://schemas.haansoft.com/office/presentation/8.0" lang="en-US" altLang="ko-KR" sz="2500" b="1" i="0" spc="5" mc:Ignorable="hp" hp:hslEmbossed="0">
+              <a:solidFill>
+                <a:schemeClr val="bg1">
+                  <a:lumMod val="90000"/>
+                </a:schemeClr>
+              </a:solidFill>
+              <a:latin typeface="나눔고딕"/>
+              <a:ea typeface="나눔고딕"/>
+            </a:endParaRPr>
+          </a:p>
+        </p:txBody>
+      </p:sp>
+      <p:sp>
+        <p:nvSpPr>
+          <p:cNvPr id="3" name="직사각형 2"/>
+          <p:cNvSpPr/>
+          <p:nvPr>
+            <p:ph idx="1"/>
+          </p:nvPr>
+        </p:nvSpPr>
+        <p:spPr>
+          <a:xfrm>
+            <a:off x="302839" y="1052736"/>
+            <a:ext cx="8229600" cy="4525963"/>
+          </a:xfrm>
+        </p:spPr>
+        <p:txBody>
+          <a:bodyPr/>
+          <a:lstStyle/>
+          <a:p>
+            <a:pPr>
+              <a:buNone/>
+            </a:pPr>
+            <a:r>
+              <a:rPr lang="en-US" altLang="ko-KR"/>
+              <a:t>init32.c</a:t>
+            </a:r>
+            <a:endParaRPr lang="en-US" altLang="ko-KR"/>
+          </a:p>
+          <a:p>
+            <a:pPr>
+              <a:buNone/>
+            </a:pPr>
+            <a:endParaRPr lang="en-US" altLang="ko-KR"/>
+          </a:p>
+        </p:txBody>
+      </p:sp>
+      <p:sp>
+        <p:nvSpPr>
+          <p:cNvPr id="4" name="직사각형 1"/>
+          <p:cNvSpPr/>
+          <p:nvPr/>
+        </p:nvSpPr>
+        <p:spPr>
+          <a:xfrm>
+            <a:off x="0" y="0"/>
+            <a:ext cx="3672408" cy="908720"/>
+          </a:xfrm>
+          <a:prstGeom prst="rect">
+            <a:avLst/>
+          </a:prstGeom>
+        </p:spPr>
+        <p:txBody>
+          <a:bodyPr vert="horz" lIns="91440" tIns="45720" rIns="91440" bIns="45720" anchor="ctr"/>
+          <a:p>
+            <a:pPr algn="ctr" latinLnBrk="1" hangingPunct="1">
+              <a:spcBef>
+                <a:spcPct val="0"/>
+              </a:spcBef>
+              <a:buNone/>
+            </a:pPr>
+            <a:r>
+              <a:rPr xmlns:mc="http://schemas.openxmlformats.org/markup-compatibility/2006" xmlns:hp="http://schemas.haansoft.com/office/presentation/8.0" lang="ko-KR" altLang="en-US" sz="4400" b="1" spc="5" mc:Ignorable="hp" hp:hslEmbossed="0">
+                <a:solidFill>
+                  <a:srgbClr val="ff6600"/>
+                </a:solidFill>
+                <a:latin typeface="고도 B"/>
+                <a:ea typeface="고도 B"/>
+              </a:rPr>
+              <a:t>소스코드 목차</a:t>
+            </a:r>
+            <a:endParaRPr xmlns:mc="http://schemas.openxmlformats.org/markup-compatibility/2006" xmlns:hp="http://schemas.haansoft.com/office/presentation/8.0" lang="ko-KR" altLang="en-US" sz="4400" b="1" spc="5" mc:Ignorable="hp" hp:hslEmbossed="0">
+              <a:solidFill>
+                <a:srgbClr val="ff6600"/>
+              </a:solidFill>
+              <a:latin typeface="고도 B"/>
+              <a:ea typeface="고도 B"/>
             </a:endParaRPr>
           </a:p>
         </p:txBody>
